--- a/001_code_refact.pptx
+++ b/001_code_refact.pptx
@@ -5,10 +5,10 @@
     <p:sldMasterId id="2147483660" r:id="rId1"/>
   </p:sldMasterIdLst>
   <p:notesMasterIdLst>
-    <p:notesMasterId r:id="rId7"/>
+    <p:notesMasterId r:id="rId8"/>
   </p:notesMasterIdLst>
   <p:handoutMasterIdLst>
-    <p:handoutMasterId r:id="rId8"/>
+    <p:handoutMasterId r:id="rId9"/>
   </p:handoutMasterIdLst>
   <p:sldIdLst>
     <p:sldId id="340" r:id="rId2"/>
@@ -16,6 +16,7 @@
     <p:sldId id="359" r:id="rId4"/>
     <p:sldId id="360" r:id="rId5"/>
     <p:sldId id="361" r:id="rId6"/>
+    <p:sldId id="362" r:id="rId7"/>
   </p:sldIdLst>
   <p:sldSz cx="12195175" cy="6859588"/>
   <p:notesSz cx="6797675" cy="9874250"/>
@@ -148,6 +149,7 @@
             <p14:sldId id="359"/>
             <p14:sldId id="360"/>
             <p14:sldId id="361"/>
+            <p14:sldId id="362"/>
           </p14:sldIdLst>
         </p14:section>
       </p14:sectionLst>
@@ -6879,13 +6881,8 @@
           <a:p>
             <a:r>
               <a:rPr lang="en-US" dirty="0" smtClean="0"/>
-              <a:t>2015 </a:t>
-            </a:r>
-            <a:r>
-              <a:rPr lang="en-US" dirty="0" smtClean="0"/>
-              <a:t>Oct</a:t>
-            </a:r>
-            <a:endParaRPr lang="en-US" dirty="0" smtClean="0"/>
+              <a:t>2015 Oct</a:t>
+            </a:r>
           </a:p>
         </p:txBody>
       </p:sp>
@@ -8155,6 +8152,1045 @@
   <p:clrMapOvr>
     <a:masterClrMapping/>
   </p:clrMapOvr>
+  <p:timing>
+    <p:tnLst>
+      <p:par>
+        <p:cTn id="1" dur="indefinite" restart="never" nodeType="tmRoot"/>
+      </p:par>
+    </p:tnLst>
+  </p:timing>
+</p:sld>
+</file>
+
+<file path=ppt/slides/slide6.xml><?xml version="1.0" encoding="utf-8"?>
+<p:sld xmlns:a="http://schemas.openxmlformats.org/drawingml/2006/main" xmlns:r="http://schemas.openxmlformats.org/officeDocument/2006/relationships" xmlns:p="http://schemas.openxmlformats.org/presentationml/2006/main">
+  <p:cSld>
+    <p:spTree>
+      <p:nvGrpSpPr>
+        <p:cNvPr id="1" name=""/>
+        <p:cNvGrpSpPr/>
+        <p:nvPr/>
+      </p:nvGrpSpPr>
+      <p:grpSpPr>
+        <a:xfrm>
+          <a:off x="0" y="0"/>
+          <a:ext cx="0" cy="0"/>
+          <a:chOff x="0" y="0"/>
+          <a:chExt cx="0" cy="0"/>
+        </a:xfrm>
+      </p:grpSpPr>
+      <p:sp>
+        <p:nvSpPr>
+          <p:cNvPr id="2" name="Title 1"/>
+          <p:cNvSpPr>
+            <a:spLocks noGrp="1"/>
+          </p:cNvSpPr>
+          <p:nvPr>
+            <p:ph type="title"/>
+          </p:nvPr>
+        </p:nvSpPr>
+        <p:spPr/>
+        <p:txBody>
+          <a:bodyPr/>
+          <a:lstStyle/>
+          <a:p>
+            <a:r>
+              <a:rPr lang="en-US" dirty="0" smtClean="0"/>
+              <a:t>Colons </a:t>
+            </a:r>
+            <a:r>
+              <a:rPr lang="en-US" altLang="zh-CN" dirty="0" smtClean="0"/>
+              <a:t>in JavaScript</a:t>
+            </a:r>
+            <a:endParaRPr lang="en-US" dirty="0"/>
+          </a:p>
+        </p:txBody>
+      </p:sp>
+      <p:sp>
+        <p:nvSpPr>
+          <p:cNvPr id="5" name="Rectangle 4"/>
+          <p:cNvSpPr/>
+          <p:nvPr/>
+        </p:nvSpPr>
+        <p:spPr>
+          <a:xfrm>
+            <a:off x="324000" y="1532228"/>
+            <a:ext cx="6096000" cy="2677656"/>
+          </a:xfrm>
+          <a:prstGeom prst="rect">
+            <a:avLst/>
+          </a:prstGeom>
+        </p:spPr>
+        <p:txBody>
+          <a:bodyPr>
+            <a:spAutoFit/>
+          </a:bodyPr>
+          <a:lstStyle/>
+          <a:p>
+            <a:r>
+              <a:rPr lang="en-US" dirty="0"/>
+              <a:t>function a() {</a:t>
+            </a:r>
+          </a:p>
+          <a:p>
+            <a:r>
+              <a:rPr lang="en-US" dirty="0"/>
+              <a:t>	console.log("I was called!");</a:t>
+            </a:r>
+          </a:p>
+          <a:p>
+            <a:r>
+              <a:rPr lang="en-US" dirty="0"/>
+              <a:t>	return "Jerry";</a:t>
+            </a:r>
+          </a:p>
+          <a:p>
+            <a:r>
+              <a:rPr lang="en-US" dirty="0"/>
+              <a:t>}</a:t>
+            </a:r>
+          </a:p>
+          <a:p>
+            <a:endParaRPr lang="en-US" dirty="0"/>
+          </a:p>
+          <a:p>
+            <a:endParaRPr lang="en-US" dirty="0"/>
+          </a:p>
+          <a:p>
+            <a:r>
+              <a:rPr lang="en-US" dirty="0" err="1"/>
+              <a:t>var</a:t>
+            </a:r>
+            <a:r>
+              <a:rPr lang="en-US" dirty="0"/>
+              <a:t> b = a(), a; </a:t>
+            </a:r>
+            <a:endParaRPr lang="en-US" dirty="0" smtClean="0"/>
+          </a:p>
+          <a:p>
+            <a:r>
+              <a:rPr lang="en-US" dirty="0" smtClean="0"/>
+              <a:t>console.log(b); </a:t>
+            </a:r>
+            <a:endParaRPr lang="en-US" dirty="0"/>
+          </a:p>
+        </p:txBody>
+      </p:sp>
+      <p:sp>
+        <p:nvSpPr>
+          <p:cNvPr id="6" name="TextBox 5"/>
+          <p:cNvSpPr txBox="1"/>
+          <p:nvPr/>
+        </p:nvSpPr>
+        <p:spPr>
+          <a:xfrm>
+            <a:off x="2224217" y="3851538"/>
+            <a:ext cx="1791729" cy="276999"/>
+          </a:xfrm>
+          <a:prstGeom prst="rect">
+            <a:avLst/>
+          </a:prstGeom>
+          <a:noFill/>
+        </p:spPr>
+        <p:txBody>
+          <a:bodyPr wrap="square" lIns="0" tIns="0" rIns="0" bIns="0" rtlCol="0">
+            <a:spAutoFit/>
+          </a:bodyPr>
+          <a:lstStyle/>
+          <a:p>
+            <a:pPr fontAlgn="base">
+              <a:spcBef>
+                <a:spcPts val="600"/>
+              </a:spcBef>
+              <a:spcAft>
+                <a:spcPct val="0"/>
+              </a:spcAft>
+              <a:buClr>
+                <a:srgbClr val="F0AB00"/>
+              </a:buClr>
+              <a:buSzPct val="80000"/>
+            </a:pPr>
+            <a:r>
+              <a:rPr lang="en-US" sz="1800" kern="0" dirty="0" smtClean="0">
+                <a:ea typeface="Arial Unicode MS" pitchFamily="34" charset="-128"/>
+                <a:cs typeface="Arial Unicode MS" pitchFamily="34" charset="-128"/>
+              </a:rPr>
+              <a:t>// Jerry</a:t>
+            </a:r>
+            <a:endParaRPr lang="en-US" sz="1800" kern="0" dirty="0" smtClean="0">
+              <a:ea typeface="Arial Unicode MS" pitchFamily="34" charset="-128"/>
+              <a:cs typeface="Arial Unicode MS" pitchFamily="34" charset="-128"/>
+            </a:endParaRPr>
+          </a:p>
+        </p:txBody>
+      </p:sp>
+      <p:sp>
+        <p:nvSpPr>
+          <p:cNvPr id="7" name="TextBox 6"/>
+          <p:cNvSpPr txBox="1"/>
+          <p:nvPr/>
+        </p:nvSpPr>
+        <p:spPr>
+          <a:xfrm>
+            <a:off x="5647038" y="1532228"/>
+            <a:ext cx="5647038" cy="1692771"/>
+          </a:xfrm>
+          <a:prstGeom prst="rect">
+            <a:avLst/>
+          </a:prstGeom>
+          <a:noFill/>
+        </p:spPr>
+        <p:txBody>
+          <a:bodyPr wrap="square" lIns="0" tIns="0" rIns="0" bIns="0" rtlCol="0">
+            <a:spAutoFit/>
+          </a:bodyPr>
+          <a:lstStyle/>
+          <a:p>
+            <a:pPr fontAlgn="base">
+              <a:spcBef>
+                <a:spcPts val="600"/>
+              </a:spcBef>
+              <a:spcAft>
+                <a:spcPct val="0"/>
+              </a:spcAft>
+              <a:buClr>
+                <a:srgbClr val="F0AB00"/>
+              </a:buClr>
+              <a:buSzPct val="80000"/>
+            </a:pPr>
+            <a:r>
+              <a:rPr lang="en-US" sz="1800" kern="0" dirty="0" err="1">
+                <a:ea typeface="Arial Unicode MS" pitchFamily="34" charset="-128"/>
+                <a:cs typeface="Arial Unicode MS" pitchFamily="34" charset="-128"/>
+              </a:rPr>
+              <a:t>var</a:t>
+            </a:r>
+            <a:r>
+              <a:rPr lang="en-US" sz="1800" kern="0" dirty="0">
+                <a:ea typeface="Arial Unicode MS" pitchFamily="34" charset="-128"/>
+                <a:cs typeface="Arial Unicode MS" pitchFamily="34" charset="-128"/>
+              </a:rPr>
+              <a:t> d = (function c(){</a:t>
+            </a:r>
+          </a:p>
+          <a:p>
+            <a:pPr fontAlgn="base">
+              <a:spcBef>
+                <a:spcPts val="600"/>
+              </a:spcBef>
+              <a:spcAft>
+                <a:spcPct val="0"/>
+              </a:spcAft>
+              <a:buClr>
+                <a:srgbClr val="F0AB00"/>
+              </a:buClr>
+              <a:buSzPct val="80000"/>
+            </a:pPr>
+            <a:r>
+              <a:rPr lang="en-US" sz="1800" kern="0" dirty="0">
+                <a:ea typeface="Arial Unicode MS" pitchFamily="34" charset="-128"/>
+                <a:cs typeface="Arial Unicode MS" pitchFamily="34" charset="-128"/>
+              </a:rPr>
+              <a:t>	return a(),a; </a:t>
+            </a:r>
+          </a:p>
+          <a:p>
+            <a:pPr fontAlgn="base">
+              <a:spcBef>
+                <a:spcPts val="600"/>
+              </a:spcBef>
+              <a:spcAft>
+                <a:spcPct val="0"/>
+              </a:spcAft>
+              <a:buClr>
+                <a:srgbClr val="F0AB00"/>
+              </a:buClr>
+              <a:buSzPct val="80000"/>
+            </a:pPr>
+            <a:r>
+              <a:rPr lang="en-US" sz="1800" kern="0" dirty="0" smtClean="0">
+                <a:ea typeface="Arial Unicode MS" pitchFamily="34" charset="-128"/>
+                <a:cs typeface="Arial Unicode MS" pitchFamily="34" charset="-128"/>
+              </a:rPr>
+              <a:t>})();</a:t>
+            </a:r>
+          </a:p>
+          <a:p>
+            <a:pPr fontAlgn="base">
+              <a:spcBef>
+                <a:spcPts val="600"/>
+              </a:spcBef>
+              <a:spcAft>
+                <a:spcPct val="0"/>
+              </a:spcAft>
+              <a:buClr>
+                <a:srgbClr val="F0AB00"/>
+              </a:buClr>
+              <a:buSzPct val="80000"/>
+            </a:pPr>
+            <a:endParaRPr lang="en-US" sz="1800" kern="0" dirty="0">
+              <a:ea typeface="Arial Unicode MS" pitchFamily="34" charset="-128"/>
+              <a:cs typeface="Arial Unicode MS" pitchFamily="34" charset="-128"/>
+            </a:endParaRPr>
+          </a:p>
+          <a:p>
+            <a:pPr fontAlgn="base">
+              <a:spcBef>
+                <a:spcPts val="600"/>
+              </a:spcBef>
+              <a:spcAft>
+                <a:spcPct val="0"/>
+              </a:spcAft>
+              <a:buClr>
+                <a:srgbClr val="F0AB00"/>
+              </a:buClr>
+              <a:buSzPct val="80000"/>
+            </a:pPr>
+            <a:r>
+              <a:rPr lang="en-US" sz="1800" kern="0" dirty="0" smtClean="0">
+                <a:ea typeface="Arial Unicode MS" pitchFamily="34" charset="-128"/>
+                <a:cs typeface="Arial Unicode MS" pitchFamily="34" charset="-128"/>
+              </a:rPr>
+              <a:t>console.log(d);</a:t>
+            </a:r>
+            <a:endParaRPr lang="en-US" sz="1800" kern="0" dirty="0" smtClean="0">
+              <a:ea typeface="Arial Unicode MS" pitchFamily="34" charset="-128"/>
+              <a:cs typeface="Arial Unicode MS" pitchFamily="34" charset="-128"/>
+            </a:endParaRPr>
+          </a:p>
+        </p:txBody>
+      </p:sp>
+      <p:sp>
+        <p:nvSpPr>
+          <p:cNvPr id="8" name="TextBox 7"/>
+          <p:cNvSpPr txBox="1"/>
+          <p:nvPr/>
+        </p:nvSpPr>
+        <p:spPr>
+          <a:xfrm>
+            <a:off x="5647038" y="3620530"/>
+            <a:ext cx="4300151" cy="2046714"/>
+          </a:xfrm>
+          <a:prstGeom prst="rect">
+            <a:avLst/>
+          </a:prstGeom>
+          <a:noFill/>
+        </p:spPr>
+        <p:txBody>
+          <a:bodyPr wrap="square" lIns="0" tIns="0" rIns="0" bIns="0" rtlCol="0">
+            <a:spAutoFit/>
+          </a:bodyPr>
+          <a:lstStyle/>
+          <a:p>
+            <a:pPr fontAlgn="base">
+              <a:spcBef>
+                <a:spcPts val="600"/>
+              </a:spcBef>
+              <a:spcAft>
+                <a:spcPct val="0"/>
+              </a:spcAft>
+              <a:buClr>
+                <a:srgbClr val="F0AB00"/>
+              </a:buClr>
+              <a:buSzPct val="80000"/>
+            </a:pPr>
+            <a:r>
+              <a:rPr lang="en-US" sz="1800" kern="0" dirty="0" smtClean="0">
+                <a:ea typeface="Arial Unicode MS" pitchFamily="34" charset="-128"/>
+                <a:cs typeface="Arial Unicode MS" pitchFamily="34" charset="-128"/>
+              </a:rPr>
+              <a:t>will print:</a:t>
+            </a:r>
+          </a:p>
+          <a:p>
+            <a:pPr fontAlgn="base">
+              <a:spcBef>
+                <a:spcPts val="600"/>
+              </a:spcBef>
+              <a:spcAft>
+                <a:spcPct val="0"/>
+              </a:spcAft>
+              <a:buClr>
+                <a:srgbClr val="F0AB00"/>
+              </a:buClr>
+              <a:buSzPct val="80000"/>
+            </a:pPr>
+            <a:r>
+              <a:rPr lang="en-US" sz="1800" kern="0" dirty="0">
+                <a:ea typeface="Arial Unicode MS" pitchFamily="34" charset="-128"/>
+                <a:cs typeface="Arial Unicode MS" pitchFamily="34" charset="-128"/>
+              </a:rPr>
+              <a:t>I was </a:t>
+            </a:r>
+            <a:r>
+              <a:rPr lang="en-US" sz="1800" kern="0" dirty="0" smtClean="0">
+                <a:ea typeface="Arial Unicode MS" pitchFamily="34" charset="-128"/>
+                <a:cs typeface="Arial Unicode MS" pitchFamily="34" charset="-128"/>
+              </a:rPr>
+              <a:t>called!</a:t>
+            </a:r>
+            <a:endParaRPr lang="en-US" sz="1800" kern="0" dirty="0" smtClean="0">
+              <a:ea typeface="Arial Unicode MS" pitchFamily="34" charset="-128"/>
+              <a:cs typeface="Arial Unicode MS" pitchFamily="34" charset="-128"/>
+            </a:endParaRPr>
+          </a:p>
+          <a:p>
+            <a:pPr fontAlgn="base">
+              <a:spcBef>
+                <a:spcPts val="600"/>
+              </a:spcBef>
+              <a:spcAft>
+                <a:spcPct val="0"/>
+              </a:spcAft>
+              <a:buClr>
+                <a:srgbClr val="F0AB00"/>
+              </a:buClr>
+              <a:buSzPct val="80000"/>
+            </a:pPr>
+            <a:r>
+              <a:rPr lang="en-US" sz="1800" kern="0" dirty="0">
+                <a:ea typeface="Arial Unicode MS" pitchFamily="34" charset="-128"/>
+                <a:cs typeface="Arial Unicode MS" pitchFamily="34" charset="-128"/>
+              </a:rPr>
+              <a:t>function a() {</a:t>
+            </a:r>
+          </a:p>
+          <a:p>
+            <a:pPr fontAlgn="base">
+              <a:spcBef>
+                <a:spcPts val="600"/>
+              </a:spcBef>
+              <a:spcAft>
+                <a:spcPct val="0"/>
+              </a:spcAft>
+              <a:buClr>
+                <a:srgbClr val="F0AB00"/>
+              </a:buClr>
+              <a:buSzPct val="80000"/>
+            </a:pPr>
+            <a:r>
+              <a:rPr lang="en-US" sz="1800" kern="0" dirty="0">
+                <a:ea typeface="Arial Unicode MS" pitchFamily="34" charset="-128"/>
+                <a:cs typeface="Arial Unicode MS" pitchFamily="34" charset="-128"/>
+              </a:rPr>
+              <a:t>	console.log("I was called!");</a:t>
+            </a:r>
+          </a:p>
+          <a:p>
+            <a:pPr fontAlgn="base">
+              <a:spcBef>
+                <a:spcPts val="600"/>
+              </a:spcBef>
+              <a:spcAft>
+                <a:spcPct val="0"/>
+              </a:spcAft>
+              <a:buClr>
+                <a:srgbClr val="F0AB00"/>
+              </a:buClr>
+              <a:buSzPct val="80000"/>
+            </a:pPr>
+            <a:r>
+              <a:rPr lang="en-US" sz="1800" kern="0" dirty="0">
+                <a:ea typeface="Arial Unicode MS" pitchFamily="34" charset="-128"/>
+                <a:cs typeface="Arial Unicode MS" pitchFamily="34" charset="-128"/>
+              </a:rPr>
+              <a:t>	return "Jerry";</a:t>
+            </a:r>
+          </a:p>
+          <a:p>
+            <a:pPr fontAlgn="base">
+              <a:spcBef>
+                <a:spcPts val="600"/>
+              </a:spcBef>
+              <a:spcAft>
+                <a:spcPct val="0"/>
+              </a:spcAft>
+              <a:buClr>
+                <a:srgbClr val="F0AB00"/>
+              </a:buClr>
+              <a:buSzPct val="80000"/>
+            </a:pPr>
+            <a:r>
+              <a:rPr lang="en-US" sz="1800" kern="0" dirty="0">
+                <a:ea typeface="Arial Unicode MS" pitchFamily="34" charset="-128"/>
+                <a:cs typeface="Arial Unicode MS" pitchFamily="34" charset="-128"/>
+              </a:rPr>
+              <a:t>}</a:t>
+            </a:r>
+            <a:endParaRPr lang="en-US" sz="1800" kern="0" dirty="0" smtClean="0">
+              <a:ea typeface="Arial Unicode MS" pitchFamily="34" charset="-128"/>
+              <a:cs typeface="Arial Unicode MS" pitchFamily="34" charset="-128"/>
+            </a:endParaRPr>
+          </a:p>
+        </p:txBody>
+      </p:sp>
+      <p:sp>
+        <p:nvSpPr>
+          <p:cNvPr id="9" name="TextBox 8"/>
+          <p:cNvSpPr txBox="1"/>
+          <p:nvPr/>
+        </p:nvSpPr>
+        <p:spPr>
+          <a:xfrm>
+            <a:off x="432486" y="4661862"/>
+            <a:ext cx="4176584" cy="1338828"/>
+          </a:xfrm>
+          <a:prstGeom prst="rect">
+            <a:avLst/>
+          </a:prstGeom>
+          <a:noFill/>
+        </p:spPr>
+        <p:txBody>
+          <a:bodyPr wrap="square" lIns="0" tIns="0" rIns="0" bIns="0" rtlCol="0">
+            <a:spAutoFit/>
+          </a:bodyPr>
+          <a:lstStyle/>
+          <a:p>
+            <a:pPr fontAlgn="base">
+              <a:spcBef>
+                <a:spcPts val="600"/>
+              </a:spcBef>
+              <a:spcAft>
+                <a:spcPct val="0"/>
+              </a:spcAft>
+              <a:buClr>
+                <a:srgbClr val="F0AB00"/>
+              </a:buClr>
+              <a:buSzPct val="80000"/>
+            </a:pPr>
+            <a:r>
+              <a:rPr lang="da-DK" sz="1800" kern="0" dirty="0">
+                <a:ea typeface="Arial Unicode MS" pitchFamily="34" charset="-128"/>
+                <a:cs typeface="Arial Unicode MS" pitchFamily="34" charset="-128"/>
+              </a:rPr>
+              <a:t>(</a:t>
+            </a:r>
+            <a:r>
+              <a:rPr lang="da-DK" sz="1800" kern="0" dirty="0" err="1">
+                <a:ea typeface="Arial Unicode MS" pitchFamily="34" charset="-128"/>
+                <a:cs typeface="Arial Unicode MS" pitchFamily="34" charset="-128"/>
+              </a:rPr>
+              <a:t>function</a:t>
+            </a:r>
+            <a:r>
+              <a:rPr lang="da-DK" sz="1800" kern="0" dirty="0">
+                <a:ea typeface="Arial Unicode MS" pitchFamily="34" charset="-128"/>
+                <a:cs typeface="Arial Unicode MS" pitchFamily="34" charset="-128"/>
+              </a:rPr>
+              <a:t>() </a:t>
+            </a:r>
+            <a:r>
+              <a:rPr lang="da-DK" sz="1800" kern="0" dirty="0" smtClean="0">
+                <a:ea typeface="Arial Unicode MS" pitchFamily="34" charset="-128"/>
+                <a:cs typeface="Arial Unicode MS" pitchFamily="34" charset="-128"/>
+              </a:rPr>
+              <a:t>{</a:t>
+            </a:r>
+          </a:p>
+          <a:p>
+            <a:pPr fontAlgn="base">
+              <a:spcBef>
+                <a:spcPts val="600"/>
+              </a:spcBef>
+              <a:spcAft>
+                <a:spcPct val="0"/>
+              </a:spcAft>
+              <a:buClr>
+                <a:srgbClr val="F0AB00"/>
+              </a:buClr>
+              <a:buSzPct val="80000"/>
+            </a:pPr>
+            <a:endParaRPr lang="da-DK" sz="1800" kern="0" dirty="0">
+              <a:ea typeface="Arial Unicode MS" pitchFamily="34" charset="-128"/>
+              <a:cs typeface="Arial Unicode MS" pitchFamily="34" charset="-128"/>
+            </a:endParaRPr>
+          </a:p>
+          <a:p>
+            <a:pPr fontAlgn="base">
+              <a:spcBef>
+                <a:spcPts val="600"/>
+              </a:spcBef>
+              <a:spcAft>
+                <a:spcPct val="0"/>
+              </a:spcAft>
+              <a:buClr>
+                <a:srgbClr val="F0AB00"/>
+              </a:buClr>
+              <a:buSzPct val="80000"/>
+            </a:pPr>
+            <a:r>
+              <a:rPr lang="da-DK" sz="1800" kern="0" dirty="0">
+                <a:ea typeface="Arial Unicode MS" pitchFamily="34" charset="-128"/>
+                <a:cs typeface="Arial Unicode MS" pitchFamily="34" charset="-128"/>
+              </a:rPr>
+              <a:t>    var e = f = 1</a:t>
+            </a:r>
+            <a:r>
+              <a:rPr lang="da-DK" sz="1800" kern="0" dirty="0" smtClean="0">
+                <a:ea typeface="Arial Unicode MS" pitchFamily="34" charset="-128"/>
+                <a:cs typeface="Arial Unicode MS" pitchFamily="34" charset="-128"/>
+              </a:rPr>
+              <a:t>;</a:t>
+            </a:r>
+          </a:p>
+          <a:p>
+            <a:pPr fontAlgn="base">
+              <a:spcBef>
+                <a:spcPts val="600"/>
+              </a:spcBef>
+              <a:spcAft>
+                <a:spcPct val="0"/>
+              </a:spcAft>
+              <a:buClr>
+                <a:srgbClr val="F0AB00"/>
+              </a:buClr>
+              <a:buSzPct val="80000"/>
+            </a:pPr>
+            <a:r>
+              <a:rPr lang="da-DK" sz="1800" kern="0" dirty="0" smtClean="0">
+                <a:ea typeface="Arial Unicode MS" pitchFamily="34" charset="-128"/>
+                <a:cs typeface="Arial Unicode MS" pitchFamily="34" charset="-128"/>
+              </a:rPr>
+              <a:t>})();</a:t>
+            </a:r>
+            <a:endParaRPr lang="en-US" sz="1800" kern="0" dirty="0" err="1" smtClean="0">
+              <a:ea typeface="Arial Unicode MS" pitchFamily="34" charset="-128"/>
+              <a:cs typeface="Arial Unicode MS" pitchFamily="34" charset="-128"/>
+            </a:endParaRPr>
+          </a:p>
+        </p:txBody>
+      </p:sp>
+      <p:sp>
+        <p:nvSpPr>
+          <p:cNvPr id="10" name="Rectangle 9"/>
+          <p:cNvSpPr/>
+          <p:nvPr/>
+        </p:nvSpPr>
+        <p:spPr>
+          <a:xfrm>
+            <a:off x="575444" y="4918037"/>
+            <a:ext cx="1529586" cy="415498"/>
+          </a:xfrm>
+          <a:prstGeom prst="rect">
+            <a:avLst/>
+          </a:prstGeom>
+        </p:spPr>
+        <p:txBody>
+          <a:bodyPr wrap="none">
+            <a:spAutoFit/>
+          </a:bodyPr>
+          <a:lstStyle/>
+          <a:p>
+            <a:r>
+              <a:rPr lang="en-US" dirty="0"/>
+              <a:t>"use strict";</a:t>
+            </a:r>
+          </a:p>
+        </p:txBody>
+      </p:sp>
+      <p:sp>
+        <p:nvSpPr>
+          <p:cNvPr id="11" name="Rectangle 10"/>
+          <p:cNvSpPr/>
+          <p:nvPr/>
+        </p:nvSpPr>
+        <p:spPr>
+          <a:xfrm>
+            <a:off x="1720520" y="6000690"/>
+            <a:ext cx="5145961" cy="415498"/>
+          </a:xfrm>
+          <a:prstGeom prst="rect">
+            <a:avLst/>
+          </a:prstGeom>
+        </p:spPr>
+        <p:txBody>
+          <a:bodyPr wrap="none">
+            <a:spAutoFit/>
+          </a:bodyPr>
+          <a:lstStyle/>
+          <a:p>
+            <a:r>
+              <a:rPr lang="en-US" dirty="0"/>
+              <a:t>Uncaught </a:t>
+            </a:r>
+            <a:r>
+              <a:rPr lang="en-US" dirty="0" err="1"/>
+              <a:t>ReferenceError</a:t>
+            </a:r>
+            <a:r>
+              <a:rPr lang="en-US" dirty="0"/>
+              <a:t>: f is not defined</a:t>
+            </a:r>
+          </a:p>
+        </p:txBody>
+      </p:sp>
+    </p:spTree>
+    <p:extLst>
+      <p:ext uri="{BB962C8B-B14F-4D97-AF65-F5344CB8AC3E}">
+        <p14:creationId xmlns:p14="http://schemas.microsoft.com/office/powerpoint/2010/main" val="116688234"/>
+      </p:ext>
+    </p:extLst>
+  </p:cSld>
+  <p:clrMapOvr>
+    <a:masterClrMapping/>
+  </p:clrMapOvr>
+  <p:timing>
+    <p:tnLst>
+      <p:par>
+        <p:cTn id="1" dur="indefinite" restart="never" nodeType="tmRoot">
+          <p:childTnLst>
+            <p:seq concurrent="1" nextAc="seek">
+              <p:cTn id="2" dur="indefinite" nodeType="mainSeq">
+                <p:childTnLst>
+                  <p:par>
+                    <p:cTn id="3" fill="hold">
+                      <p:stCondLst>
+                        <p:cond delay="indefinite"/>
+                      </p:stCondLst>
+                      <p:childTnLst>
+                        <p:par>
+                          <p:cTn id="4" fill="hold">
+                            <p:stCondLst>
+                              <p:cond delay="0"/>
+                            </p:stCondLst>
+                            <p:childTnLst>
+                              <p:par>
+                                <p:cTn id="5" presetID="1" presetClass="entr" presetSubtype="0" fill="hold" nodeType="clickEffect">
+                                  <p:stCondLst>
+                                    <p:cond delay="0"/>
+                                  </p:stCondLst>
+                                  <p:childTnLst>
+                                    <p:set>
+                                      <p:cBhvr>
+                                        <p:cTn id="6" dur="1" fill="hold">
+                                          <p:stCondLst>
+                                            <p:cond delay="0"/>
+                                          </p:stCondLst>
+                                        </p:cTn>
+                                        <p:tgtEl>
+                                          <p:spTgt spid="5">
+                                            <p:txEl>
+                                              <p:pRg st="7" end="7"/>
+                                            </p:txEl>
+                                          </p:spTgt>
+                                        </p:tgtEl>
+                                        <p:attrNameLst>
+                                          <p:attrName>style.visibility</p:attrName>
+                                        </p:attrNameLst>
+                                      </p:cBhvr>
+                                      <p:to>
+                                        <p:strVal val="visible"/>
+                                      </p:to>
+                                    </p:set>
+                                  </p:childTnLst>
+                                </p:cTn>
+                              </p:par>
+                            </p:childTnLst>
+                          </p:cTn>
+                        </p:par>
+                      </p:childTnLst>
+                    </p:cTn>
+                  </p:par>
+                  <p:par>
+                    <p:cTn id="7" fill="hold">
+                      <p:stCondLst>
+                        <p:cond delay="indefinite"/>
+                      </p:stCondLst>
+                      <p:childTnLst>
+                        <p:par>
+                          <p:cTn id="8" fill="hold">
+                            <p:stCondLst>
+                              <p:cond delay="0"/>
+                            </p:stCondLst>
+                            <p:childTnLst>
+                              <p:par>
+                                <p:cTn id="9" presetID="1" presetClass="entr" presetSubtype="0" fill="hold" grpId="0" nodeType="clickEffect">
+                                  <p:stCondLst>
+                                    <p:cond delay="0"/>
+                                  </p:stCondLst>
+                                  <p:childTnLst>
+                                    <p:set>
+                                      <p:cBhvr>
+                                        <p:cTn id="10" dur="1" fill="hold">
+                                          <p:stCondLst>
+                                            <p:cond delay="0"/>
+                                          </p:stCondLst>
+                                        </p:cTn>
+                                        <p:tgtEl>
+                                          <p:spTgt spid="6"/>
+                                        </p:tgtEl>
+                                        <p:attrNameLst>
+                                          <p:attrName>style.visibility</p:attrName>
+                                        </p:attrNameLst>
+                                      </p:cBhvr>
+                                      <p:to>
+                                        <p:strVal val="visible"/>
+                                      </p:to>
+                                    </p:set>
+                                  </p:childTnLst>
+                                </p:cTn>
+                              </p:par>
+                            </p:childTnLst>
+                          </p:cTn>
+                        </p:par>
+                      </p:childTnLst>
+                    </p:cTn>
+                  </p:par>
+                  <p:par>
+                    <p:cTn id="11" fill="hold">
+                      <p:stCondLst>
+                        <p:cond delay="indefinite"/>
+                      </p:stCondLst>
+                      <p:childTnLst>
+                        <p:par>
+                          <p:cTn id="12" fill="hold">
+                            <p:stCondLst>
+                              <p:cond delay="0"/>
+                            </p:stCondLst>
+                            <p:childTnLst>
+                              <p:par>
+                                <p:cTn id="13" presetID="1" presetClass="entr" presetSubtype="0" fill="hold" grpId="0" nodeType="clickEffect">
+                                  <p:stCondLst>
+                                    <p:cond delay="0"/>
+                                  </p:stCondLst>
+                                  <p:childTnLst>
+                                    <p:set>
+                                      <p:cBhvr>
+                                        <p:cTn id="14" dur="1" fill="hold">
+                                          <p:stCondLst>
+                                            <p:cond delay="0"/>
+                                          </p:stCondLst>
+                                        </p:cTn>
+                                        <p:tgtEl>
+                                          <p:spTgt spid="7"/>
+                                        </p:tgtEl>
+                                        <p:attrNameLst>
+                                          <p:attrName>style.visibility</p:attrName>
+                                        </p:attrNameLst>
+                                      </p:cBhvr>
+                                      <p:to>
+                                        <p:strVal val="visible"/>
+                                      </p:to>
+                                    </p:set>
+                                  </p:childTnLst>
+                                </p:cTn>
+                              </p:par>
+                            </p:childTnLst>
+                          </p:cTn>
+                        </p:par>
+                      </p:childTnLst>
+                    </p:cTn>
+                  </p:par>
+                  <p:par>
+                    <p:cTn id="15" fill="hold">
+                      <p:stCondLst>
+                        <p:cond delay="indefinite"/>
+                      </p:stCondLst>
+                      <p:childTnLst>
+                        <p:par>
+                          <p:cTn id="16" fill="hold">
+                            <p:stCondLst>
+                              <p:cond delay="0"/>
+                            </p:stCondLst>
+                            <p:childTnLst>
+                              <p:par>
+                                <p:cTn id="17" presetID="1" presetClass="entr" presetSubtype="0" fill="hold" grpId="0" nodeType="clickEffect">
+                                  <p:stCondLst>
+                                    <p:cond delay="0"/>
+                                  </p:stCondLst>
+                                  <p:childTnLst>
+                                    <p:set>
+                                      <p:cBhvr>
+                                        <p:cTn id="18" dur="1" fill="hold">
+                                          <p:stCondLst>
+                                            <p:cond delay="0"/>
+                                          </p:stCondLst>
+                                        </p:cTn>
+                                        <p:tgtEl>
+                                          <p:spTgt spid="8"/>
+                                        </p:tgtEl>
+                                        <p:attrNameLst>
+                                          <p:attrName>style.visibility</p:attrName>
+                                        </p:attrNameLst>
+                                      </p:cBhvr>
+                                      <p:to>
+                                        <p:strVal val="visible"/>
+                                      </p:to>
+                                    </p:set>
+                                  </p:childTnLst>
+                                </p:cTn>
+                              </p:par>
+                            </p:childTnLst>
+                          </p:cTn>
+                        </p:par>
+                      </p:childTnLst>
+                    </p:cTn>
+                  </p:par>
+                  <p:par>
+                    <p:cTn id="19" fill="hold">
+                      <p:stCondLst>
+                        <p:cond delay="indefinite"/>
+                      </p:stCondLst>
+                      <p:childTnLst>
+                        <p:par>
+                          <p:cTn id="20" fill="hold">
+                            <p:stCondLst>
+                              <p:cond delay="0"/>
+                            </p:stCondLst>
+                            <p:childTnLst>
+                              <p:par>
+                                <p:cTn id="21" presetID="1" presetClass="entr" presetSubtype="0" fill="hold" grpId="0" nodeType="clickEffect">
+                                  <p:stCondLst>
+                                    <p:cond delay="0"/>
+                                  </p:stCondLst>
+                                  <p:childTnLst>
+                                    <p:set>
+                                      <p:cBhvr>
+                                        <p:cTn id="22" dur="1" fill="hold">
+                                          <p:stCondLst>
+                                            <p:cond delay="0"/>
+                                          </p:stCondLst>
+                                        </p:cTn>
+                                        <p:tgtEl>
+                                          <p:spTgt spid="9"/>
+                                        </p:tgtEl>
+                                        <p:attrNameLst>
+                                          <p:attrName>style.visibility</p:attrName>
+                                        </p:attrNameLst>
+                                      </p:cBhvr>
+                                      <p:to>
+                                        <p:strVal val="visible"/>
+                                      </p:to>
+                                    </p:set>
+                                  </p:childTnLst>
+                                </p:cTn>
+                              </p:par>
+                            </p:childTnLst>
+                          </p:cTn>
+                        </p:par>
+                      </p:childTnLst>
+                    </p:cTn>
+                  </p:par>
+                  <p:par>
+                    <p:cTn id="23" fill="hold">
+                      <p:stCondLst>
+                        <p:cond delay="indefinite"/>
+                      </p:stCondLst>
+                      <p:childTnLst>
+                        <p:par>
+                          <p:cTn id="24" fill="hold">
+                            <p:stCondLst>
+                              <p:cond delay="0"/>
+                            </p:stCondLst>
+                            <p:childTnLst>
+                              <p:par>
+                                <p:cTn id="25" presetID="1" presetClass="entr" presetSubtype="0" fill="hold" grpId="0" nodeType="clickEffect">
+                                  <p:stCondLst>
+                                    <p:cond delay="0"/>
+                                  </p:stCondLst>
+                                  <p:childTnLst>
+                                    <p:set>
+                                      <p:cBhvr>
+                                        <p:cTn id="26" dur="1" fill="hold">
+                                          <p:stCondLst>
+                                            <p:cond delay="0"/>
+                                          </p:stCondLst>
+                                        </p:cTn>
+                                        <p:tgtEl>
+                                          <p:spTgt spid="10"/>
+                                        </p:tgtEl>
+                                        <p:attrNameLst>
+                                          <p:attrName>style.visibility</p:attrName>
+                                        </p:attrNameLst>
+                                      </p:cBhvr>
+                                      <p:to>
+                                        <p:strVal val="visible"/>
+                                      </p:to>
+                                    </p:set>
+                                  </p:childTnLst>
+                                </p:cTn>
+                              </p:par>
+                            </p:childTnLst>
+                          </p:cTn>
+                        </p:par>
+                      </p:childTnLst>
+                    </p:cTn>
+                  </p:par>
+                  <p:par>
+                    <p:cTn id="27" fill="hold">
+                      <p:stCondLst>
+                        <p:cond delay="indefinite"/>
+                      </p:stCondLst>
+                      <p:childTnLst>
+                        <p:par>
+                          <p:cTn id="28" fill="hold">
+                            <p:stCondLst>
+                              <p:cond delay="0"/>
+                            </p:stCondLst>
+                            <p:childTnLst>
+                              <p:par>
+                                <p:cTn id="29" presetID="1" presetClass="entr" presetSubtype="0" fill="hold" grpId="0" nodeType="clickEffect">
+                                  <p:stCondLst>
+                                    <p:cond delay="0"/>
+                                  </p:stCondLst>
+                                  <p:childTnLst>
+                                    <p:set>
+                                      <p:cBhvr>
+                                        <p:cTn id="30" dur="1" fill="hold">
+                                          <p:stCondLst>
+                                            <p:cond delay="0"/>
+                                          </p:stCondLst>
+                                        </p:cTn>
+                                        <p:tgtEl>
+                                          <p:spTgt spid="11"/>
+                                        </p:tgtEl>
+                                        <p:attrNameLst>
+                                          <p:attrName>style.visibility</p:attrName>
+                                        </p:attrNameLst>
+                                      </p:cBhvr>
+                                      <p:to>
+                                        <p:strVal val="visible"/>
+                                      </p:to>
+                                    </p:set>
+                                  </p:childTnLst>
+                                </p:cTn>
+                              </p:par>
+                            </p:childTnLst>
+                          </p:cTn>
+                        </p:par>
+                      </p:childTnLst>
+                    </p:cTn>
+                  </p:par>
+                </p:childTnLst>
+              </p:cTn>
+              <p:prevCondLst>
+                <p:cond evt="onPrev" delay="0">
+                  <p:tgtEl>
+                    <p:sldTgt/>
+                  </p:tgtEl>
+                </p:cond>
+              </p:prevCondLst>
+              <p:nextCondLst>
+                <p:cond evt="onNext" delay="0">
+                  <p:tgtEl>
+                    <p:sldTgt/>
+                  </p:tgtEl>
+                </p:cond>
+              </p:nextCondLst>
+            </p:seq>
+          </p:childTnLst>
+        </p:cTn>
+      </p:par>
+    </p:tnLst>
+    <p:bldLst>
+      <p:bldP spid="6" grpId="0"/>
+      <p:bldP spid="7" grpId="0"/>
+      <p:bldP spid="8" grpId="0"/>
+      <p:bldP spid="9" grpId="0"/>
+      <p:bldP spid="10" grpId="0"/>
+      <p:bldP spid="11" grpId="0"/>
+    </p:bldLst>
+  </p:timing>
 </p:sld>
 </file>
 

--- a/001_code_refact.pptx
+++ b/001_code_refact.pptx
@@ -5,10 +5,10 @@
     <p:sldMasterId id="2147483660" r:id="rId1"/>
   </p:sldMasterIdLst>
   <p:notesMasterIdLst>
-    <p:notesMasterId r:id="rId8"/>
+    <p:notesMasterId r:id="rId19"/>
   </p:notesMasterIdLst>
   <p:handoutMasterIdLst>
-    <p:handoutMasterId r:id="rId9"/>
+    <p:handoutMasterId r:id="rId20"/>
   </p:handoutMasterIdLst>
   <p:sldIdLst>
     <p:sldId id="340" r:id="rId2"/>
@@ -17,6 +17,17 @@
     <p:sldId id="360" r:id="rId5"/>
     <p:sldId id="361" r:id="rId6"/>
     <p:sldId id="362" r:id="rId7"/>
+    <p:sldId id="363" r:id="rId8"/>
+    <p:sldId id="364" r:id="rId9"/>
+    <p:sldId id="365" r:id="rId10"/>
+    <p:sldId id="366" r:id="rId11"/>
+    <p:sldId id="367" r:id="rId12"/>
+    <p:sldId id="368" r:id="rId13"/>
+    <p:sldId id="369" r:id="rId14"/>
+    <p:sldId id="370" r:id="rId15"/>
+    <p:sldId id="371" r:id="rId16"/>
+    <p:sldId id="372" r:id="rId17"/>
+    <p:sldId id="373" r:id="rId18"/>
   </p:sldIdLst>
   <p:sldSz cx="12195175" cy="6859588"/>
   <p:notesSz cx="6797675" cy="9874250"/>
@@ -150,6 +161,17 @@
             <p14:sldId id="360"/>
             <p14:sldId id="361"/>
             <p14:sldId id="362"/>
+            <p14:sldId id="363"/>
+            <p14:sldId id="364"/>
+            <p14:sldId id="365"/>
+            <p14:sldId id="366"/>
+            <p14:sldId id="367"/>
+            <p14:sldId id="368"/>
+            <p14:sldId id="369"/>
+            <p14:sldId id="370"/>
+            <p14:sldId id="371"/>
+            <p14:sldId id="372"/>
+            <p14:sldId id="373"/>
           </p14:sldIdLst>
         </p14:section>
       </p14:sectionLst>
@@ -6955,6 +6977,4194 @@
 </p:sld>
 </file>
 
+<file path=ppt/slides/slide10.xml><?xml version="1.0" encoding="utf-8"?>
+<p:sld xmlns:a="http://schemas.openxmlformats.org/drawingml/2006/main" xmlns:r="http://schemas.openxmlformats.org/officeDocument/2006/relationships" xmlns:p="http://schemas.openxmlformats.org/presentationml/2006/main">
+  <p:cSld>
+    <p:spTree>
+      <p:nvGrpSpPr>
+        <p:cNvPr id="1" name=""/>
+        <p:cNvGrpSpPr/>
+        <p:nvPr/>
+      </p:nvGrpSpPr>
+      <p:grpSpPr>
+        <a:xfrm>
+          <a:off x="0" y="0"/>
+          <a:ext cx="0" cy="0"/>
+          <a:chOff x="0" y="0"/>
+          <a:chExt cx="0" cy="0"/>
+        </a:xfrm>
+      </p:grpSpPr>
+      <p:sp>
+        <p:nvSpPr>
+          <p:cNvPr id="2" name="Title 1"/>
+          <p:cNvSpPr>
+            <a:spLocks noGrp="1"/>
+          </p:cNvSpPr>
+          <p:nvPr>
+            <p:ph type="title"/>
+          </p:nvPr>
+        </p:nvSpPr>
+        <p:spPr/>
+        <p:txBody>
+          <a:bodyPr/>
+          <a:lstStyle/>
+          <a:p>
+            <a:r>
+              <a:rPr lang="en-US" dirty="0" smtClean="0"/>
+              <a:t>Add performance measurement in your code</a:t>
+            </a:r>
+            <a:endParaRPr lang="en-US" dirty="0"/>
+          </a:p>
+        </p:txBody>
+      </p:sp>
+      <p:sp>
+        <p:nvSpPr>
+          <p:cNvPr id="5" name="TextBox 4"/>
+          <p:cNvSpPr txBox="1"/>
+          <p:nvPr/>
+        </p:nvSpPr>
+        <p:spPr>
+          <a:xfrm>
+            <a:off x="324000" y="1322173"/>
+            <a:ext cx="11106000" cy="4524315"/>
+          </a:xfrm>
+          <a:prstGeom prst="rect">
+            <a:avLst/>
+          </a:prstGeom>
+          <a:noFill/>
+        </p:spPr>
+        <p:txBody>
+          <a:bodyPr wrap="square" lIns="0" tIns="0" rIns="0" bIns="0" rtlCol="0">
+            <a:spAutoFit/>
+          </a:bodyPr>
+          <a:lstStyle/>
+          <a:p>
+            <a:pPr fontAlgn="base">
+              <a:spcBef>
+                <a:spcPts val="600"/>
+              </a:spcBef>
+              <a:spcAft>
+                <a:spcPct val="0"/>
+              </a:spcAft>
+              <a:buClr>
+                <a:srgbClr val="F0AB00"/>
+              </a:buClr>
+              <a:buSzPct val="80000"/>
+            </a:pPr>
+            <a:r>
+              <a:rPr lang="en-US" sz="1800" kern="0" dirty="0" err="1">
+                <a:ea typeface="Arial Unicode MS" pitchFamily="34" charset="-128"/>
+                <a:cs typeface="Arial Unicode MS" pitchFamily="34" charset="-128"/>
+              </a:rPr>
+              <a:t>var</a:t>
+            </a:r>
+            <a:r>
+              <a:rPr lang="en-US" sz="1800" kern="0" dirty="0">
+                <a:ea typeface="Arial Unicode MS" pitchFamily="34" charset="-128"/>
+                <a:cs typeface="Arial Unicode MS" pitchFamily="34" charset="-128"/>
+              </a:rPr>
+              <a:t> </a:t>
+            </a:r>
+            <a:r>
+              <a:rPr lang="en-US" sz="1800" kern="0" dirty="0" err="1">
+                <a:ea typeface="Arial Unicode MS" pitchFamily="34" charset="-128"/>
+                <a:cs typeface="Arial Unicode MS" pitchFamily="34" charset="-128"/>
+              </a:rPr>
+              <a:t>append_doms</a:t>
+            </a:r>
+            <a:r>
+              <a:rPr lang="en-US" sz="1800" kern="0" dirty="0">
+                <a:ea typeface="Arial Unicode MS" pitchFamily="34" charset="-128"/>
+                <a:cs typeface="Arial Unicode MS" pitchFamily="34" charset="-128"/>
+              </a:rPr>
+              <a:t> = function() {</a:t>
+            </a:r>
+          </a:p>
+          <a:p>
+            <a:pPr fontAlgn="base">
+              <a:spcBef>
+                <a:spcPts val="600"/>
+              </a:spcBef>
+              <a:spcAft>
+                <a:spcPct val="0"/>
+              </a:spcAft>
+              <a:buClr>
+                <a:srgbClr val="F0AB00"/>
+              </a:buClr>
+              <a:buSzPct val="80000"/>
+            </a:pPr>
+            <a:r>
+              <a:rPr lang="en-US" sz="1800" kern="0" dirty="0">
+                <a:solidFill>
+                  <a:srgbClr val="FF0000"/>
+                </a:solidFill>
+                <a:ea typeface="Arial Unicode MS" pitchFamily="34" charset="-128"/>
+                <a:cs typeface="Arial Unicode MS" pitchFamily="34" charset="-128"/>
+              </a:rPr>
+              <a:t>    </a:t>
+            </a:r>
+            <a:r>
+              <a:rPr lang="en-US" sz="1800" kern="0" dirty="0" err="1">
+                <a:solidFill>
+                  <a:srgbClr val="FF0000"/>
+                </a:solidFill>
+                <a:ea typeface="Arial Unicode MS" pitchFamily="34" charset="-128"/>
+                <a:cs typeface="Arial Unicode MS" pitchFamily="34" charset="-128"/>
+              </a:rPr>
+              <a:t>var</a:t>
+            </a:r>
+            <a:r>
+              <a:rPr lang="en-US" sz="1800" kern="0" dirty="0">
+                <a:solidFill>
+                  <a:srgbClr val="FF0000"/>
+                </a:solidFill>
+                <a:ea typeface="Arial Unicode MS" pitchFamily="34" charset="-128"/>
+                <a:cs typeface="Arial Unicode MS" pitchFamily="34" charset="-128"/>
+              </a:rPr>
+              <a:t> d = new Date(); // dirty code - nothing to do with application logic!!</a:t>
+            </a:r>
+            <a:r>
+              <a:rPr lang="en-US" sz="1800" kern="0" dirty="0">
+                <a:ea typeface="Arial Unicode MS" pitchFamily="34" charset="-128"/>
+                <a:cs typeface="Arial Unicode MS" pitchFamily="34" charset="-128"/>
+              </a:rPr>
+              <a:t>!</a:t>
+            </a:r>
+          </a:p>
+          <a:p>
+            <a:pPr fontAlgn="base">
+              <a:spcBef>
+                <a:spcPts val="600"/>
+              </a:spcBef>
+              <a:spcAft>
+                <a:spcPct val="0"/>
+              </a:spcAft>
+              <a:buClr>
+                <a:srgbClr val="F0AB00"/>
+              </a:buClr>
+              <a:buSzPct val="80000"/>
+            </a:pPr>
+            <a:r>
+              <a:rPr lang="en-US" sz="1800" kern="0" dirty="0">
+                <a:ea typeface="Arial Unicode MS" pitchFamily="34" charset="-128"/>
+                <a:cs typeface="Arial Unicode MS" pitchFamily="34" charset="-128"/>
+              </a:rPr>
+              <a:t>    for( </a:t>
+            </a:r>
+            <a:r>
+              <a:rPr lang="en-US" sz="1800" kern="0" dirty="0" err="1">
+                <a:ea typeface="Arial Unicode MS" pitchFamily="34" charset="-128"/>
+                <a:cs typeface="Arial Unicode MS" pitchFamily="34" charset="-128"/>
+              </a:rPr>
+              <a:t>var</a:t>
+            </a:r>
+            <a:r>
+              <a:rPr lang="en-US" sz="1800" kern="0" dirty="0">
+                <a:ea typeface="Arial Unicode MS" pitchFamily="34" charset="-128"/>
+                <a:cs typeface="Arial Unicode MS" pitchFamily="34" charset="-128"/>
+              </a:rPr>
+              <a:t> </a:t>
+            </a:r>
+            <a:r>
+              <a:rPr lang="en-US" sz="1800" kern="0" dirty="0" err="1">
+                <a:ea typeface="Arial Unicode MS" pitchFamily="34" charset="-128"/>
+                <a:cs typeface="Arial Unicode MS" pitchFamily="34" charset="-128"/>
+              </a:rPr>
+              <a:t>i</a:t>
+            </a:r>
+            <a:r>
+              <a:rPr lang="en-US" sz="1800" kern="0" dirty="0">
+                <a:ea typeface="Arial Unicode MS" pitchFamily="34" charset="-128"/>
+                <a:cs typeface="Arial Unicode MS" pitchFamily="34" charset="-128"/>
+              </a:rPr>
+              <a:t> = 0; </a:t>
+            </a:r>
+            <a:r>
+              <a:rPr lang="en-US" sz="1800" kern="0" dirty="0" err="1">
+                <a:ea typeface="Arial Unicode MS" pitchFamily="34" charset="-128"/>
+                <a:cs typeface="Arial Unicode MS" pitchFamily="34" charset="-128"/>
+              </a:rPr>
+              <a:t>i</a:t>
+            </a:r>
+            <a:r>
+              <a:rPr lang="en-US" sz="1800" kern="0" dirty="0">
+                <a:ea typeface="Arial Unicode MS" pitchFamily="34" charset="-128"/>
+                <a:cs typeface="Arial Unicode MS" pitchFamily="34" charset="-128"/>
+              </a:rPr>
+              <a:t> &lt; 100000; </a:t>
+            </a:r>
+            <a:r>
+              <a:rPr lang="en-US" sz="1800" kern="0" dirty="0" err="1">
+                <a:ea typeface="Arial Unicode MS" pitchFamily="34" charset="-128"/>
+                <a:cs typeface="Arial Unicode MS" pitchFamily="34" charset="-128"/>
+              </a:rPr>
+              <a:t>i</a:t>
+            </a:r>
+            <a:r>
+              <a:rPr lang="en-US" sz="1800" kern="0" dirty="0">
+                <a:ea typeface="Arial Unicode MS" pitchFamily="34" charset="-128"/>
+                <a:cs typeface="Arial Unicode MS" pitchFamily="34" charset="-128"/>
+              </a:rPr>
+              <a:t>++) {</a:t>
+            </a:r>
+          </a:p>
+          <a:p>
+            <a:pPr fontAlgn="base">
+              <a:spcBef>
+                <a:spcPts val="600"/>
+              </a:spcBef>
+              <a:spcAft>
+                <a:spcPct val="0"/>
+              </a:spcAft>
+              <a:buClr>
+                <a:srgbClr val="F0AB00"/>
+              </a:buClr>
+              <a:buSzPct val="80000"/>
+            </a:pPr>
+            <a:r>
+              <a:rPr lang="en-US" sz="1800" kern="0" dirty="0">
+                <a:ea typeface="Arial Unicode MS" pitchFamily="34" charset="-128"/>
+                <a:cs typeface="Arial Unicode MS" pitchFamily="34" charset="-128"/>
+              </a:rPr>
+              <a:t>    	</a:t>
+            </a:r>
+            <a:r>
+              <a:rPr lang="en-US" sz="1800" kern="0" dirty="0" err="1">
+                <a:ea typeface="Arial Unicode MS" pitchFamily="34" charset="-128"/>
+                <a:cs typeface="Arial Unicode MS" pitchFamily="34" charset="-128"/>
+              </a:rPr>
+              <a:t>var</a:t>
+            </a:r>
+            <a:r>
+              <a:rPr lang="en-US" sz="1800" kern="0" dirty="0">
+                <a:ea typeface="Arial Unicode MS" pitchFamily="34" charset="-128"/>
+                <a:cs typeface="Arial Unicode MS" pitchFamily="34" charset="-128"/>
+              </a:rPr>
+              <a:t> div = </a:t>
+            </a:r>
+            <a:r>
+              <a:rPr lang="en-US" sz="1800" kern="0" dirty="0" err="1">
+                <a:ea typeface="Arial Unicode MS" pitchFamily="34" charset="-128"/>
+                <a:cs typeface="Arial Unicode MS" pitchFamily="34" charset="-128"/>
+              </a:rPr>
+              <a:t>document.createElement</a:t>
+            </a:r>
+            <a:r>
+              <a:rPr lang="en-US" sz="1800" kern="0" dirty="0">
+                <a:ea typeface="Arial Unicode MS" pitchFamily="34" charset="-128"/>
+                <a:cs typeface="Arial Unicode MS" pitchFamily="34" charset="-128"/>
+              </a:rPr>
+              <a:t>( "div");</a:t>
+            </a:r>
+          </a:p>
+          <a:p>
+            <a:pPr fontAlgn="base">
+              <a:spcBef>
+                <a:spcPts val="600"/>
+              </a:spcBef>
+              <a:spcAft>
+                <a:spcPct val="0"/>
+              </a:spcAft>
+              <a:buClr>
+                <a:srgbClr val="F0AB00"/>
+              </a:buClr>
+              <a:buSzPct val="80000"/>
+            </a:pPr>
+            <a:r>
+              <a:rPr lang="en-US" sz="1800" kern="0" dirty="0">
+                <a:ea typeface="Arial Unicode MS" pitchFamily="34" charset="-128"/>
+                <a:cs typeface="Arial Unicode MS" pitchFamily="34" charset="-128"/>
+              </a:rPr>
+              <a:t>        </a:t>
+            </a:r>
+            <a:r>
+              <a:rPr lang="en-US" sz="1800" kern="0" dirty="0" err="1">
+                <a:ea typeface="Arial Unicode MS" pitchFamily="34" charset="-128"/>
+                <a:cs typeface="Arial Unicode MS" pitchFamily="34" charset="-128"/>
+              </a:rPr>
+              <a:t>document.body.appendChild</a:t>
+            </a:r>
+            <a:r>
+              <a:rPr lang="en-US" sz="1800" kern="0" dirty="0">
+                <a:ea typeface="Arial Unicode MS" pitchFamily="34" charset="-128"/>
+                <a:cs typeface="Arial Unicode MS" pitchFamily="34" charset="-128"/>
+              </a:rPr>
+              <a:t>(div);</a:t>
+            </a:r>
+          </a:p>
+          <a:p>
+            <a:pPr fontAlgn="base">
+              <a:spcBef>
+                <a:spcPts val="600"/>
+              </a:spcBef>
+              <a:spcAft>
+                <a:spcPct val="0"/>
+              </a:spcAft>
+              <a:buClr>
+                <a:srgbClr val="F0AB00"/>
+              </a:buClr>
+              <a:buSzPct val="80000"/>
+            </a:pPr>
+            <a:r>
+              <a:rPr lang="en-US" sz="1800" kern="0" dirty="0">
+                <a:ea typeface="Arial Unicode MS" pitchFamily="34" charset="-128"/>
+                <a:cs typeface="Arial Unicode MS" pitchFamily="34" charset="-128"/>
+              </a:rPr>
+              <a:t>    }</a:t>
+            </a:r>
+          </a:p>
+          <a:p>
+            <a:pPr fontAlgn="base">
+              <a:spcBef>
+                <a:spcPts val="600"/>
+              </a:spcBef>
+              <a:spcAft>
+                <a:spcPct val="0"/>
+              </a:spcAft>
+              <a:buClr>
+                <a:srgbClr val="F0AB00"/>
+              </a:buClr>
+              <a:buSzPct val="80000"/>
+            </a:pPr>
+            <a:r>
+              <a:rPr lang="en-US" sz="1800" kern="0" dirty="0">
+                <a:solidFill>
+                  <a:srgbClr val="FF0000"/>
+                </a:solidFill>
+                <a:ea typeface="Arial Unicode MS" pitchFamily="34" charset="-128"/>
+                <a:cs typeface="Arial Unicode MS" pitchFamily="34" charset="-128"/>
+              </a:rPr>
+              <a:t>    // dirty code - nothing to do with application logic!!!</a:t>
+            </a:r>
+          </a:p>
+          <a:p>
+            <a:pPr fontAlgn="base">
+              <a:spcBef>
+                <a:spcPts val="600"/>
+              </a:spcBef>
+              <a:spcAft>
+                <a:spcPct val="0"/>
+              </a:spcAft>
+              <a:buClr>
+                <a:srgbClr val="F0AB00"/>
+              </a:buClr>
+              <a:buSzPct val="80000"/>
+            </a:pPr>
+            <a:r>
+              <a:rPr lang="en-US" sz="1800" kern="0" dirty="0">
+                <a:solidFill>
+                  <a:srgbClr val="FF0000"/>
+                </a:solidFill>
+                <a:ea typeface="Arial Unicode MS" pitchFamily="34" charset="-128"/>
+                <a:cs typeface="Arial Unicode MS" pitchFamily="34" charset="-128"/>
+              </a:rPr>
+              <a:t>    console.log(" time consumed: " + ( new Date() - d));</a:t>
+            </a:r>
+          </a:p>
+          <a:p>
+            <a:pPr fontAlgn="base">
+              <a:spcBef>
+                <a:spcPts val="600"/>
+              </a:spcBef>
+              <a:spcAft>
+                <a:spcPct val="0"/>
+              </a:spcAft>
+              <a:buClr>
+                <a:srgbClr val="F0AB00"/>
+              </a:buClr>
+              <a:buSzPct val="80000"/>
+            </a:pPr>
+            <a:r>
+              <a:rPr lang="en-US" sz="1800" kern="0" dirty="0">
+                <a:ea typeface="Arial Unicode MS" pitchFamily="34" charset="-128"/>
+                <a:cs typeface="Arial Unicode MS" pitchFamily="34" charset="-128"/>
+              </a:rPr>
+              <a:t>};</a:t>
+            </a:r>
+          </a:p>
+          <a:p>
+            <a:pPr fontAlgn="base">
+              <a:spcBef>
+                <a:spcPts val="600"/>
+              </a:spcBef>
+              <a:spcAft>
+                <a:spcPct val="0"/>
+              </a:spcAft>
+              <a:buClr>
+                <a:srgbClr val="F0AB00"/>
+              </a:buClr>
+              <a:buSzPct val="80000"/>
+            </a:pPr>
+            <a:endParaRPr lang="en-US" sz="1800" kern="0" dirty="0">
+              <a:ea typeface="Arial Unicode MS" pitchFamily="34" charset="-128"/>
+              <a:cs typeface="Arial Unicode MS" pitchFamily="34" charset="-128"/>
+            </a:endParaRPr>
+          </a:p>
+          <a:p>
+            <a:pPr fontAlgn="base">
+              <a:spcBef>
+                <a:spcPts val="600"/>
+              </a:spcBef>
+              <a:spcAft>
+                <a:spcPct val="0"/>
+              </a:spcAft>
+              <a:buClr>
+                <a:srgbClr val="F0AB00"/>
+              </a:buClr>
+              <a:buSzPct val="80000"/>
+            </a:pPr>
+            <a:r>
+              <a:rPr lang="en-US" sz="1800" kern="0" dirty="0">
+                <a:ea typeface="Arial Unicode MS" pitchFamily="34" charset="-128"/>
+                <a:cs typeface="Arial Unicode MS" pitchFamily="34" charset="-128"/>
+              </a:rPr>
+              <a:t>function test() {</a:t>
+            </a:r>
+          </a:p>
+          <a:p>
+            <a:pPr fontAlgn="base">
+              <a:spcBef>
+                <a:spcPts val="600"/>
+              </a:spcBef>
+              <a:spcAft>
+                <a:spcPct val="0"/>
+              </a:spcAft>
+              <a:buClr>
+                <a:srgbClr val="F0AB00"/>
+              </a:buClr>
+              <a:buSzPct val="80000"/>
+            </a:pPr>
+            <a:r>
+              <a:rPr lang="en-US" sz="1800" kern="0" dirty="0">
+                <a:ea typeface="Arial Unicode MS" pitchFamily="34" charset="-128"/>
+                <a:cs typeface="Arial Unicode MS" pitchFamily="34" charset="-128"/>
+              </a:rPr>
+              <a:t>	</a:t>
+            </a:r>
+            <a:r>
+              <a:rPr lang="en-US" sz="1800" kern="0" dirty="0" err="1">
+                <a:ea typeface="Arial Unicode MS" pitchFamily="34" charset="-128"/>
+                <a:cs typeface="Arial Unicode MS" pitchFamily="34" charset="-128"/>
+              </a:rPr>
+              <a:t>append_doms</a:t>
+            </a:r>
+            <a:r>
+              <a:rPr lang="en-US" sz="1800" kern="0" dirty="0">
+                <a:ea typeface="Arial Unicode MS" pitchFamily="34" charset="-128"/>
+                <a:cs typeface="Arial Unicode MS" pitchFamily="34" charset="-128"/>
+              </a:rPr>
+              <a:t>();</a:t>
+            </a:r>
+          </a:p>
+          <a:p>
+            <a:pPr fontAlgn="base">
+              <a:spcBef>
+                <a:spcPts val="600"/>
+              </a:spcBef>
+              <a:spcAft>
+                <a:spcPct val="0"/>
+              </a:spcAft>
+              <a:buClr>
+                <a:srgbClr val="F0AB00"/>
+              </a:buClr>
+              <a:buSzPct val="80000"/>
+            </a:pPr>
+            <a:r>
+              <a:rPr lang="en-US" sz="1800" kern="0" dirty="0">
+                <a:ea typeface="Arial Unicode MS" pitchFamily="34" charset="-128"/>
+                <a:cs typeface="Arial Unicode MS" pitchFamily="34" charset="-128"/>
+              </a:rPr>
+              <a:t>}</a:t>
+            </a:r>
+            <a:endParaRPr lang="en-US" sz="1800" kern="0" dirty="0" smtClean="0">
+              <a:ea typeface="Arial Unicode MS" pitchFamily="34" charset="-128"/>
+              <a:cs typeface="Arial Unicode MS" pitchFamily="34" charset="-128"/>
+            </a:endParaRPr>
+          </a:p>
+        </p:txBody>
+      </p:sp>
+    </p:spTree>
+    <p:extLst>
+      <p:ext uri="{BB962C8B-B14F-4D97-AF65-F5344CB8AC3E}">
+        <p14:creationId xmlns:p14="http://schemas.microsoft.com/office/powerpoint/2010/main" val="744514806"/>
+      </p:ext>
+    </p:extLst>
+  </p:cSld>
+  <p:clrMapOvr>
+    <a:masterClrMapping/>
+  </p:clrMapOvr>
+  <p:timing>
+    <p:tnLst>
+      <p:par>
+        <p:cTn id="1" dur="indefinite" restart="never" nodeType="tmRoot"/>
+      </p:par>
+    </p:tnLst>
+  </p:timing>
+</p:sld>
+</file>
+
+<file path=ppt/slides/slide11.xml><?xml version="1.0" encoding="utf-8"?>
+<p:sld xmlns:a="http://schemas.openxmlformats.org/drawingml/2006/main" xmlns:r="http://schemas.openxmlformats.org/officeDocument/2006/relationships" xmlns:p="http://schemas.openxmlformats.org/presentationml/2006/main">
+  <p:cSld>
+    <p:spTree>
+      <p:nvGrpSpPr>
+        <p:cNvPr id="1" name=""/>
+        <p:cNvGrpSpPr/>
+        <p:nvPr/>
+      </p:nvGrpSpPr>
+      <p:grpSpPr>
+        <a:xfrm>
+          <a:off x="0" y="0"/>
+          <a:ext cx="0" cy="0"/>
+          <a:chOff x="0" y="0"/>
+          <a:chExt cx="0" cy="0"/>
+        </a:xfrm>
+      </p:grpSpPr>
+      <p:sp>
+        <p:nvSpPr>
+          <p:cNvPr id="2" name="Title 1"/>
+          <p:cNvSpPr>
+            <a:spLocks noGrp="1"/>
+          </p:cNvSpPr>
+          <p:nvPr>
+            <p:ph type="title"/>
+          </p:nvPr>
+        </p:nvSpPr>
+        <p:spPr/>
+        <p:txBody>
+          <a:bodyPr/>
+          <a:lstStyle/>
+          <a:p>
+            <a:r>
+              <a:rPr lang="en-US" dirty="0" smtClean="0"/>
+              <a:t>Solution</a:t>
+            </a:r>
+            <a:endParaRPr lang="en-US" dirty="0"/>
+          </a:p>
+        </p:txBody>
+      </p:sp>
+      <p:sp>
+        <p:nvSpPr>
+          <p:cNvPr id="5" name="TextBox 4"/>
+          <p:cNvSpPr txBox="1"/>
+          <p:nvPr/>
+        </p:nvSpPr>
+        <p:spPr>
+          <a:xfrm>
+            <a:off x="324000" y="1396314"/>
+            <a:ext cx="8659362" cy="2046714"/>
+          </a:xfrm>
+          <a:prstGeom prst="rect">
+            <a:avLst/>
+          </a:prstGeom>
+          <a:noFill/>
+        </p:spPr>
+        <p:txBody>
+          <a:bodyPr wrap="square" lIns="0" tIns="0" rIns="0" bIns="0" rtlCol="0">
+            <a:spAutoFit/>
+          </a:bodyPr>
+          <a:lstStyle/>
+          <a:p>
+            <a:pPr fontAlgn="base">
+              <a:spcBef>
+                <a:spcPts val="600"/>
+              </a:spcBef>
+              <a:spcAft>
+                <a:spcPct val="0"/>
+              </a:spcAft>
+              <a:buClr>
+                <a:srgbClr val="F0AB00"/>
+              </a:buClr>
+              <a:buSzPct val="80000"/>
+            </a:pPr>
+            <a:r>
+              <a:rPr lang="en-US" sz="1800" kern="0" dirty="0" err="1">
+                <a:ea typeface="Arial Unicode MS" pitchFamily="34" charset="-128"/>
+                <a:cs typeface="Arial Unicode MS" pitchFamily="34" charset="-128"/>
+              </a:rPr>
+              <a:t>var</a:t>
+            </a:r>
+            <a:r>
+              <a:rPr lang="en-US" sz="1800" kern="0" dirty="0">
+                <a:ea typeface="Arial Unicode MS" pitchFamily="34" charset="-128"/>
+                <a:cs typeface="Arial Unicode MS" pitchFamily="34" charset="-128"/>
+              </a:rPr>
+              <a:t> </a:t>
+            </a:r>
+            <a:r>
+              <a:rPr lang="en-US" sz="1800" kern="0" dirty="0" err="1">
+                <a:ea typeface="Arial Unicode MS" pitchFamily="34" charset="-128"/>
+                <a:cs typeface="Arial Unicode MS" pitchFamily="34" charset="-128"/>
+              </a:rPr>
+              <a:t>append_doms</a:t>
+            </a:r>
+            <a:r>
+              <a:rPr lang="en-US" sz="1800" kern="0" dirty="0">
+                <a:ea typeface="Arial Unicode MS" pitchFamily="34" charset="-128"/>
+                <a:cs typeface="Arial Unicode MS" pitchFamily="34" charset="-128"/>
+              </a:rPr>
+              <a:t> = function() {</a:t>
+            </a:r>
+          </a:p>
+          <a:p>
+            <a:pPr fontAlgn="base">
+              <a:spcBef>
+                <a:spcPts val="600"/>
+              </a:spcBef>
+              <a:spcAft>
+                <a:spcPct val="0"/>
+              </a:spcAft>
+              <a:buClr>
+                <a:srgbClr val="F0AB00"/>
+              </a:buClr>
+              <a:buSzPct val="80000"/>
+            </a:pPr>
+            <a:r>
+              <a:rPr lang="en-US" sz="1800" kern="0" dirty="0">
+                <a:ea typeface="Arial Unicode MS" pitchFamily="34" charset="-128"/>
+                <a:cs typeface="Arial Unicode MS" pitchFamily="34" charset="-128"/>
+              </a:rPr>
+              <a:t>    for( </a:t>
+            </a:r>
+            <a:r>
+              <a:rPr lang="en-US" sz="1800" kern="0" dirty="0" err="1">
+                <a:ea typeface="Arial Unicode MS" pitchFamily="34" charset="-128"/>
+                <a:cs typeface="Arial Unicode MS" pitchFamily="34" charset="-128"/>
+              </a:rPr>
+              <a:t>var</a:t>
+            </a:r>
+            <a:r>
+              <a:rPr lang="en-US" sz="1800" kern="0" dirty="0">
+                <a:ea typeface="Arial Unicode MS" pitchFamily="34" charset="-128"/>
+                <a:cs typeface="Arial Unicode MS" pitchFamily="34" charset="-128"/>
+              </a:rPr>
+              <a:t> </a:t>
+            </a:r>
+            <a:r>
+              <a:rPr lang="en-US" sz="1800" kern="0" dirty="0" err="1">
+                <a:ea typeface="Arial Unicode MS" pitchFamily="34" charset="-128"/>
+                <a:cs typeface="Arial Unicode MS" pitchFamily="34" charset="-128"/>
+              </a:rPr>
+              <a:t>i</a:t>
+            </a:r>
+            <a:r>
+              <a:rPr lang="en-US" sz="1800" kern="0" dirty="0">
+                <a:ea typeface="Arial Unicode MS" pitchFamily="34" charset="-128"/>
+                <a:cs typeface="Arial Unicode MS" pitchFamily="34" charset="-128"/>
+              </a:rPr>
+              <a:t> = 0; </a:t>
+            </a:r>
+            <a:r>
+              <a:rPr lang="en-US" sz="1800" kern="0" dirty="0" err="1">
+                <a:ea typeface="Arial Unicode MS" pitchFamily="34" charset="-128"/>
+                <a:cs typeface="Arial Unicode MS" pitchFamily="34" charset="-128"/>
+              </a:rPr>
+              <a:t>i</a:t>
+            </a:r>
+            <a:r>
+              <a:rPr lang="en-US" sz="1800" kern="0" dirty="0">
+                <a:ea typeface="Arial Unicode MS" pitchFamily="34" charset="-128"/>
+                <a:cs typeface="Arial Unicode MS" pitchFamily="34" charset="-128"/>
+              </a:rPr>
+              <a:t> &lt; 100000; </a:t>
+            </a:r>
+            <a:r>
+              <a:rPr lang="en-US" sz="1800" kern="0" dirty="0" err="1">
+                <a:ea typeface="Arial Unicode MS" pitchFamily="34" charset="-128"/>
+                <a:cs typeface="Arial Unicode MS" pitchFamily="34" charset="-128"/>
+              </a:rPr>
+              <a:t>i</a:t>
+            </a:r>
+            <a:r>
+              <a:rPr lang="en-US" sz="1800" kern="0" dirty="0">
+                <a:ea typeface="Arial Unicode MS" pitchFamily="34" charset="-128"/>
+                <a:cs typeface="Arial Unicode MS" pitchFamily="34" charset="-128"/>
+              </a:rPr>
+              <a:t>++) {</a:t>
+            </a:r>
+          </a:p>
+          <a:p>
+            <a:pPr fontAlgn="base">
+              <a:spcBef>
+                <a:spcPts val="600"/>
+              </a:spcBef>
+              <a:spcAft>
+                <a:spcPct val="0"/>
+              </a:spcAft>
+              <a:buClr>
+                <a:srgbClr val="F0AB00"/>
+              </a:buClr>
+              <a:buSzPct val="80000"/>
+            </a:pPr>
+            <a:r>
+              <a:rPr lang="en-US" sz="1800" kern="0" dirty="0">
+                <a:ea typeface="Arial Unicode MS" pitchFamily="34" charset="-128"/>
+                <a:cs typeface="Arial Unicode MS" pitchFamily="34" charset="-128"/>
+              </a:rPr>
+              <a:t>    	</a:t>
+            </a:r>
+            <a:r>
+              <a:rPr lang="en-US" sz="1800" kern="0" dirty="0" err="1">
+                <a:ea typeface="Arial Unicode MS" pitchFamily="34" charset="-128"/>
+                <a:cs typeface="Arial Unicode MS" pitchFamily="34" charset="-128"/>
+              </a:rPr>
+              <a:t>var</a:t>
+            </a:r>
+            <a:r>
+              <a:rPr lang="en-US" sz="1800" kern="0" dirty="0">
+                <a:ea typeface="Arial Unicode MS" pitchFamily="34" charset="-128"/>
+                <a:cs typeface="Arial Unicode MS" pitchFamily="34" charset="-128"/>
+              </a:rPr>
+              <a:t> div = </a:t>
+            </a:r>
+            <a:r>
+              <a:rPr lang="en-US" sz="1800" kern="0" dirty="0" err="1">
+                <a:ea typeface="Arial Unicode MS" pitchFamily="34" charset="-128"/>
+                <a:cs typeface="Arial Unicode MS" pitchFamily="34" charset="-128"/>
+              </a:rPr>
+              <a:t>document.createElement</a:t>
+            </a:r>
+            <a:r>
+              <a:rPr lang="en-US" sz="1800" kern="0" dirty="0">
+                <a:ea typeface="Arial Unicode MS" pitchFamily="34" charset="-128"/>
+                <a:cs typeface="Arial Unicode MS" pitchFamily="34" charset="-128"/>
+              </a:rPr>
+              <a:t>( "div");</a:t>
+            </a:r>
+          </a:p>
+          <a:p>
+            <a:pPr fontAlgn="base">
+              <a:spcBef>
+                <a:spcPts val="600"/>
+              </a:spcBef>
+              <a:spcAft>
+                <a:spcPct val="0"/>
+              </a:spcAft>
+              <a:buClr>
+                <a:srgbClr val="F0AB00"/>
+              </a:buClr>
+              <a:buSzPct val="80000"/>
+            </a:pPr>
+            <a:r>
+              <a:rPr lang="en-US" sz="1800" kern="0" dirty="0">
+                <a:ea typeface="Arial Unicode MS" pitchFamily="34" charset="-128"/>
+                <a:cs typeface="Arial Unicode MS" pitchFamily="34" charset="-128"/>
+              </a:rPr>
+              <a:t>        </a:t>
+            </a:r>
+            <a:r>
+              <a:rPr lang="en-US" sz="1800" kern="0" dirty="0" err="1">
+                <a:ea typeface="Arial Unicode MS" pitchFamily="34" charset="-128"/>
+                <a:cs typeface="Arial Unicode MS" pitchFamily="34" charset="-128"/>
+              </a:rPr>
+              <a:t>document.body.appendChild</a:t>
+            </a:r>
+            <a:r>
+              <a:rPr lang="en-US" sz="1800" kern="0" dirty="0">
+                <a:ea typeface="Arial Unicode MS" pitchFamily="34" charset="-128"/>
+                <a:cs typeface="Arial Unicode MS" pitchFamily="34" charset="-128"/>
+              </a:rPr>
+              <a:t>(div);</a:t>
+            </a:r>
+          </a:p>
+          <a:p>
+            <a:pPr fontAlgn="base">
+              <a:spcBef>
+                <a:spcPts val="600"/>
+              </a:spcBef>
+              <a:spcAft>
+                <a:spcPct val="0"/>
+              </a:spcAft>
+              <a:buClr>
+                <a:srgbClr val="F0AB00"/>
+              </a:buClr>
+              <a:buSzPct val="80000"/>
+            </a:pPr>
+            <a:r>
+              <a:rPr lang="en-US" sz="1800" kern="0" dirty="0">
+                <a:ea typeface="Arial Unicode MS" pitchFamily="34" charset="-128"/>
+                <a:cs typeface="Arial Unicode MS" pitchFamily="34" charset="-128"/>
+              </a:rPr>
+              <a:t>    }</a:t>
+            </a:r>
+          </a:p>
+          <a:p>
+            <a:pPr fontAlgn="base">
+              <a:spcBef>
+                <a:spcPts val="600"/>
+              </a:spcBef>
+              <a:spcAft>
+                <a:spcPct val="0"/>
+              </a:spcAft>
+              <a:buClr>
+                <a:srgbClr val="F0AB00"/>
+              </a:buClr>
+              <a:buSzPct val="80000"/>
+            </a:pPr>
+            <a:r>
+              <a:rPr lang="en-US" sz="1800" kern="0" dirty="0">
+                <a:ea typeface="Arial Unicode MS" pitchFamily="34" charset="-128"/>
+                <a:cs typeface="Arial Unicode MS" pitchFamily="34" charset="-128"/>
+              </a:rPr>
+              <a:t>};</a:t>
+            </a:r>
+            <a:endParaRPr lang="en-US" sz="1800" kern="0" dirty="0" smtClean="0">
+              <a:ea typeface="Arial Unicode MS" pitchFamily="34" charset="-128"/>
+              <a:cs typeface="Arial Unicode MS" pitchFamily="34" charset="-128"/>
+            </a:endParaRPr>
+          </a:p>
+        </p:txBody>
+      </p:sp>
+      <p:sp>
+        <p:nvSpPr>
+          <p:cNvPr id="6" name="TextBox 5"/>
+          <p:cNvSpPr txBox="1"/>
+          <p:nvPr/>
+        </p:nvSpPr>
+        <p:spPr>
+          <a:xfrm>
+            <a:off x="324001" y="3546389"/>
+            <a:ext cx="5038832" cy="3154710"/>
+          </a:xfrm>
+          <a:prstGeom prst="rect">
+            <a:avLst/>
+          </a:prstGeom>
+          <a:noFill/>
+        </p:spPr>
+        <p:txBody>
+          <a:bodyPr wrap="square" lIns="0" tIns="0" rIns="0" bIns="0" rtlCol="0">
+            <a:spAutoFit/>
+          </a:bodyPr>
+          <a:lstStyle/>
+          <a:p>
+            <a:pPr fontAlgn="base">
+              <a:spcBef>
+                <a:spcPts val="600"/>
+              </a:spcBef>
+              <a:spcAft>
+                <a:spcPct val="0"/>
+              </a:spcAft>
+              <a:buClr>
+                <a:srgbClr val="F0AB00"/>
+              </a:buClr>
+              <a:buSzPct val="80000"/>
+            </a:pPr>
+            <a:r>
+              <a:rPr lang="en-US" sz="1600" kern="0" dirty="0" err="1">
+                <a:ea typeface="Arial Unicode MS" pitchFamily="34" charset="-128"/>
+                <a:cs typeface="Arial Unicode MS" pitchFamily="34" charset="-128"/>
+              </a:rPr>
+              <a:t>var</a:t>
+            </a:r>
+            <a:r>
+              <a:rPr lang="en-US" sz="1600" kern="0" dirty="0">
+                <a:ea typeface="Arial Unicode MS" pitchFamily="34" charset="-128"/>
+                <a:cs typeface="Arial Unicode MS" pitchFamily="34" charset="-128"/>
+              </a:rPr>
+              <a:t> </a:t>
+            </a:r>
+            <a:r>
+              <a:rPr lang="en-US" sz="1600" kern="0" dirty="0" err="1">
+                <a:ea typeface="Arial Unicode MS" pitchFamily="34" charset="-128"/>
+                <a:cs typeface="Arial Unicode MS" pitchFamily="34" charset="-128"/>
+              </a:rPr>
+              <a:t>log_time</a:t>
+            </a:r>
+            <a:r>
+              <a:rPr lang="en-US" sz="1600" kern="0" dirty="0">
+                <a:ea typeface="Arial Unicode MS" pitchFamily="34" charset="-128"/>
+                <a:cs typeface="Arial Unicode MS" pitchFamily="34" charset="-128"/>
+              </a:rPr>
+              <a:t> = function( </a:t>
+            </a:r>
+            <a:r>
+              <a:rPr lang="en-US" sz="1600" kern="0" dirty="0" err="1">
+                <a:ea typeface="Arial Unicode MS" pitchFamily="34" charset="-128"/>
+                <a:cs typeface="Arial Unicode MS" pitchFamily="34" charset="-128"/>
+              </a:rPr>
+              <a:t>func</a:t>
+            </a:r>
+            <a:r>
+              <a:rPr lang="en-US" sz="1600" kern="0" dirty="0">
+                <a:ea typeface="Arial Unicode MS" pitchFamily="34" charset="-128"/>
+                <a:cs typeface="Arial Unicode MS" pitchFamily="34" charset="-128"/>
+              </a:rPr>
+              <a:t>, </a:t>
+            </a:r>
+            <a:r>
+              <a:rPr lang="en-US" sz="1600" kern="0" dirty="0" err="1">
+                <a:ea typeface="Arial Unicode MS" pitchFamily="34" charset="-128"/>
+                <a:cs typeface="Arial Unicode MS" pitchFamily="34" charset="-128"/>
+              </a:rPr>
+              <a:t>log_name</a:t>
+            </a:r>
+            <a:r>
+              <a:rPr lang="en-US" sz="1600" kern="0" dirty="0">
+                <a:ea typeface="Arial Unicode MS" pitchFamily="34" charset="-128"/>
+                <a:cs typeface="Arial Unicode MS" pitchFamily="34" charset="-128"/>
+              </a:rPr>
+              <a:t>) {</a:t>
+            </a:r>
+          </a:p>
+          <a:p>
+            <a:pPr fontAlgn="base">
+              <a:spcBef>
+                <a:spcPts val="600"/>
+              </a:spcBef>
+              <a:spcAft>
+                <a:spcPct val="0"/>
+              </a:spcAft>
+              <a:buClr>
+                <a:srgbClr val="F0AB00"/>
+              </a:buClr>
+              <a:buSzPct val="80000"/>
+            </a:pPr>
+            <a:r>
+              <a:rPr lang="en-US" sz="1600" kern="0" dirty="0">
+                <a:ea typeface="Arial Unicode MS" pitchFamily="34" charset="-128"/>
+                <a:cs typeface="Arial Unicode MS" pitchFamily="34" charset="-128"/>
+              </a:rPr>
+              <a:t>       return </a:t>
+            </a:r>
+            <a:r>
+              <a:rPr lang="en-US" sz="1600" kern="0" dirty="0" err="1">
+                <a:ea typeface="Arial Unicode MS" pitchFamily="34" charset="-128"/>
+                <a:cs typeface="Arial Unicode MS" pitchFamily="34" charset="-128"/>
+              </a:rPr>
+              <a:t>func</a:t>
+            </a:r>
+            <a:r>
+              <a:rPr lang="en-US" sz="1600" kern="0" dirty="0">
+                <a:ea typeface="Arial Unicode MS" pitchFamily="34" charset="-128"/>
+                <a:cs typeface="Arial Unicode MS" pitchFamily="34" charset="-128"/>
+              </a:rPr>
+              <a:t> = ( function() {</a:t>
+            </a:r>
+          </a:p>
+          <a:p>
+            <a:pPr fontAlgn="base">
+              <a:spcBef>
+                <a:spcPts val="600"/>
+              </a:spcBef>
+              <a:spcAft>
+                <a:spcPct val="0"/>
+              </a:spcAft>
+              <a:buClr>
+                <a:srgbClr val="F0AB00"/>
+              </a:buClr>
+              <a:buSzPct val="80000"/>
+            </a:pPr>
+            <a:r>
+              <a:rPr lang="en-US" sz="1600" kern="0" dirty="0">
+                <a:ea typeface="Arial Unicode MS" pitchFamily="34" charset="-128"/>
+                <a:cs typeface="Arial Unicode MS" pitchFamily="34" charset="-128"/>
+              </a:rPr>
+              <a:t>           </a:t>
+            </a:r>
+            <a:r>
+              <a:rPr lang="en-US" sz="1600" kern="0" dirty="0" err="1">
+                <a:ea typeface="Arial Unicode MS" pitchFamily="34" charset="-128"/>
+                <a:cs typeface="Arial Unicode MS" pitchFamily="34" charset="-128"/>
+              </a:rPr>
+              <a:t>var</a:t>
+            </a:r>
+            <a:r>
+              <a:rPr lang="en-US" sz="1600" kern="0" dirty="0">
+                <a:ea typeface="Arial Unicode MS" pitchFamily="34" charset="-128"/>
+                <a:cs typeface="Arial Unicode MS" pitchFamily="34" charset="-128"/>
+              </a:rPr>
+              <a:t> d;</a:t>
+            </a:r>
+          </a:p>
+          <a:p>
+            <a:pPr fontAlgn="base">
+              <a:spcBef>
+                <a:spcPts val="600"/>
+              </a:spcBef>
+              <a:spcAft>
+                <a:spcPct val="0"/>
+              </a:spcAft>
+              <a:buClr>
+                <a:srgbClr val="F0AB00"/>
+              </a:buClr>
+              <a:buSzPct val="80000"/>
+            </a:pPr>
+            <a:r>
+              <a:rPr lang="en-US" sz="1600" kern="0" dirty="0">
+                <a:ea typeface="Arial Unicode MS" pitchFamily="34" charset="-128"/>
+                <a:cs typeface="Arial Unicode MS" pitchFamily="34" charset="-128"/>
+              </a:rPr>
+              <a:t>           return </a:t>
+            </a:r>
+            <a:r>
+              <a:rPr lang="en-US" sz="1600" kern="0" dirty="0" err="1">
+                <a:ea typeface="Arial Unicode MS" pitchFamily="34" charset="-128"/>
+                <a:cs typeface="Arial Unicode MS" pitchFamily="34" charset="-128"/>
+              </a:rPr>
+              <a:t>func.before</a:t>
+            </a:r>
+            <a:r>
+              <a:rPr lang="en-US" sz="1600" kern="0" dirty="0">
+                <a:ea typeface="Arial Unicode MS" pitchFamily="34" charset="-128"/>
+                <a:cs typeface="Arial Unicode MS" pitchFamily="34" charset="-128"/>
+              </a:rPr>
+              <a:t>( function(){</a:t>
+            </a:r>
+          </a:p>
+          <a:p>
+            <a:pPr fontAlgn="base">
+              <a:spcBef>
+                <a:spcPts val="600"/>
+              </a:spcBef>
+              <a:spcAft>
+                <a:spcPct val="0"/>
+              </a:spcAft>
+              <a:buClr>
+                <a:srgbClr val="F0AB00"/>
+              </a:buClr>
+              <a:buSzPct val="80000"/>
+            </a:pPr>
+            <a:r>
+              <a:rPr lang="en-US" sz="1600" kern="0" dirty="0">
+                <a:solidFill>
+                  <a:srgbClr val="FF0000"/>
+                </a:solidFill>
+                <a:ea typeface="Arial Unicode MS" pitchFamily="34" charset="-128"/>
+                <a:cs typeface="Arial Unicode MS" pitchFamily="34" charset="-128"/>
+              </a:rPr>
+              <a:t>                 d = new Date();</a:t>
+            </a:r>
+          </a:p>
+          <a:p>
+            <a:pPr fontAlgn="base">
+              <a:spcBef>
+                <a:spcPts val="600"/>
+              </a:spcBef>
+              <a:spcAft>
+                <a:spcPct val="0"/>
+              </a:spcAft>
+              <a:buClr>
+                <a:srgbClr val="F0AB00"/>
+              </a:buClr>
+              <a:buSzPct val="80000"/>
+            </a:pPr>
+            <a:r>
+              <a:rPr lang="en-US" sz="1600" kern="0" dirty="0">
+                <a:ea typeface="Arial Unicode MS" pitchFamily="34" charset="-128"/>
+                <a:cs typeface="Arial Unicode MS" pitchFamily="34" charset="-128"/>
+              </a:rPr>
+              <a:t>           }).after( function(){</a:t>
+            </a:r>
+          </a:p>
+          <a:p>
+            <a:pPr fontAlgn="base">
+              <a:spcBef>
+                <a:spcPts val="600"/>
+              </a:spcBef>
+              <a:spcAft>
+                <a:spcPct val="0"/>
+              </a:spcAft>
+              <a:buClr>
+                <a:srgbClr val="F0AB00"/>
+              </a:buClr>
+              <a:buSzPct val="80000"/>
+            </a:pPr>
+            <a:r>
+              <a:rPr lang="en-US" sz="1600" kern="0" dirty="0">
+                <a:ea typeface="Arial Unicode MS" pitchFamily="34" charset="-128"/>
+                <a:cs typeface="Arial Unicode MS" pitchFamily="34" charset="-128"/>
+              </a:rPr>
+              <a:t>                 </a:t>
+            </a:r>
+            <a:r>
+              <a:rPr lang="en-US" sz="1600" kern="0" dirty="0">
+                <a:solidFill>
+                  <a:srgbClr val="FF0000"/>
+                </a:solidFill>
+                <a:ea typeface="Arial Unicode MS" pitchFamily="34" charset="-128"/>
+                <a:cs typeface="Arial Unicode MS" pitchFamily="34" charset="-128"/>
+              </a:rPr>
+              <a:t>console.log( </a:t>
+            </a:r>
+            <a:r>
+              <a:rPr lang="en-US" sz="1600" kern="0" dirty="0" err="1">
+                <a:solidFill>
+                  <a:srgbClr val="FF0000"/>
+                </a:solidFill>
+                <a:ea typeface="Arial Unicode MS" pitchFamily="34" charset="-128"/>
+                <a:cs typeface="Arial Unicode MS" pitchFamily="34" charset="-128"/>
+              </a:rPr>
+              <a:t>log_name</a:t>
+            </a:r>
+            <a:r>
+              <a:rPr lang="en-US" sz="1600" kern="0" dirty="0">
+                <a:solidFill>
+                  <a:srgbClr val="FF0000"/>
+                </a:solidFill>
+                <a:ea typeface="Arial Unicode MS" pitchFamily="34" charset="-128"/>
+                <a:cs typeface="Arial Unicode MS" pitchFamily="34" charset="-128"/>
+              </a:rPr>
+              <a:t> + ( new Date() - d));</a:t>
+            </a:r>
+          </a:p>
+          <a:p>
+            <a:pPr fontAlgn="base">
+              <a:spcBef>
+                <a:spcPts val="600"/>
+              </a:spcBef>
+              <a:spcAft>
+                <a:spcPct val="0"/>
+              </a:spcAft>
+              <a:buClr>
+                <a:srgbClr val="F0AB00"/>
+              </a:buClr>
+              <a:buSzPct val="80000"/>
+            </a:pPr>
+            <a:r>
+              <a:rPr lang="en-US" sz="1600" kern="0" dirty="0">
+                <a:ea typeface="Arial Unicode MS" pitchFamily="34" charset="-128"/>
+                <a:cs typeface="Arial Unicode MS" pitchFamily="34" charset="-128"/>
+              </a:rPr>
+              <a:t>           });</a:t>
+            </a:r>
+          </a:p>
+          <a:p>
+            <a:pPr fontAlgn="base">
+              <a:spcBef>
+                <a:spcPts val="600"/>
+              </a:spcBef>
+              <a:spcAft>
+                <a:spcPct val="0"/>
+              </a:spcAft>
+              <a:buClr>
+                <a:srgbClr val="F0AB00"/>
+              </a:buClr>
+              <a:buSzPct val="80000"/>
+            </a:pPr>
+            <a:r>
+              <a:rPr lang="en-US" sz="1600" kern="0" dirty="0">
+                <a:ea typeface="Arial Unicode MS" pitchFamily="34" charset="-128"/>
+                <a:cs typeface="Arial Unicode MS" pitchFamily="34" charset="-128"/>
+              </a:rPr>
+              <a:t>     })();</a:t>
+            </a:r>
+          </a:p>
+          <a:p>
+            <a:pPr fontAlgn="base">
+              <a:spcBef>
+                <a:spcPts val="600"/>
+              </a:spcBef>
+              <a:spcAft>
+                <a:spcPct val="0"/>
+              </a:spcAft>
+              <a:buClr>
+                <a:srgbClr val="F0AB00"/>
+              </a:buClr>
+              <a:buSzPct val="80000"/>
+            </a:pPr>
+            <a:r>
+              <a:rPr lang="en-US" sz="1600" kern="0" dirty="0">
+                <a:ea typeface="Arial Unicode MS" pitchFamily="34" charset="-128"/>
+                <a:cs typeface="Arial Unicode MS" pitchFamily="34" charset="-128"/>
+              </a:rPr>
+              <a:t> };</a:t>
+            </a:r>
+            <a:endParaRPr lang="en-US" sz="1600" kern="0" dirty="0" smtClean="0">
+              <a:ea typeface="Arial Unicode MS" pitchFamily="34" charset="-128"/>
+              <a:cs typeface="Arial Unicode MS" pitchFamily="34" charset="-128"/>
+            </a:endParaRPr>
+          </a:p>
+        </p:txBody>
+      </p:sp>
+      <p:sp>
+        <p:nvSpPr>
+          <p:cNvPr id="8" name="TextBox 7"/>
+          <p:cNvSpPr txBox="1"/>
+          <p:nvPr/>
+        </p:nvSpPr>
+        <p:spPr>
+          <a:xfrm>
+            <a:off x="6672647" y="4967416"/>
+            <a:ext cx="5338119" cy="1184940"/>
+          </a:xfrm>
+          <a:prstGeom prst="rect">
+            <a:avLst/>
+          </a:prstGeom>
+          <a:noFill/>
+        </p:spPr>
+        <p:txBody>
+          <a:bodyPr wrap="square" lIns="0" tIns="0" rIns="0" bIns="0" rtlCol="0">
+            <a:spAutoFit/>
+          </a:bodyPr>
+          <a:lstStyle/>
+          <a:p>
+            <a:r>
+              <a:rPr lang="en-US" sz="1800" dirty="0"/>
+              <a:t>function test() { </a:t>
+            </a:r>
+          </a:p>
+          <a:p>
+            <a:r>
+              <a:rPr lang="en-US" sz="1800" dirty="0"/>
+              <a:t> </a:t>
+            </a:r>
+            <a:r>
+              <a:rPr lang="en-US" sz="1800" dirty="0" err="1"/>
+              <a:t>log_time</a:t>
+            </a:r>
+            <a:r>
+              <a:rPr lang="en-US" sz="1800" dirty="0"/>
+              <a:t>(</a:t>
+            </a:r>
+            <a:r>
+              <a:rPr lang="en-US" sz="1800" dirty="0" err="1"/>
+              <a:t>append_doms</a:t>
+            </a:r>
+            <a:r>
+              <a:rPr lang="en-US" sz="1800" dirty="0"/>
+              <a:t>, "consumed time: ")</a:t>
+            </a:r>
+            <a:r>
+              <a:rPr lang="en-US" sz="1800" b="1" dirty="0">
+                <a:solidFill>
+                  <a:srgbClr val="FF0000"/>
+                </a:solidFill>
+              </a:rPr>
+              <a:t>()</a:t>
+            </a:r>
+            <a:r>
+              <a:rPr lang="en-US" sz="1800" dirty="0"/>
+              <a:t>; </a:t>
+            </a:r>
+          </a:p>
+          <a:p>
+            <a:r>
+              <a:rPr lang="en-US" sz="1800" dirty="0"/>
+              <a:t>} </a:t>
+            </a:r>
+          </a:p>
+          <a:p>
+            <a:pPr fontAlgn="base">
+              <a:spcBef>
+                <a:spcPts val="600"/>
+              </a:spcBef>
+              <a:spcAft>
+                <a:spcPct val="0"/>
+              </a:spcAft>
+              <a:buClr>
+                <a:srgbClr val="F0AB00"/>
+              </a:buClr>
+              <a:buSzPct val="80000"/>
+            </a:pPr>
+            <a:endParaRPr lang="en-US" sz="1800" kern="0" dirty="0" err="1" smtClean="0">
+              <a:ea typeface="Arial Unicode MS" pitchFamily="34" charset="-128"/>
+              <a:cs typeface="Arial Unicode MS" pitchFamily="34" charset="-128"/>
+            </a:endParaRPr>
+          </a:p>
+        </p:txBody>
+      </p:sp>
+    </p:spTree>
+    <p:extLst>
+      <p:ext uri="{BB962C8B-B14F-4D97-AF65-F5344CB8AC3E}">
+        <p14:creationId xmlns:p14="http://schemas.microsoft.com/office/powerpoint/2010/main" val="413067102"/>
+      </p:ext>
+    </p:extLst>
+  </p:cSld>
+  <p:clrMapOvr>
+    <a:masterClrMapping/>
+  </p:clrMapOvr>
+  <p:timing>
+    <p:tnLst>
+      <p:par>
+        <p:cTn id="1" dur="indefinite" restart="never" nodeType="tmRoot">
+          <p:childTnLst>
+            <p:seq concurrent="1" nextAc="seek">
+              <p:cTn id="2" dur="indefinite" nodeType="mainSeq">
+                <p:childTnLst>
+                  <p:par>
+                    <p:cTn id="3" fill="hold">
+                      <p:stCondLst>
+                        <p:cond delay="indefinite"/>
+                      </p:stCondLst>
+                      <p:childTnLst>
+                        <p:par>
+                          <p:cTn id="4" fill="hold">
+                            <p:stCondLst>
+                              <p:cond delay="0"/>
+                            </p:stCondLst>
+                            <p:childTnLst>
+                              <p:par>
+                                <p:cTn id="5" presetID="1" presetClass="entr" presetSubtype="0" fill="hold" grpId="0" nodeType="clickEffect">
+                                  <p:stCondLst>
+                                    <p:cond delay="0"/>
+                                  </p:stCondLst>
+                                  <p:childTnLst>
+                                    <p:set>
+                                      <p:cBhvr>
+                                        <p:cTn id="6" dur="1" fill="hold">
+                                          <p:stCondLst>
+                                            <p:cond delay="0"/>
+                                          </p:stCondLst>
+                                        </p:cTn>
+                                        <p:tgtEl>
+                                          <p:spTgt spid="6"/>
+                                        </p:tgtEl>
+                                        <p:attrNameLst>
+                                          <p:attrName>style.visibility</p:attrName>
+                                        </p:attrNameLst>
+                                      </p:cBhvr>
+                                      <p:to>
+                                        <p:strVal val="visible"/>
+                                      </p:to>
+                                    </p:set>
+                                  </p:childTnLst>
+                                </p:cTn>
+                              </p:par>
+                            </p:childTnLst>
+                          </p:cTn>
+                        </p:par>
+                      </p:childTnLst>
+                    </p:cTn>
+                  </p:par>
+                  <p:par>
+                    <p:cTn id="7" fill="hold">
+                      <p:stCondLst>
+                        <p:cond delay="indefinite"/>
+                      </p:stCondLst>
+                      <p:childTnLst>
+                        <p:par>
+                          <p:cTn id="8" fill="hold">
+                            <p:stCondLst>
+                              <p:cond delay="0"/>
+                            </p:stCondLst>
+                            <p:childTnLst>
+                              <p:par>
+                                <p:cTn id="9" presetID="1" presetClass="entr" presetSubtype="0" fill="hold" grpId="0" nodeType="clickEffect">
+                                  <p:stCondLst>
+                                    <p:cond delay="0"/>
+                                  </p:stCondLst>
+                                  <p:childTnLst>
+                                    <p:set>
+                                      <p:cBhvr>
+                                        <p:cTn id="10" dur="1" fill="hold">
+                                          <p:stCondLst>
+                                            <p:cond delay="0"/>
+                                          </p:stCondLst>
+                                        </p:cTn>
+                                        <p:tgtEl>
+                                          <p:spTgt spid="8"/>
+                                        </p:tgtEl>
+                                        <p:attrNameLst>
+                                          <p:attrName>style.visibility</p:attrName>
+                                        </p:attrNameLst>
+                                      </p:cBhvr>
+                                      <p:to>
+                                        <p:strVal val="visible"/>
+                                      </p:to>
+                                    </p:set>
+                                  </p:childTnLst>
+                                </p:cTn>
+                              </p:par>
+                            </p:childTnLst>
+                          </p:cTn>
+                        </p:par>
+                      </p:childTnLst>
+                    </p:cTn>
+                  </p:par>
+                </p:childTnLst>
+              </p:cTn>
+              <p:prevCondLst>
+                <p:cond evt="onPrev" delay="0">
+                  <p:tgtEl>
+                    <p:sldTgt/>
+                  </p:tgtEl>
+                </p:cond>
+              </p:prevCondLst>
+              <p:nextCondLst>
+                <p:cond evt="onNext" delay="0">
+                  <p:tgtEl>
+                    <p:sldTgt/>
+                  </p:tgtEl>
+                </p:cond>
+              </p:nextCondLst>
+            </p:seq>
+          </p:childTnLst>
+        </p:cTn>
+      </p:par>
+    </p:tnLst>
+    <p:bldLst>
+      <p:bldP spid="6" grpId="0"/>
+      <p:bldP spid="8" grpId="0"/>
+    </p:bldLst>
+  </p:timing>
+</p:sld>
+</file>
+
+<file path=ppt/slides/slide12.xml><?xml version="1.0" encoding="utf-8"?>
+<p:sld xmlns:a="http://schemas.openxmlformats.org/drawingml/2006/main" xmlns:r="http://schemas.openxmlformats.org/officeDocument/2006/relationships" xmlns:p="http://schemas.openxmlformats.org/presentationml/2006/main">
+  <p:cSld>
+    <p:spTree>
+      <p:nvGrpSpPr>
+        <p:cNvPr id="1" name=""/>
+        <p:cNvGrpSpPr/>
+        <p:nvPr/>
+      </p:nvGrpSpPr>
+      <p:grpSpPr>
+        <a:xfrm>
+          <a:off x="0" y="0"/>
+          <a:ext cx="0" cy="0"/>
+          <a:chOff x="0" y="0"/>
+          <a:chExt cx="0" cy="0"/>
+        </a:xfrm>
+      </p:grpSpPr>
+      <p:sp>
+        <p:nvSpPr>
+          <p:cNvPr id="2" name="Title 1"/>
+          <p:cNvSpPr>
+            <a:spLocks noGrp="1"/>
+          </p:cNvSpPr>
+          <p:nvPr>
+            <p:ph type="title"/>
+          </p:nvPr>
+        </p:nvSpPr>
+        <p:spPr/>
+        <p:txBody>
+          <a:bodyPr/>
+          <a:lstStyle/>
+          <a:p>
+            <a:r>
+              <a:rPr lang="en-US" dirty="0" smtClean="0"/>
+              <a:t>Validity check before sending Odata request</a:t>
+            </a:r>
+            <a:endParaRPr lang="en-US" dirty="0"/>
+          </a:p>
+        </p:txBody>
+      </p:sp>
+      <p:sp>
+        <p:nvSpPr>
+          <p:cNvPr id="5" name="TextBox 4"/>
+          <p:cNvSpPr txBox="1"/>
+          <p:nvPr/>
+        </p:nvSpPr>
+        <p:spPr>
+          <a:xfrm>
+            <a:off x="324000" y="1359243"/>
+            <a:ext cx="11365492" cy="4001095"/>
+          </a:xfrm>
+          <a:prstGeom prst="rect">
+            <a:avLst/>
+          </a:prstGeom>
+          <a:noFill/>
+        </p:spPr>
+        <p:txBody>
+          <a:bodyPr wrap="square" lIns="0" tIns="0" rIns="0" bIns="0" rtlCol="0">
+            <a:spAutoFit/>
+          </a:bodyPr>
+          <a:lstStyle/>
+          <a:p>
+            <a:r>
+              <a:rPr lang="en-US" sz="1800" dirty="0" err="1"/>
+              <a:t>var</a:t>
+            </a:r>
+            <a:r>
+              <a:rPr lang="en-US" sz="1800" dirty="0"/>
+              <a:t> send = function() {</a:t>
+            </a:r>
+          </a:p>
+          <a:p>
+            <a:r>
+              <a:rPr lang="en-US" sz="1800" dirty="0"/>
+              <a:t>     </a:t>
+            </a:r>
+            <a:r>
+              <a:rPr lang="en-US" sz="1800" dirty="0" err="1"/>
+              <a:t>var</a:t>
+            </a:r>
+            <a:r>
+              <a:rPr lang="en-US" sz="1800" dirty="0"/>
+              <a:t> value = </a:t>
+            </a:r>
+            <a:r>
+              <a:rPr lang="en-US" sz="1800" dirty="0" err="1"/>
+              <a:t>input.value</a:t>
+            </a:r>
+            <a:r>
+              <a:rPr lang="en-US" sz="1800" dirty="0"/>
+              <a:t>;</a:t>
+            </a:r>
+          </a:p>
+          <a:p>
+            <a:r>
+              <a:rPr lang="en-US" sz="1800" dirty="0"/>
+              <a:t>     if( </a:t>
+            </a:r>
+            <a:r>
+              <a:rPr lang="en-US" sz="1800" dirty="0" err="1"/>
+              <a:t>value.length</a:t>
+            </a:r>
+            <a:r>
+              <a:rPr lang="en-US" sz="1800" dirty="0"/>
+              <a:t> === '' ) {</a:t>
+            </a:r>
+          </a:p>
+          <a:p>
+            <a:r>
+              <a:rPr lang="en-US" sz="1800" dirty="0"/>
+              <a:t>           return false;</a:t>
+            </a:r>
+          </a:p>
+          <a:p>
+            <a:r>
+              <a:rPr lang="en-US" sz="1800" dirty="0"/>
+              <a:t>     }</a:t>
+            </a:r>
+          </a:p>
+          <a:p>
+            <a:r>
+              <a:rPr lang="en-US" sz="1800" dirty="0"/>
+              <a:t>     else if( </a:t>
+            </a:r>
+            <a:r>
+              <a:rPr lang="en-US" sz="1800" dirty="0" err="1"/>
+              <a:t>value.length</a:t>
+            </a:r>
+            <a:r>
+              <a:rPr lang="en-US" sz="1800" dirty="0"/>
+              <a:t> </a:t>
+            </a:r>
+            <a:r>
+              <a:rPr lang="en-US" sz="1800" dirty="0" smtClean="0"/>
+              <a:t>&gt; MAX_LENGTH) </a:t>
+            </a:r>
+            <a:r>
+              <a:rPr lang="en-US" sz="1800" dirty="0"/>
+              <a:t>{</a:t>
+            </a:r>
+          </a:p>
+          <a:p>
+            <a:r>
+              <a:rPr lang="en-US" sz="1800" dirty="0"/>
+              <a:t>           return false;</a:t>
+            </a:r>
+          </a:p>
+          <a:p>
+            <a:r>
+              <a:rPr lang="en-US" sz="1800" dirty="0"/>
+              <a:t>     }</a:t>
+            </a:r>
+          </a:p>
+          <a:p>
+            <a:r>
+              <a:rPr lang="en-US" sz="1800" dirty="0"/>
+              <a:t>     ... // lots of else</a:t>
+            </a:r>
+          </a:p>
+          <a:p>
+            <a:r>
+              <a:rPr lang="en-US" sz="1800" dirty="0"/>
+              <a:t>     else {</a:t>
+            </a:r>
+          </a:p>
+          <a:p>
+            <a:r>
+              <a:rPr lang="en-US" sz="1800" dirty="0"/>
+              <a:t>        // call OData API</a:t>
+            </a:r>
+          </a:p>
+          <a:p>
+            <a:r>
+              <a:rPr lang="en-US" sz="1800" dirty="0"/>
+              <a:t>     }</a:t>
+            </a:r>
+          </a:p>
+          <a:p>
+            <a:r>
+              <a:rPr lang="en-US" sz="1800" dirty="0"/>
+              <a:t>}</a:t>
+            </a:r>
+          </a:p>
+          <a:p>
+            <a:pPr fontAlgn="base">
+              <a:spcBef>
+                <a:spcPts val="600"/>
+              </a:spcBef>
+              <a:spcAft>
+                <a:spcPct val="0"/>
+              </a:spcAft>
+              <a:buClr>
+                <a:srgbClr val="F0AB00"/>
+              </a:buClr>
+              <a:buSzPct val="80000"/>
+            </a:pPr>
+            <a:endParaRPr lang="en-US" sz="1800" kern="0" dirty="0" err="1" smtClean="0">
+              <a:ea typeface="Arial Unicode MS" pitchFamily="34" charset="-128"/>
+              <a:cs typeface="Arial Unicode MS" pitchFamily="34" charset="-128"/>
+            </a:endParaRPr>
+          </a:p>
+        </p:txBody>
+      </p:sp>
+    </p:spTree>
+    <p:extLst>
+      <p:ext uri="{BB962C8B-B14F-4D97-AF65-F5344CB8AC3E}">
+        <p14:creationId xmlns:p14="http://schemas.microsoft.com/office/powerpoint/2010/main" val="2494527469"/>
+      </p:ext>
+    </p:extLst>
+  </p:cSld>
+  <p:clrMapOvr>
+    <a:masterClrMapping/>
+  </p:clrMapOvr>
+  <p:timing>
+    <p:tnLst>
+      <p:par>
+        <p:cTn id="1" dur="indefinite" restart="never" nodeType="tmRoot"/>
+      </p:par>
+    </p:tnLst>
+  </p:timing>
+</p:sld>
+</file>
+
+<file path=ppt/slides/slide13.xml><?xml version="1.0" encoding="utf-8"?>
+<p:sld xmlns:a="http://schemas.openxmlformats.org/drawingml/2006/main" xmlns:r="http://schemas.openxmlformats.org/officeDocument/2006/relationships" xmlns:p="http://schemas.openxmlformats.org/presentationml/2006/main">
+  <p:cSld>
+    <p:spTree>
+      <p:nvGrpSpPr>
+        <p:cNvPr id="1" name=""/>
+        <p:cNvGrpSpPr/>
+        <p:nvPr/>
+      </p:nvGrpSpPr>
+      <p:grpSpPr>
+        <a:xfrm>
+          <a:off x="0" y="0"/>
+          <a:ext cx="0" cy="0"/>
+          <a:chOff x="0" y="0"/>
+          <a:chExt cx="0" cy="0"/>
+        </a:xfrm>
+      </p:grpSpPr>
+      <p:sp>
+        <p:nvSpPr>
+          <p:cNvPr id="2" name="Title 1"/>
+          <p:cNvSpPr>
+            <a:spLocks noGrp="1"/>
+          </p:cNvSpPr>
+          <p:nvPr>
+            <p:ph type="title"/>
+          </p:nvPr>
+        </p:nvSpPr>
+        <p:spPr/>
+        <p:txBody>
+          <a:bodyPr/>
+          <a:lstStyle/>
+          <a:p>
+            <a:r>
+              <a:rPr lang="en-US" dirty="0" smtClean="0"/>
+              <a:t>Solution</a:t>
+            </a:r>
+            <a:endParaRPr lang="en-US" dirty="0"/>
+          </a:p>
+        </p:txBody>
+      </p:sp>
+      <p:sp>
+        <p:nvSpPr>
+          <p:cNvPr id="6" name="TextBox 5"/>
+          <p:cNvSpPr txBox="1"/>
+          <p:nvPr/>
+        </p:nvSpPr>
+        <p:spPr>
+          <a:xfrm>
+            <a:off x="324000" y="1371600"/>
+            <a:ext cx="5211827" cy="2215991"/>
+          </a:xfrm>
+          <a:prstGeom prst="rect">
+            <a:avLst/>
+          </a:prstGeom>
+          <a:noFill/>
+        </p:spPr>
+        <p:txBody>
+          <a:bodyPr wrap="square" lIns="0" tIns="0" rIns="0" bIns="0" rtlCol="0">
+            <a:spAutoFit/>
+          </a:bodyPr>
+          <a:lstStyle/>
+          <a:p>
+            <a:r>
+              <a:rPr lang="en-US" sz="1800" dirty="0" err="1"/>
+              <a:t>var</a:t>
+            </a:r>
+            <a:r>
+              <a:rPr lang="en-US" sz="1800" dirty="0"/>
+              <a:t> </a:t>
+            </a:r>
+            <a:r>
+              <a:rPr lang="en-US" sz="1800" dirty="0" err="1"/>
+              <a:t>valid_rules</a:t>
+            </a:r>
+            <a:r>
+              <a:rPr lang="en-US" sz="1800" dirty="0"/>
+              <a:t> = {</a:t>
+            </a:r>
+          </a:p>
+          <a:p>
+            <a:r>
+              <a:rPr lang="en-US" sz="1800" dirty="0"/>
+              <a:t>      </a:t>
+            </a:r>
+            <a:r>
+              <a:rPr lang="en-US" sz="1800" dirty="0" err="1"/>
+              <a:t>not_empty</a:t>
+            </a:r>
+            <a:r>
+              <a:rPr lang="en-US" sz="1800" dirty="0"/>
+              <a:t>: function( value ) {</a:t>
+            </a:r>
+          </a:p>
+          <a:p>
+            <a:r>
+              <a:rPr lang="en-US" sz="1800" dirty="0"/>
+              <a:t>         return </a:t>
+            </a:r>
+            <a:r>
+              <a:rPr lang="en-US" sz="1800" dirty="0" err="1"/>
+              <a:t>value.length</a:t>
+            </a:r>
+            <a:r>
+              <a:rPr lang="en-US" sz="1800" dirty="0"/>
+              <a:t> !== '';</a:t>
+            </a:r>
+          </a:p>
+          <a:p>
+            <a:r>
+              <a:rPr lang="en-US" sz="1800" dirty="0"/>
+              <a:t>      },</a:t>
+            </a:r>
+          </a:p>
+          <a:p>
+            <a:r>
+              <a:rPr lang="en-US" sz="1800" dirty="0"/>
+              <a:t>      </a:t>
+            </a:r>
+            <a:r>
+              <a:rPr lang="en-US" sz="1800" dirty="0" err="1"/>
+              <a:t>max_length</a:t>
+            </a:r>
+            <a:r>
+              <a:rPr lang="en-US" sz="1800" dirty="0"/>
+              <a:t>: function( value ) {</a:t>
+            </a:r>
+          </a:p>
+          <a:p>
+            <a:r>
+              <a:rPr lang="en-US" sz="1800" dirty="0"/>
+              <a:t>         return </a:t>
+            </a:r>
+            <a:r>
+              <a:rPr lang="en-US" sz="1800" dirty="0" err="1"/>
+              <a:t>value.length</a:t>
+            </a:r>
+            <a:r>
+              <a:rPr lang="en-US" sz="1800" dirty="0"/>
+              <a:t> &lt;= MAX_LENGTH  ;</a:t>
+            </a:r>
+          </a:p>
+          <a:p>
+            <a:r>
+              <a:rPr lang="en-US" sz="1800" dirty="0"/>
+              <a:t>      }</a:t>
+            </a:r>
+          </a:p>
+          <a:p>
+            <a:r>
+              <a:rPr lang="en-US" sz="1800" dirty="0"/>
+              <a:t> </a:t>
+            </a:r>
+            <a:r>
+              <a:rPr lang="en-US" sz="1800" dirty="0" smtClean="0"/>
+              <a:t>}</a:t>
+            </a:r>
+            <a:endParaRPr lang="en-US" sz="1800" dirty="0"/>
+          </a:p>
+        </p:txBody>
+      </p:sp>
+      <p:sp>
+        <p:nvSpPr>
+          <p:cNvPr id="7" name="TextBox 6"/>
+          <p:cNvSpPr txBox="1"/>
+          <p:nvPr/>
+        </p:nvSpPr>
+        <p:spPr>
+          <a:xfrm>
+            <a:off x="324000" y="3682314"/>
+            <a:ext cx="5112973" cy="2616101"/>
+          </a:xfrm>
+          <a:prstGeom prst="rect">
+            <a:avLst/>
+          </a:prstGeom>
+          <a:noFill/>
+        </p:spPr>
+        <p:txBody>
+          <a:bodyPr wrap="square" lIns="0" tIns="0" rIns="0" bIns="0" rtlCol="0">
+            <a:spAutoFit/>
+          </a:bodyPr>
+          <a:lstStyle/>
+          <a:p>
+            <a:r>
+              <a:rPr lang="en-US" sz="1800" dirty="0" err="1"/>
+              <a:t>var</a:t>
+            </a:r>
+            <a:r>
+              <a:rPr lang="en-US" sz="1800" dirty="0"/>
+              <a:t> </a:t>
+            </a:r>
+            <a:r>
+              <a:rPr lang="en-US" sz="1800" dirty="0" err="1"/>
+              <a:t>valid_check</a:t>
+            </a:r>
+            <a:r>
+              <a:rPr lang="en-US" sz="1800" dirty="0"/>
+              <a:t> = function() {</a:t>
+            </a:r>
+          </a:p>
+          <a:p>
+            <a:r>
+              <a:rPr lang="en-US" sz="1800" dirty="0"/>
+              <a:t>     for( </a:t>
+            </a:r>
+            <a:r>
+              <a:rPr lang="en-US" sz="1800" dirty="0" err="1"/>
+              <a:t>var</a:t>
+            </a:r>
+            <a:r>
+              <a:rPr lang="en-US" sz="1800" dirty="0"/>
+              <a:t> </a:t>
+            </a:r>
+            <a:r>
+              <a:rPr lang="en-US" sz="1800" dirty="0" err="1"/>
+              <a:t>i</a:t>
+            </a:r>
+            <a:r>
+              <a:rPr lang="en-US" sz="1800" dirty="0"/>
+              <a:t> in </a:t>
+            </a:r>
+            <a:r>
+              <a:rPr lang="en-US" sz="1800" dirty="0" err="1"/>
+              <a:t>valid_rules</a:t>
+            </a:r>
+            <a:r>
+              <a:rPr lang="en-US" sz="1800" dirty="0"/>
+              <a:t> ) {</a:t>
+            </a:r>
+          </a:p>
+          <a:p>
+            <a:r>
+              <a:rPr lang="en-US" sz="1800" dirty="0"/>
+              <a:t>          if ( </a:t>
+            </a:r>
+            <a:r>
+              <a:rPr lang="en-US" sz="1800" dirty="0" err="1"/>
+              <a:t>vali_rules</a:t>
+            </a:r>
+            <a:r>
+              <a:rPr lang="en-US" sz="1800" dirty="0"/>
+              <a:t>[</a:t>
+            </a:r>
+            <a:r>
+              <a:rPr lang="en-US" sz="1800" dirty="0" err="1"/>
+              <a:t>i</a:t>
+            </a:r>
+            <a:r>
+              <a:rPr lang="en-US" sz="1800" dirty="0"/>
+              <a:t>].apply( this, arguments) === false ) {</a:t>
+            </a:r>
+          </a:p>
+          <a:p>
+            <a:r>
+              <a:rPr lang="en-US" sz="1800" dirty="0"/>
+              <a:t>                return false;</a:t>
+            </a:r>
+          </a:p>
+          <a:p>
+            <a:r>
+              <a:rPr lang="en-US" sz="1800" dirty="0"/>
+              <a:t>          }</a:t>
+            </a:r>
+          </a:p>
+          <a:p>
+            <a:r>
+              <a:rPr lang="en-US" sz="1800" dirty="0"/>
+              <a:t>     }</a:t>
+            </a:r>
+          </a:p>
+          <a:p>
+            <a:r>
+              <a:rPr lang="en-US" sz="1800" dirty="0"/>
+              <a:t>}</a:t>
+            </a:r>
+          </a:p>
+          <a:p>
+            <a:pPr fontAlgn="base">
+              <a:spcBef>
+                <a:spcPts val="600"/>
+              </a:spcBef>
+              <a:spcAft>
+                <a:spcPct val="0"/>
+              </a:spcAft>
+              <a:buClr>
+                <a:srgbClr val="F0AB00"/>
+              </a:buClr>
+              <a:buSzPct val="80000"/>
+            </a:pPr>
+            <a:endParaRPr lang="en-US" sz="1800" kern="0" dirty="0" err="1" smtClean="0">
+              <a:ea typeface="Arial Unicode MS" pitchFamily="34" charset="-128"/>
+              <a:cs typeface="Arial Unicode MS" pitchFamily="34" charset="-128"/>
+            </a:endParaRPr>
+          </a:p>
+        </p:txBody>
+      </p:sp>
+      <p:sp>
+        <p:nvSpPr>
+          <p:cNvPr id="8" name="TextBox 7"/>
+          <p:cNvSpPr txBox="1"/>
+          <p:nvPr/>
+        </p:nvSpPr>
+        <p:spPr>
+          <a:xfrm>
+            <a:off x="6975924" y="3820813"/>
+            <a:ext cx="4893276" cy="2339102"/>
+          </a:xfrm>
+          <a:prstGeom prst="rect">
+            <a:avLst/>
+          </a:prstGeom>
+          <a:noFill/>
+        </p:spPr>
+        <p:txBody>
+          <a:bodyPr wrap="square" lIns="0" tIns="0" rIns="0" bIns="0" rtlCol="0">
+            <a:spAutoFit/>
+          </a:bodyPr>
+          <a:lstStyle/>
+          <a:p>
+            <a:r>
+              <a:rPr lang="en-US" sz="1800" dirty="0" err="1"/>
+              <a:t>var</a:t>
+            </a:r>
+            <a:r>
+              <a:rPr lang="en-US" sz="1800" dirty="0"/>
+              <a:t> send = function( value ) {</a:t>
+            </a:r>
+          </a:p>
+          <a:p>
+            <a:r>
+              <a:rPr lang="en-US" sz="1800" dirty="0"/>
+              <a:t>       if ( </a:t>
+            </a:r>
+            <a:r>
+              <a:rPr lang="en-US" sz="1800" dirty="0" err="1"/>
+              <a:t>valid_check</a:t>
+            </a:r>
+            <a:r>
+              <a:rPr lang="en-US" sz="1800" dirty="0"/>
+              <a:t>( value ) === false ) {</a:t>
+            </a:r>
+          </a:p>
+          <a:p>
+            <a:r>
+              <a:rPr lang="en-US" sz="1800" dirty="0"/>
+              <a:t>             return;</a:t>
+            </a:r>
+          </a:p>
+          <a:p>
+            <a:r>
+              <a:rPr lang="en-US" sz="1800" dirty="0"/>
+              <a:t>       }</a:t>
+            </a:r>
+          </a:p>
+          <a:p>
+            <a:r>
+              <a:rPr lang="en-US" sz="1800" dirty="0"/>
+              <a:t>      // call OData API</a:t>
+            </a:r>
+            <a:br>
+              <a:rPr lang="en-US" sz="1800" dirty="0"/>
+            </a:br>
+            <a:endParaRPr lang="en-US" sz="1800" dirty="0"/>
+          </a:p>
+          <a:p>
+            <a:r>
+              <a:rPr lang="en-US" sz="1800" dirty="0"/>
+              <a:t>}</a:t>
+            </a:r>
+          </a:p>
+          <a:p>
+            <a:pPr fontAlgn="base">
+              <a:spcBef>
+                <a:spcPts val="600"/>
+              </a:spcBef>
+              <a:spcAft>
+                <a:spcPct val="0"/>
+              </a:spcAft>
+              <a:buClr>
+                <a:srgbClr val="F0AB00"/>
+              </a:buClr>
+              <a:buSzPct val="80000"/>
+            </a:pPr>
+            <a:endParaRPr lang="en-US" sz="1800" kern="0" dirty="0" err="1" smtClean="0">
+              <a:ea typeface="Arial Unicode MS" pitchFamily="34" charset="-128"/>
+              <a:cs typeface="Arial Unicode MS" pitchFamily="34" charset="-128"/>
+            </a:endParaRPr>
+          </a:p>
+        </p:txBody>
+      </p:sp>
+    </p:spTree>
+    <p:extLst>
+      <p:ext uri="{BB962C8B-B14F-4D97-AF65-F5344CB8AC3E}">
+        <p14:creationId xmlns:p14="http://schemas.microsoft.com/office/powerpoint/2010/main" val="2985506737"/>
+      </p:ext>
+    </p:extLst>
+  </p:cSld>
+  <p:clrMapOvr>
+    <a:masterClrMapping/>
+  </p:clrMapOvr>
+  <p:timing>
+    <p:tnLst>
+      <p:par>
+        <p:cTn id="1" dur="indefinite" restart="never" nodeType="tmRoot">
+          <p:childTnLst>
+            <p:seq concurrent="1" nextAc="seek">
+              <p:cTn id="2" dur="indefinite" nodeType="mainSeq">
+                <p:childTnLst>
+                  <p:par>
+                    <p:cTn id="3" fill="hold">
+                      <p:stCondLst>
+                        <p:cond delay="indefinite"/>
+                      </p:stCondLst>
+                      <p:childTnLst>
+                        <p:par>
+                          <p:cTn id="4" fill="hold">
+                            <p:stCondLst>
+                              <p:cond delay="0"/>
+                            </p:stCondLst>
+                            <p:childTnLst>
+                              <p:par>
+                                <p:cTn id="5" presetID="1" presetClass="entr" presetSubtype="0" fill="hold" grpId="0" nodeType="clickEffect">
+                                  <p:stCondLst>
+                                    <p:cond delay="0"/>
+                                  </p:stCondLst>
+                                  <p:childTnLst>
+                                    <p:set>
+                                      <p:cBhvr>
+                                        <p:cTn id="6" dur="1" fill="hold">
+                                          <p:stCondLst>
+                                            <p:cond delay="0"/>
+                                          </p:stCondLst>
+                                        </p:cTn>
+                                        <p:tgtEl>
+                                          <p:spTgt spid="7"/>
+                                        </p:tgtEl>
+                                        <p:attrNameLst>
+                                          <p:attrName>style.visibility</p:attrName>
+                                        </p:attrNameLst>
+                                      </p:cBhvr>
+                                      <p:to>
+                                        <p:strVal val="visible"/>
+                                      </p:to>
+                                    </p:set>
+                                  </p:childTnLst>
+                                </p:cTn>
+                              </p:par>
+                            </p:childTnLst>
+                          </p:cTn>
+                        </p:par>
+                      </p:childTnLst>
+                    </p:cTn>
+                  </p:par>
+                  <p:par>
+                    <p:cTn id="7" fill="hold">
+                      <p:stCondLst>
+                        <p:cond delay="indefinite"/>
+                      </p:stCondLst>
+                      <p:childTnLst>
+                        <p:par>
+                          <p:cTn id="8" fill="hold">
+                            <p:stCondLst>
+                              <p:cond delay="0"/>
+                            </p:stCondLst>
+                            <p:childTnLst>
+                              <p:par>
+                                <p:cTn id="9" presetID="1" presetClass="entr" presetSubtype="0" fill="hold" grpId="0" nodeType="clickEffect">
+                                  <p:stCondLst>
+                                    <p:cond delay="0"/>
+                                  </p:stCondLst>
+                                  <p:childTnLst>
+                                    <p:set>
+                                      <p:cBhvr>
+                                        <p:cTn id="10" dur="1" fill="hold">
+                                          <p:stCondLst>
+                                            <p:cond delay="0"/>
+                                          </p:stCondLst>
+                                        </p:cTn>
+                                        <p:tgtEl>
+                                          <p:spTgt spid="8"/>
+                                        </p:tgtEl>
+                                        <p:attrNameLst>
+                                          <p:attrName>style.visibility</p:attrName>
+                                        </p:attrNameLst>
+                                      </p:cBhvr>
+                                      <p:to>
+                                        <p:strVal val="visible"/>
+                                      </p:to>
+                                    </p:set>
+                                  </p:childTnLst>
+                                </p:cTn>
+                              </p:par>
+                            </p:childTnLst>
+                          </p:cTn>
+                        </p:par>
+                      </p:childTnLst>
+                    </p:cTn>
+                  </p:par>
+                </p:childTnLst>
+              </p:cTn>
+              <p:prevCondLst>
+                <p:cond evt="onPrev" delay="0">
+                  <p:tgtEl>
+                    <p:sldTgt/>
+                  </p:tgtEl>
+                </p:cond>
+              </p:prevCondLst>
+              <p:nextCondLst>
+                <p:cond evt="onNext" delay="0">
+                  <p:tgtEl>
+                    <p:sldTgt/>
+                  </p:tgtEl>
+                </p:cond>
+              </p:nextCondLst>
+            </p:seq>
+          </p:childTnLst>
+        </p:cTn>
+      </p:par>
+    </p:tnLst>
+    <p:bldLst>
+      <p:bldP spid="7" grpId="0"/>
+      <p:bldP spid="8" grpId="0"/>
+    </p:bldLst>
+  </p:timing>
+</p:sld>
+</file>
+
+<file path=ppt/slides/slide14.xml><?xml version="1.0" encoding="utf-8"?>
+<p:sld xmlns:a="http://schemas.openxmlformats.org/drawingml/2006/main" xmlns:r="http://schemas.openxmlformats.org/officeDocument/2006/relationships" xmlns:p="http://schemas.openxmlformats.org/presentationml/2006/main">
+  <p:cSld>
+    <p:spTree>
+      <p:nvGrpSpPr>
+        <p:cNvPr id="1" name=""/>
+        <p:cNvGrpSpPr/>
+        <p:nvPr/>
+      </p:nvGrpSpPr>
+      <p:grpSpPr>
+        <a:xfrm>
+          <a:off x="0" y="0"/>
+          <a:ext cx="0" cy="0"/>
+          <a:chOff x="0" y="0"/>
+          <a:chExt cx="0" cy="0"/>
+        </a:xfrm>
+      </p:grpSpPr>
+      <p:sp>
+        <p:nvSpPr>
+          <p:cNvPr id="2" name="Title 1"/>
+          <p:cNvSpPr>
+            <a:spLocks noGrp="1"/>
+          </p:cNvSpPr>
+          <p:nvPr>
+            <p:ph type="title"/>
+          </p:nvPr>
+        </p:nvSpPr>
+        <p:spPr/>
+        <p:txBody>
+          <a:bodyPr/>
+          <a:lstStyle/>
+          <a:p>
+            <a:r>
+              <a:rPr lang="en-US" dirty="0" smtClean="0"/>
+              <a:t>Chain of Responsibility</a:t>
+            </a:r>
+            <a:endParaRPr lang="en-US" dirty="0"/>
+          </a:p>
+        </p:txBody>
+      </p:sp>
+      <p:sp>
+        <p:nvSpPr>
+          <p:cNvPr id="6" name="TextBox 5"/>
+          <p:cNvSpPr txBox="1"/>
+          <p:nvPr/>
+        </p:nvSpPr>
+        <p:spPr>
+          <a:xfrm>
+            <a:off x="432486" y="1433384"/>
+            <a:ext cx="4757352" cy="4124206"/>
+          </a:xfrm>
+          <a:prstGeom prst="rect">
+            <a:avLst/>
+          </a:prstGeom>
+          <a:noFill/>
+        </p:spPr>
+        <p:txBody>
+          <a:bodyPr wrap="square" lIns="0" tIns="0" rIns="0" bIns="0" rtlCol="0">
+            <a:spAutoFit/>
+          </a:bodyPr>
+          <a:lstStyle/>
+          <a:p>
+            <a:pPr fontAlgn="base">
+              <a:spcBef>
+                <a:spcPts val="600"/>
+              </a:spcBef>
+              <a:spcAft>
+                <a:spcPct val="0"/>
+              </a:spcAft>
+              <a:buClr>
+                <a:srgbClr val="F0AB00"/>
+              </a:buClr>
+              <a:buSzPct val="80000"/>
+            </a:pPr>
+            <a:r>
+              <a:rPr lang="en-US" sz="1600" kern="0" dirty="0">
+                <a:ea typeface="Arial Unicode MS" pitchFamily="34" charset="-128"/>
+                <a:cs typeface="Arial Unicode MS" pitchFamily="34" charset="-128"/>
+              </a:rPr>
+              <a:t>// Priority: ActiveX &gt; HTML5 &gt; Flash &gt; Form(default)</a:t>
+            </a:r>
+          </a:p>
+          <a:p>
+            <a:pPr fontAlgn="base">
+              <a:spcBef>
+                <a:spcPts val="600"/>
+              </a:spcBef>
+              <a:spcAft>
+                <a:spcPct val="0"/>
+              </a:spcAft>
+              <a:buClr>
+                <a:srgbClr val="F0AB00"/>
+              </a:buClr>
+              <a:buSzPct val="80000"/>
+            </a:pPr>
+            <a:r>
+              <a:rPr lang="en-US" sz="1600" kern="0" dirty="0">
+                <a:ea typeface="Arial Unicode MS" pitchFamily="34" charset="-128"/>
+                <a:cs typeface="Arial Unicode MS" pitchFamily="34" charset="-128"/>
+              </a:rPr>
+              <a:t>function </a:t>
+            </a:r>
+            <a:r>
+              <a:rPr lang="en-US" sz="1600" kern="0" dirty="0" err="1">
+                <a:ea typeface="Arial Unicode MS" pitchFamily="34" charset="-128"/>
+                <a:cs typeface="Arial Unicode MS" pitchFamily="34" charset="-128"/>
+              </a:rPr>
+              <a:t>isActiveXSupported</a:t>
+            </a:r>
+            <a:r>
+              <a:rPr lang="en-US" sz="1600" kern="0" dirty="0">
+                <a:ea typeface="Arial Unicode MS" pitchFamily="34" charset="-128"/>
+                <a:cs typeface="Arial Unicode MS" pitchFamily="34" charset="-128"/>
+              </a:rPr>
+              <a:t>(){</a:t>
+            </a:r>
+          </a:p>
+          <a:p>
+            <a:pPr fontAlgn="base">
+              <a:spcBef>
+                <a:spcPts val="600"/>
+              </a:spcBef>
+              <a:spcAft>
+                <a:spcPct val="0"/>
+              </a:spcAft>
+              <a:buClr>
+                <a:srgbClr val="F0AB00"/>
+              </a:buClr>
+              <a:buSzPct val="80000"/>
+            </a:pPr>
+            <a:r>
+              <a:rPr lang="en-US" sz="1600" kern="0" dirty="0">
+                <a:ea typeface="Arial Unicode MS" pitchFamily="34" charset="-128"/>
+                <a:cs typeface="Arial Unicode MS" pitchFamily="34" charset="-128"/>
+              </a:rPr>
+              <a:t>	//...</a:t>
+            </a:r>
+          </a:p>
+          <a:p>
+            <a:pPr fontAlgn="base">
+              <a:spcBef>
+                <a:spcPts val="600"/>
+              </a:spcBef>
+              <a:spcAft>
+                <a:spcPct val="0"/>
+              </a:spcAft>
+              <a:buClr>
+                <a:srgbClr val="F0AB00"/>
+              </a:buClr>
+              <a:buSzPct val="80000"/>
+            </a:pPr>
+            <a:r>
+              <a:rPr lang="en-US" sz="1600" kern="0" dirty="0">
+                <a:ea typeface="Arial Unicode MS" pitchFamily="34" charset="-128"/>
+                <a:cs typeface="Arial Unicode MS" pitchFamily="34" charset="-128"/>
+              </a:rPr>
+              <a:t>	return false;</a:t>
+            </a:r>
+          </a:p>
+          <a:p>
+            <a:pPr fontAlgn="base">
+              <a:spcBef>
+                <a:spcPts val="600"/>
+              </a:spcBef>
+              <a:spcAft>
+                <a:spcPct val="0"/>
+              </a:spcAft>
+              <a:buClr>
+                <a:srgbClr val="F0AB00"/>
+              </a:buClr>
+              <a:buSzPct val="80000"/>
+            </a:pPr>
+            <a:r>
+              <a:rPr lang="en-US" sz="1600" kern="0" dirty="0" smtClean="0">
+                <a:ea typeface="Arial Unicode MS" pitchFamily="34" charset="-128"/>
+                <a:cs typeface="Arial Unicode MS" pitchFamily="34" charset="-128"/>
+              </a:rPr>
+              <a:t>}</a:t>
+            </a:r>
+            <a:endParaRPr lang="en-US" sz="1600" kern="0" dirty="0">
+              <a:ea typeface="Arial Unicode MS" pitchFamily="34" charset="-128"/>
+              <a:cs typeface="Arial Unicode MS" pitchFamily="34" charset="-128"/>
+            </a:endParaRPr>
+          </a:p>
+          <a:p>
+            <a:pPr fontAlgn="base">
+              <a:spcBef>
+                <a:spcPts val="600"/>
+              </a:spcBef>
+              <a:spcAft>
+                <a:spcPct val="0"/>
+              </a:spcAft>
+              <a:buClr>
+                <a:srgbClr val="F0AB00"/>
+              </a:buClr>
+              <a:buSzPct val="80000"/>
+            </a:pPr>
+            <a:r>
+              <a:rPr lang="en-US" sz="1600" kern="0" dirty="0">
+                <a:ea typeface="Arial Unicode MS" pitchFamily="34" charset="-128"/>
+                <a:cs typeface="Arial Unicode MS" pitchFamily="34" charset="-128"/>
+              </a:rPr>
+              <a:t>function isHTML5Supported(){</a:t>
+            </a:r>
+          </a:p>
+          <a:p>
+            <a:pPr fontAlgn="base">
+              <a:spcBef>
+                <a:spcPts val="600"/>
+              </a:spcBef>
+              <a:spcAft>
+                <a:spcPct val="0"/>
+              </a:spcAft>
+              <a:buClr>
+                <a:srgbClr val="F0AB00"/>
+              </a:buClr>
+              <a:buSzPct val="80000"/>
+            </a:pPr>
+            <a:r>
+              <a:rPr lang="en-US" sz="1600" kern="0" dirty="0">
+                <a:ea typeface="Arial Unicode MS" pitchFamily="34" charset="-128"/>
+                <a:cs typeface="Arial Unicode MS" pitchFamily="34" charset="-128"/>
+              </a:rPr>
+              <a:t>	//...</a:t>
+            </a:r>
+          </a:p>
+          <a:p>
+            <a:pPr fontAlgn="base">
+              <a:spcBef>
+                <a:spcPts val="600"/>
+              </a:spcBef>
+              <a:spcAft>
+                <a:spcPct val="0"/>
+              </a:spcAft>
+              <a:buClr>
+                <a:srgbClr val="F0AB00"/>
+              </a:buClr>
+              <a:buSzPct val="80000"/>
+            </a:pPr>
+            <a:r>
+              <a:rPr lang="en-US" sz="1600" kern="0" dirty="0">
+                <a:ea typeface="Arial Unicode MS" pitchFamily="34" charset="-128"/>
+                <a:cs typeface="Arial Unicode MS" pitchFamily="34" charset="-128"/>
+              </a:rPr>
+              <a:t>	return false;</a:t>
+            </a:r>
+          </a:p>
+          <a:p>
+            <a:pPr fontAlgn="base">
+              <a:spcBef>
+                <a:spcPts val="600"/>
+              </a:spcBef>
+              <a:spcAft>
+                <a:spcPct val="0"/>
+              </a:spcAft>
+              <a:buClr>
+                <a:srgbClr val="F0AB00"/>
+              </a:buClr>
+              <a:buSzPct val="80000"/>
+            </a:pPr>
+            <a:r>
+              <a:rPr lang="en-US" sz="1600" kern="0" dirty="0" smtClean="0">
+                <a:ea typeface="Arial Unicode MS" pitchFamily="34" charset="-128"/>
+                <a:cs typeface="Arial Unicode MS" pitchFamily="34" charset="-128"/>
+              </a:rPr>
+              <a:t>}</a:t>
+            </a:r>
+            <a:endParaRPr lang="en-US" sz="1600" kern="0" dirty="0">
+              <a:ea typeface="Arial Unicode MS" pitchFamily="34" charset="-128"/>
+              <a:cs typeface="Arial Unicode MS" pitchFamily="34" charset="-128"/>
+            </a:endParaRPr>
+          </a:p>
+          <a:p>
+            <a:pPr fontAlgn="base">
+              <a:spcBef>
+                <a:spcPts val="600"/>
+              </a:spcBef>
+              <a:spcAft>
+                <a:spcPct val="0"/>
+              </a:spcAft>
+              <a:buClr>
+                <a:srgbClr val="F0AB00"/>
+              </a:buClr>
+              <a:buSzPct val="80000"/>
+            </a:pPr>
+            <a:r>
+              <a:rPr lang="en-US" sz="1600" kern="0" dirty="0">
+                <a:ea typeface="Arial Unicode MS" pitchFamily="34" charset="-128"/>
+                <a:cs typeface="Arial Unicode MS" pitchFamily="34" charset="-128"/>
+              </a:rPr>
+              <a:t>function </a:t>
+            </a:r>
+            <a:r>
+              <a:rPr lang="en-US" sz="1600" kern="0" dirty="0" err="1">
+                <a:ea typeface="Arial Unicode MS" pitchFamily="34" charset="-128"/>
+                <a:cs typeface="Arial Unicode MS" pitchFamily="34" charset="-128"/>
+              </a:rPr>
+              <a:t>isFlashSupported</a:t>
+            </a:r>
+            <a:r>
+              <a:rPr lang="en-US" sz="1600" kern="0" dirty="0">
+                <a:ea typeface="Arial Unicode MS" pitchFamily="34" charset="-128"/>
+                <a:cs typeface="Arial Unicode MS" pitchFamily="34" charset="-128"/>
+              </a:rPr>
+              <a:t>(){</a:t>
+            </a:r>
+          </a:p>
+          <a:p>
+            <a:pPr fontAlgn="base">
+              <a:spcBef>
+                <a:spcPts val="600"/>
+              </a:spcBef>
+              <a:spcAft>
+                <a:spcPct val="0"/>
+              </a:spcAft>
+              <a:buClr>
+                <a:srgbClr val="F0AB00"/>
+              </a:buClr>
+              <a:buSzPct val="80000"/>
+            </a:pPr>
+            <a:r>
+              <a:rPr lang="en-US" sz="1600" kern="0" dirty="0">
+                <a:ea typeface="Arial Unicode MS" pitchFamily="34" charset="-128"/>
+                <a:cs typeface="Arial Unicode MS" pitchFamily="34" charset="-128"/>
+              </a:rPr>
+              <a:t>	//...</a:t>
+            </a:r>
+          </a:p>
+          <a:p>
+            <a:pPr fontAlgn="base">
+              <a:spcBef>
+                <a:spcPts val="600"/>
+              </a:spcBef>
+              <a:spcAft>
+                <a:spcPct val="0"/>
+              </a:spcAft>
+              <a:buClr>
+                <a:srgbClr val="F0AB00"/>
+              </a:buClr>
+              <a:buSzPct val="80000"/>
+            </a:pPr>
+            <a:r>
+              <a:rPr lang="en-US" sz="1600" kern="0" dirty="0">
+                <a:ea typeface="Arial Unicode MS" pitchFamily="34" charset="-128"/>
+                <a:cs typeface="Arial Unicode MS" pitchFamily="34" charset="-128"/>
+              </a:rPr>
+              <a:t>	return false;</a:t>
+            </a:r>
+          </a:p>
+          <a:p>
+            <a:pPr fontAlgn="base">
+              <a:spcBef>
+                <a:spcPts val="600"/>
+              </a:spcBef>
+              <a:spcAft>
+                <a:spcPct val="0"/>
+              </a:spcAft>
+              <a:buClr>
+                <a:srgbClr val="F0AB00"/>
+              </a:buClr>
+              <a:buSzPct val="80000"/>
+            </a:pPr>
+            <a:r>
+              <a:rPr lang="en-US" sz="1600" kern="0" dirty="0">
+                <a:ea typeface="Arial Unicode MS" pitchFamily="34" charset="-128"/>
+                <a:cs typeface="Arial Unicode MS" pitchFamily="34" charset="-128"/>
+              </a:rPr>
+              <a:t>}</a:t>
+            </a:r>
+            <a:endParaRPr lang="en-US" sz="1600" kern="0" dirty="0" smtClean="0">
+              <a:ea typeface="Arial Unicode MS" pitchFamily="34" charset="-128"/>
+              <a:cs typeface="Arial Unicode MS" pitchFamily="34" charset="-128"/>
+            </a:endParaRPr>
+          </a:p>
+        </p:txBody>
+      </p:sp>
+      <p:sp>
+        <p:nvSpPr>
+          <p:cNvPr id="7" name="TextBox 6"/>
+          <p:cNvSpPr txBox="1"/>
+          <p:nvPr/>
+        </p:nvSpPr>
+        <p:spPr>
+          <a:xfrm>
+            <a:off x="5943600" y="1272746"/>
+            <a:ext cx="5572897" cy="5186035"/>
+          </a:xfrm>
+          <a:prstGeom prst="rect">
+            <a:avLst/>
+          </a:prstGeom>
+          <a:noFill/>
+        </p:spPr>
+        <p:txBody>
+          <a:bodyPr wrap="square" lIns="0" tIns="0" rIns="0" bIns="0" rtlCol="0">
+            <a:spAutoFit/>
+          </a:bodyPr>
+          <a:lstStyle/>
+          <a:p>
+            <a:pPr fontAlgn="base">
+              <a:spcBef>
+                <a:spcPts val="600"/>
+              </a:spcBef>
+              <a:spcAft>
+                <a:spcPct val="0"/>
+              </a:spcAft>
+              <a:buClr>
+                <a:srgbClr val="F0AB00"/>
+              </a:buClr>
+              <a:buSzPct val="80000"/>
+            </a:pPr>
+            <a:r>
+              <a:rPr lang="en-US" sz="1400" kern="0" dirty="0" err="1">
+                <a:ea typeface="Arial Unicode MS" pitchFamily="34" charset="-128"/>
+                <a:cs typeface="Arial Unicode MS" pitchFamily="34" charset="-128"/>
+              </a:rPr>
+              <a:t>var</a:t>
+            </a:r>
+            <a:r>
+              <a:rPr lang="en-US" sz="1400" kern="0" dirty="0">
+                <a:ea typeface="Arial Unicode MS" pitchFamily="34" charset="-128"/>
+                <a:cs typeface="Arial Unicode MS" pitchFamily="34" charset="-128"/>
+              </a:rPr>
+              <a:t> </a:t>
+            </a:r>
+            <a:r>
+              <a:rPr lang="en-US" sz="1400" kern="0" dirty="0" err="1">
+                <a:ea typeface="Arial Unicode MS" pitchFamily="34" charset="-128"/>
+                <a:cs typeface="Arial Unicode MS" pitchFamily="34" charset="-128"/>
+              </a:rPr>
+              <a:t>uploadAPI</a:t>
+            </a:r>
+            <a:r>
+              <a:rPr lang="en-US" sz="1400" kern="0" dirty="0">
+                <a:ea typeface="Arial Unicode MS" pitchFamily="34" charset="-128"/>
+                <a:cs typeface="Arial Unicode MS" pitchFamily="34" charset="-128"/>
+              </a:rPr>
+              <a:t>;</a:t>
+            </a:r>
+          </a:p>
+          <a:p>
+            <a:pPr fontAlgn="base">
+              <a:spcBef>
+                <a:spcPts val="600"/>
+              </a:spcBef>
+              <a:spcAft>
+                <a:spcPct val="0"/>
+              </a:spcAft>
+              <a:buClr>
+                <a:srgbClr val="F0AB00"/>
+              </a:buClr>
+              <a:buSzPct val="80000"/>
+            </a:pPr>
+            <a:r>
+              <a:rPr lang="en-US" sz="1400" kern="0" dirty="0">
+                <a:ea typeface="Arial Unicode MS" pitchFamily="34" charset="-128"/>
+                <a:cs typeface="Arial Unicode MS" pitchFamily="34" charset="-128"/>
+              </a:rPr>
+              <a:t>if ( </a:t>
+            </a:r>
+            <a:r>
+              <a:rPr lang="en-US" sz="1400" kern="0" dirty="0" err="1">
+                <a:ea typeface="Arial Unicode MS" pitchFamily="34" charset="-128"/>
+                <a:cs typeface="Arial Unicode MS" pitchFamily="34" charset="-128"/>
+              </a:rPr>
+              <a:t>isActiveXSupported</a:t>
+            </a:r>
+            <a:r>
+              <a:rPr lang="en-US" sz="1400" kern="0" dirty="0">
+                <a:ea typeface="Arial Unicode MS" pitchFamily="34" charset="-128"/>
+                <a:cs typeface="Arial Unicode MS" pitchFamily="34" charset="-128"/>
+              </a:rPr>
+              <a:t>()) {</a:t>
+            </a:r>
+          </a:p>
+          <a:p>
+            <a:pPr fontAlgn="base">
+              <a:spcBef>
+                <a:spcPts val="600"/>
+              </a:spcBef>
+              <a:spcAft>
+                <a:spcPct val="0"/>
+              </a:spcAft>
+              <a:buClr>
+                <a:srgbClr val="F0AB00"/>
+              </a:buClr>
+              <a:buSzPct val="80000"/>
+            </a:pPr>
+            <a:r>
+              <a:rPr lang="en-US" sz="1400" kern="0" dirty="0">
+                <a:ea typeface="Arial Unicode MS" pitchFamily="34" charset="-128"/>
+                <a:cs typeface="Arial Unicode MS" pitchFamily="34" charset="-128"/>
+              </a:rPr>
+              <a:t>	// lots of initialization work</a:t>
+            </a:r>
+          </a:p>
+          <a:p>
+            <a:pPr fontAlgn="base">
+              <a:spcBef>
+                <a:spcPts val="600"/>
+              </a:spcBef>
+              <a:spcAft>
+                <a:spcPct val="0"/>
+              </a:spcAft>
+              <a:buClr>
+                <a:srgbClr val="F0AB00"/>
+              </a:buClr>
+              <a:buSzPct val="80000"/>
+            </a:pPr>
+            <a:r>
+              <a:rPr lang="en-US" sz="1400" kern="0" dirty="0">
+                <a:ea typeface="Arial Unicode MS" pitchFamily="34" charset="-128"/>
+                <a:cs typeface="Arial Unicode MS" pitchFamily="34" charset="-128"/>
+              </a:rPr>
+              <a:t>	</a:t>
+            </a:r>
+            <a:r>
+              <a:rPr lang="en-US" sz="1400" kern="0" dirty="0" err="1">
+                <a:ea typeface="Arial Unicode MS" pitchFamily="34" charset="-128"/>
+                <a:cs typeface="Arial Unicode MS" pitchFamily="34" charset="-128"/>
+              </a:rPr>
+              <a:t>uploadAPI</a:t>
+            </a:r>
+            <a:r>
+              <a:rPr lang="en-US" sz="1400" kern="0" dirty="0">
+                <a:ea typeface="Arial Unicode MS" pitchFamily="34" charset="-128"/>
+                <a:cs typeface="Arial Unicode MS" pitchFamily="34" charset="-128"/>
+              </a:rPr>
+              <a:t> = { "name": "ActiveX"};</a:t>
+            </a:r>
+          </a:p>
+          <a:p>
+            <a:pPr fontAlgn="base">
+              <a:spcBef>
+                <a:spcPts val="600"/>
+              </a:spcBef>
+              <a:spcAft>
+                <a:spcPct val="0"/>
+              </a:spcAft>
+              <a:buClr>
+                <a:srgbClr val="F0AB00"/>
+              </a:buClr>
+              <a:buSzPct val="80000"/>
+            </a:pPr>
+            <a:r>
+              <a:rPr lang="en-US" sz="1400" kern="0" dirty="0">
+                <a:ea typeface="Arial Unicode MS" pitchFamily="34" charset="-128"/>
+                <a:cs typeface="Arial Unicode MS" pitchFamily="34" charset="-128"/>
+              </a:rPr>
+              <a:t>}</a:t>
+            </a:r>
+          </a:p>
+          <a:p>
+            <a:pPr fontAlgn="base">
+              <a:spcBef>
+                <a:spcPts val="600"/>
+              </a:spcBef>
+              <a:spcAft>
+                <a:spcPct val="0"/>
+              </a:spcAft>
+              <a:buClr>
+                <a:srgbClr val="F0AB00"/>
+              </a:buClr>
+              <a:buSzPct val="80000"/>
+            </a:pPr>
+            <a:r>
+              <a:rPr lang="en-US" sz="1400" kern="0" dirty="0">
+                <a:ea typeface="Arial Unicode MS" pitchFamily="34" charset="-128"/>
+                <a:cs typeface="Arial Unicode MS" pitchFamily="34" charset="-128"/>
+              </a:rPr>
+              <a:t>else if( isHTML5Supported()) {</a:t>
+            </a:r>
+          </a:p>
+          <a:p>
+            <a:pPr fontAlgn="base">
+              <a:spcBef>
+                <a:spcPts val="600"/>
+              </a:spcBef>
+              <a:spcAft>
+                <a:spcPct val="0"/>
+              </a:spcAft>
+              <a:buClr>
+                <a:srgbClr val="F0AB00"/>
+              </a:buClr>
+              <a:buSzPct val="80000"/>
+            </a:pPr>
+            <a:r>
+              <a:rPr lang="en-US" sz="1400" kern="0" dirty="0">
+                <a:ea typeface="Arial Unicode MS" pitchFamily="34" charset="-128"/>
+                <a:cs typeface="Arial Unicode MS" pitchFamily="34" charset="-128"/>
+              </a:rPr>
+              <a:t>	// lots of initialization work</a:t>
+            </a:r>
+          </a:p>
+          <a:p>
+            <a:pPr fontAlgn="base">
+              <a:spcBef>
+                <a:spcPts val="600"/>
+              </a:spcBef>
+              <a:spcAft>
+                <a:spcPct val="0"/>
+              </a:spcAft>
+              <a:buClr>
+                <a:srgbClr val="F0AB00"/>
+              </a:buClr>
+              <a:buSzPct val="80000"/>
+            </a:pPr>
+            <a:r>
+              <a:rPr lang="en-US" sz="1400" kern="0" dirty="0">
+                <a:ea typeface="Arial Unicode MS" pitchFamily="34" charset="-128"/>
+                <a:cs typeface="Arial Unicode MS" pitchFamily="34" charset="-128"/>
+              </a:rPr>
+              <a:t>	</a:t>
+            </a:r>
+            <a:r>
+              <a:rPr lang="en-US" sz="1400" kern="0" dirty="0" err="1">
+                <a:ea typeface="Arial Unicode MS" pitchFamily="34" charset="-128"/>
+                <a:cs typeface="Arial Unicode MS" pitchFamily="34" charset="-128"/>
+              </a:rPr>
+              <a:t>uploadAPI</a:t>
+            </a:r>
+            <a:r>
+              <a:rPr lang="en-US" sz="1400" kern="0" dirty="0">
+                <a:ea typeface="Arial Unicode MS" pitchFamily="34" charset="-128"/>
+                <a:cs typeface="Arial Unicode MS" pitchFamily="34" charset="-128"/>
+              </a:rPr>
+              <a:t> = { "name": "HTML5"};</a:t>
+            </a:r>
+          </a:p>
+          <a:p>
+            <a:pPr fontAlgn="base">
+              <a:spcBef>
+                <a:spcPts val="600"/>
+              </a:spcBef>
+              <a:spcAft>
+                <a:spcPct val="0"/>
+              </a:spcAft>
+              <a:buClr>
+                <a:srgbClr val="F0AB00"/>
+              </a:buClr>
+              <a:buSzPct val="80000"/>
+            </a:pPr>
+            <a:r>
+              <a:rPr lang="en-US" sz="1400" kern="0" dirty="0">
+                <a:ea typeface="Arial Unicode MS" pitchFamily="34" charset="-128"/>
+                <a:cs typeface="Arial Unicode MS" pitchFamily="34" charset="-128"/>
+              </a:rPr>
+              <a:t>}</a:t>
+            </a:r>
+          </a:p>
+          <a:p>
+            <a:pPr fontAlgn="base">
+              <a:spcBef>
+                <a:spcPts val="600"/>
+              </a:spcBef>
+              <a:spcAft>
+                <a:spcPct val="0"/>
+              </a:spcAft>
+              <a:buClr>
+                <a:srgbClr val="F0AB00"/>
+              </a:buClr>
+              <a:buSzPct val="80000"/>
+            </a:pPr>
+            <a:r>
+              <a:rPr lang="en-US" sz="1400" kern="0" dirty="0">
+                <a:ea typeface="Arial Unicode MS" pitchFamily="34" charset="-128"/>
+                <a:cs typeface="Arial Unicode MS" pitchFamily="34" charset="-128"/>
+              </a:rPr>
+              <a:t>else if( </a:t>
+            </a:r>
+            <a:r>
+              <a:rPr lang="en-US" sz="1400" kern="0" dirty="0" err="1">
+                <a:ea typeface="Arial Unicode MS" pitchFamily="34" charset="-128"/>
+                <a:cs typeface="Arial Unicode MS" pitchFamily="34" charset="-128"/>
+              </a:rPr>
+              <a:t>isFlashSupported</a:t>
+            </a:r>
+            <a:r>
+              <a:rPr lang="en-US" sz="1400" kern="0" dirty="0">
+                <a:ea typeface="Arial Unicode MS" pitchFamily="34" charset="-128"/>
+                <a:cs typeface="Arial Unicode MS" pitchFamily="34" charset="-128"/>
+              </a:rPr>
+              <a:t>()) {</a:t>
+            </a:r>
+          </a:p>
+          <a:p>
+            <a:pPr fontAlgn="base">
+              <a:spcBef>
+                <a:spcPts val="600"/>
+              </a:spcBef>
+              <a:spcAft>
+                <a:spcPct val="0"/>
+              </a:spcAft>
+              <a:buClr>
+                <a:srgbClr val="F0AB00"/>
+              </a:buClr>
+              <a:buSzPct val="80000"/>
+            </a:pPr>
+            <a:r>
+              <a:rPr lang="en-US" sz="1400" kern="0" dirty="0">
+                <a:ea typeface="Arial Unicode MS" pitchFamily="34" charset="-128"/>
+                <a:cs typeface="Arial Unicode MS" pitchFamily="34" charset="-128"/>
+              </a:rPr>
+              <a:t>	// lots of initialization work</a:t>
+            </a:r>
+          </a:p>
+          <a:p>
+            <a:pPr fontAlgn="base">
+              <a:spcBef>
+                <a:spcPts val="600"/>
+              </a:spcBef>
+              <a:spcAft>
+                <a:spcPct val="0"/>
+              </a:spcAft>
+              <a:buClr>
+                <a:srgbClr val="F0AB00"/>
+              </a:buClr>
+              <a:buSzPct val="80000"/>
+            </a:pPr>
+            <a:r>
+              <a:rPr lang="en-US" sz="1400" kern="0" dirty="0">
+                <a:ea typeface="Arial Unicode MS" pitchFamily="34" charset="-128"/>
+                <a:cs typeface="Arial Unicode MS" pitchFamily="34" charset="-128"/>
+              </a:rPr>
+              <a:t>	</a:t>
+            </a:r>
+            <a:r>
+              <a:rPr lang="en-US" sz="1400" kern="0" dirty="0" err="1">
+                <a:ea typeface="Arial Unicode MS" pitchFamily="34" charset="-128"/>
+                <a:cs typeface="Arial Unicode MS" pitchFamily="34" charset="-128"/>
+              </a:rPr>
+              <a:t>uploadAPI</a:t>
+            </a:r>
+            <a:r>
+              <a:rPr lang="en-US" sz="1400" kern="0" dirty="0">
+                <a:ea typeface="Arial Unicode MS" pitchFamily="34" charset="-128"/>
+                <a:cs typeface="Arial Unicode MS" pitchFamily="34" charset="-128"/>
+              </a:rPr>
+              <a:t> = { "name": "Flash"};</a:t>
+            </a:r>
+          </a:p>
+          <a:p>
+            <a:pPr fontAlgn="base">
+              <a:spcBef>
+                <a:spcPts val="600"/>
+              </a:spcBef>
+              <a:spcAft>
+                <a:spcPct val="0"/>
+              </a:spcAft>
+              <a:buClr>
+                <a:srgbClr val="F0AB00"/>
+              </a:buClr>
+              <a:buSzPct val="80000"/>
+            </a:pPr>
+            <a:r>
+              <a:rPr lang="en-US" sz="1400" kern="0" dirty="0">
+                <a:ea typeface="Arial Unicode MS" pitchFamily="34" charset="-128"/>
+                <a:cs typeface="Arial Unicode MS" pitchFamily="34" charset="-128"/>
+              </a:rPr>
+              <a:t>}</a:t>
+            </a:r>
+          </a:p>
+          <a:p>
+            <a:pPr fontAlgn="base">
+              <a:spcBef>
+                <a:spcPts val="600"/>
+              </a:spcBef>
+              <a:spcAft>
+                <a:spcPct val="0"/>
+              </a:spcAft>
+              <a:buClr>
+                <a:srgbClr val="F0AB00"/>
+              </a:buClr>
+              <a:buSzPct val="80000"/>
+            </a:pPr>
+            <a:r>
+              <a:rPr lang="en-US" sz="1400" kern="0" dirty="0">
+                <a:ea typeface="Arial Unicode MS" pitchFamily="34" charset="-128"/>
+                <a:cs typeface="Arial Unicode MS" pitchFamily="34" charset="-128"/>
+              </a:rPr>
+              <a:t>else {</a:t>
+            </a:r>
+          </a:p>
+          <a:p>
+            <a:pPr fontAlgn="base">
+              <a:spcBef>
+                <a:spcPts val="600"/>
+              </a:spcBef>
+              <a:spcAft>
+                <a:spcPct val="0"/>
+              </a:spcAft>
+              <a:buClr>
+                <a:srgbClr val="F0AB00"/>
+              </a:buClr>
+              <a:buSzPct val="80000"/>
+            </a:pPr>
+            <a:r>
+              <a:rPr lang="en-US" sz="1400" kern="0" dirty="0">
+                <a:ea typeface="Arial Unicode MS" pitchFamily="34" charset="-128"/>
+                <a:cs typeface="Arial Unicode MS" pitchFamily="34" charset="-128"/>
+              </a:rPr>
+              <a:t>	// lots of initialization work</a:t>
+            </a:r>
+          </a:p>
+          <a:p>
+            <a:pPr fontAlgn="base">
+              <a:spcBef>
+                <a:spcPts val="600"/>
+              </a:spcBef>
+              <a:spcAft>
+                <a:spcPct val="0"/>
+              </a:spcAft>
+              <a:buClr>
+                <a:srgbClr val="F0AB00"/>
+              </a:buClr>
+              <a:buSzPct val="80000"/>
+            </a:pPr>
+            <a:r>
+              <a:rPr lang="en-US" sz="1400" kern="0" dirty="0">
+                <a:ea typeface="Arial Unicode MS" pitchFamily="34" charset="-128"/>
+                <a:cs typeface="Arial Unicode MS" pitchFamily="34" charset="-128"/>
+              </a:rPr>
+              <a:t>	</a:t>
+            </a:r>
+            <a:r>
+              <a:rPr lang="en-US" sz="1400" kern="0" dirty="0" err="1">
+                <a:ea typeface="Arial Unicode MS" pitchFamily="34" charset="-128"/>
+                <a:cs typeface="Arial Unicode MS" pitchFamily="34" charset="-128"/>
+              </a:rPr>
+              <a:t>uploadAPI</a:t>
+            </a:r>
+            <a:r>
+              <a:rPr lang="en-US" sz="1400" kern="0" dirty="0">
+                <a:ea typeface="Arial Unicode MS" pitchFamily="34" charset="-128"/>
+                <a:cs typeface="Arial Unicode MS" pitchFamily="34" charset="-128"/>
+              </a:rPr>
+              <a:t> = { "name": "Form"};</a:t>
+            </a:r>
+          </a:p>
+          <a:p>
+            <a:pPr fontAlgn="base">
+              <a:spcBef>
+                <a:spcPts val="600"/>
+              </a:spcBef>
+              <a:spcAft>
+                <a:spcPct val="0"/>
+              </a:spcAft>
+              <a:buClr>
+                <a:srgbClr val="F0AB00"/>
+              </a:buClr>
+              <a:buSzPct val="80000"/>
+            </a:pPr>
+            <a:r>
+              <a:rPr lang="en-US" sz="1400" kern="0" dirty="0" smtClean="0">
+                <a:ea typeface="Arial Unicode MS" pitchFamily="34" charset="-128"/>
+                <a:cs typeface="Arial Unicode MS" pitchFamily="34" charset="-128"/>
+              </a:rPr>
+              <a:t>}</a:t>
+            </a:r>
+            <a:endParaRPr lang="en-US" sz="1400" kern="0" dirty="0">
+              <a:ea typeface="Arial Unicode MS" pitchFamily="34" charset="-128"/>
+              <a:cs typeface="Arial Unicode MS" pitchFamily="34" charset="-128"/>
+            </a:endParaRPr>
+          </a:p>
+          <a:p>
+            <a:pPr fontAlgn="base">
+              <a:spcBef>
+                <a:spcPts val="600"/>
+              </a:spcBef>
+              <a:spcAft>
+                <a:spcPct val="0"/>
+              </a:spcAft>
+              <a:buClr>
+                <a:srgbClr val="F0AB00"/>
+              </a:buClr>
+              <a:buSzPct val="80000"/>
+            </a:pPr>
+            <a:r>
+              <a:rPr lang="en-US" sz="1400" kern="0" dirty="0">
+                <a:ea typeface="Arial Unicode MS" pitchFamily="34" charset="-128"/>
+                <a:cs typeface="Arial Unicode MS" pitchFamily="34" charset="-128"/>
+              </a:rPr>
+              <a:t>console.log(</a:t>
+            </a:r>
+            <a:r>
+              <a:rPr lang="en-US" sz="1400" kern="0" dirty="0" err="1">
+                <a:ea typeface="Arial Unicode MS" pitchFamily="34" charset="-128"/>
+                <a:cs typeface="Arial Unicode MS" pitchFamily="34" charset="-128"/>
+              </a:rPr>
+              <a:t>uploadAPI</a:t>
+            </a:r>
+            <a:r>
+              <a:rPr lang="en-US" sz="1400" kern="0" dirty="0">
+                <a:ea typeface="Arial Unicode MS" pitchFamily="34" charset="-128"/>
+                <a:cs typeface="Arial Unicode MS" pitchFamily="34" charset="-128"/>
+              </a:rPr>
+              <a:t>);</a:t>
+            </a:r>
+            <a:endParaRPr lang="en-US" sz="1400" kern="0" dirty="0" smtClean="0">
+              <a:ea typeface="Arial Unicode MS" pitchFamily="34" charset="-128"/>
+              <a:cs typeface="Arial Unicode MS" pitchFamily="34" charset="-128"/>
+            </a:endParaRPr>
+          </a:p>
+        </p:txBody>
+      </p:sp>
+    </p:spTree>
+    <p:extLst>
+      <p:ext uri="{BB962C8B-B14F-4D97-AF65-F5344CB8AC3E}">
+        <p14:creationId xmlns:p14="http://schemas.microsoft.com/office/powerpoint/2010/main" val="687566088"/>
+      </p:ext>
+    </p:extLst>
+  </p:cSld>
+  <p:clrMapOvr>
+    <a:masterClrMapping/>
+  </p:clrMapOvr>
+  <p:timing>
+    <p:tnLst>
+      <p:par>
+        <p:cTn id="1" dur="indefinite" restart="never" nodeType="tmRoot"/>
+      </p:par>
+    </p:tnLst>
+  </p:timing>
+</p:sld>
+</file>
+
+<file path=ppt/slides/slide15.xml><?xml version="1.0" encoding="utf-8"?>
+<p:sld xmlns:a="http://schemas.openxmlformats.org/drawingml/2006/main" xmlns:r="http://schemas.openxmlformats.org/officeDocument/2006/relationships" xmlns:p="http://schemas.openxmlformats.org/presentationml/2006/main">
+  <p:cSld>
+    <p:spTree>
+      <p:nvGrpSpPr>
+        <p:cNvPr id="1" name=""/>
+        <p:cNvGrpSpPr/>
+        <p:nvPr/>
+      </p:nvGrpSpPr>
+      <p:grpSpPr>
+        <a:xfrm>
+          <a:off x="0" y="0"/>
+          <a:ext cx="0" cy="0"/>
+          <a:chOff x="0" y="0"/>
+          <a:chExt cx="0" cy="0"/>
+        </a:xfrm>
+      </p:grpSpPr>
+      <p:sp>
+        <p:nvSpPr>
+          <p:cNvPr id="2" name="Title 1"/>
+          <p:cNvSpPr>
+            <a:spLocks noGrp="1"/>
+          </p:cNvSpPr>
+          <p:nvPr>
+            <p:ph type="title"/>
+          </p:nvPr>
+        </p:nvSpPr>
+        <p:spPr/>
+        <p:txBody>
+          <a:bodyPr/>
+          <a:lstStyle/>
+          <a:p>
+            <a:r>
+              <a:rPr lang="en-US" dirty="0" smtClean="0"/>
+              <a:t>Solution </a:t>
+            </a:r>
+            <a:endParaRPr lang="en-US" dirty="0"/>
+          </a:p>
+        </p:txBody>
+      </p:sp>
+      <p:sp>
+        <p:nvSpPr>
+          <p:cNvPr id="6" name="TextBox 5"/>
+          <p:cNvSpPr txBox="1"/>
+          <p:nvPr/>
+        </p:nvSpPr>
+        <p:spPr>
+          <a:xfrm>
+            <a:off x="234779" y="1359243"/>
+            <a:ext cx="5189838" cy="3108543"/>
+          </a:xfrm>
+          <a:prstGeom prst="rect">
+            <a:avLst/>
+          </a:prstGeom>
+          <a:noFill/>
+        </p:spPr>
+        <p:txBody>
+          <a:bodyPr wrap="square" lIns="0" tIns="0" rIns="0" bIns="0" rtlCol="0">
+            <a:spAutoFit/>
+          </a:bodyPr>
+          <a:lstStyle/>
+          <a:p>
+            <a:pPr fontAlgn="base">
+              <a:spcBef>
+                <a:spcPts val="600"/>
+              </a:spcBef>
+              <a:spcAft>
+                <a:spcPct val="0"/>
+              </a:spcAft>
+              <a:buClr>
+                <a:srgbClr val="F0AB00"/>
+              </a:buClr>
+              <a:buSzPct val="80000"/>
+            </a:pPr>
+            <a:r>
+              <a:rPr lang="en-US" sz="1800" kern="0" dirty="0" err="1">
+                <a:ea typeface="Arial Unicode MS" pitchFamily="34" charset="-128"/>
+                <a:cs typeface="Arial Unicode MS" pitchFamily="34" charset="-128"/>
+              </a:rPr>
+              <a:t>var</a:t>
+            </a:r>
+            <a:r>
+              <a:rPr lang="en-US" sz="1800" kern="0" dirty="0">
+                <a:ea typeface="Arial Unicode MS" pitchFamily="34" charset="-128"/>
+                <a:cs typeface="Arial Unicode MS" pitchFamily="34" charset="-128"/>
+              </a:rPr>
+              <a:t> </a:t>
+            </a:r>
+            <a:r>
+              <a:rPr lang="en-US" sz="1800" kern="0" dirty="0" err="1">
+                <a:ea typeface="Arial Unicode MS" pitchFamily="34" charset="-128"/>
+                <a:cs typeface="Arial Unicode MS" pitchFamily="34" charset="-128"/>
+              </a:rPr>
+              <a:t>getActiveX</a:t>
+            </a:r>
+            <a:r>
+              <a:rPr lang="en-US" sz="1800" kern="0" dirty="0">
+                <a:ea typeface="Arial Unicode MS" pitchFamily="34" charset="-128"/>
+                <a:cs typeface="Arial Unicode MS" pitchFamily="34" charset="-128"/>
+              </a:rPr>
+              <a:t> = function() {</a:t>
+            </a:r>
+          </a:p>
+          <a:p>
+            <a:pPr fontAlgn="base">
+              <a:spcBef>
+                <a:spcPts val="600"/>
+              </a:spcBef>
+              <a:spcAft>
+                <a:spcPct val="0"/>
+              </a:spcAft>
+              <a:buClr>
+                <a:srgbClr val="F0AB00"/>
+              </a:buClr>
+              <a:buSzPct val="80000"/>
+            </a:pPr>
+            <a:r>
+              <a:rPr lang="en-US" sz="1800" kern="0" dirty="0">
+                <a:ea typeface="Arial Unicode MS" pitchFamily="34" charset="-128"/>
+                <a:cs typeface="Arial Unicode MS" pitchFamily="34" charset="-128"/>
+              </a:rPr>
+              <a:t>	try {</a:t>
+            </a:r>
+          </a:p>
+          <a:p>
+            <a:pPr fontAlgn="base">
+              <a:spcBef>
+                <a:spcPts val="600"/>
+              </a:spcBef>
+              <a:spcAft>
+                <a:spcPct val="0"/>
+              </a:spcAft>
+              <a:buClr>
+                <a:srgbClr val="F0AB00"/>
+              </a:buClr>
+              <a:buSzPct val="80000"/>
+            </a:pPr>
+            <a:r>
+              <a:rPr lang="en-US" sz="1800" kern="0" dirty="0">
+                <a:ea typeface="Arial Unicode MS" pitchFamily="34" charset="-128"/>
+                <a:cs typeface="Arial Unicode MS" pitchFamily="34" charset="-128"/>
+              </a:rPr>
+              <a:t>		// lots of initialization </a:t>
+            </a:r>
+            <a:r>
+              <a:rPr lang="en-US" sz="1800" kern="0" dirty="0" smtClean="0">
+                <a:ea typeface="Arial Unicode MS" pitchFamily="34" charset="-128"/>
+                <a:cs typeface="Arial Unicode MS" pitchFamily="34" charset="-128"/>
+              </a:rPr>
+              <a:t>work</a:t>
+            </a:r>
+            <a:endParaRPr lang="en-US" sz="1800" kern="0" dirty="0">
+              <a:ea typeface="Arial Unicode MS" pitchFamily="34" charset="-128"/>
+              <a:cs typeface="Arial Unicode MS" pitchFamily="34" charset="-128"/>
+            </a:endParaRPr>
+          </a:p>
+          <a:p>
+            <a:pPr fontAlgn="base">
+              <a:spcBef>
+                <a:spcPts val="600"/>
+              </a:spcBef>
+              <a:spcAft>
+                <a:spcPct val="0"/>
+              </a:spcAft>
+              <a:buClr>
+                <a:srgbClr val="F0AB00"/>
+              </a:buClr>
+              <a:buSzPct val="80000"/>
+            </a:pPr>
+            <a:r>
+              <a:rPr lang="en-US" sz="1800" kern="0" dirty="0">
+                <a:ea typeface="Arial Unicode MS" pitchFamily="34" charset="-128"/>
+                <a:cs typeface="Arial Unicode MS" pitchFamily="34" charset="-128"/>
+              </a:rPr>
+              <a:t>		return { "name": "ActiveX"};</a:t>
+            </a:r>
+          </a:p>
+          <a:p>
+            <a:pPr fontAlgn="base">
+              <a:spcBef>
+                <a:spcPts val="600"/>
+              </a:spcBef>
+              <a:spcAft>
+                <a:spcPct val="0"/>
+              </a:spcAft>
+              <a:buClr>
+                <a:srgbClr val="F0AB00"/>
+              </a:buClr>
+              <a:buSzPct val="80000"/>
+            </a:pPr>
+            <a:r>
+              <a:rPr lang="en-US" sz="1800" kern="0" dirty="0">
+                <a:ea typeface="Arial Unicode MS" pitchFamily="34" charset="-128"/>
+                <a:cs typeface="Arial Unicode MS" pitchFamily="34" charset="-128"/>
+              </a:rPr>
+              <a:t>	}</a:t>
+            </a:r>
+          </a:p>
+          <a:p>
+            <a:pPr fontAlgn="base">
+              <a:spcBef>
+                <a:spcPts val="600"/>
+              </a:spcBef>
+              <a:spcAft>
+                <a:spcPct val="0"/>
+              </a:spcAft>
+              <a:buClr>
+                <a:srgbClr val="F0AB00"/>
+              </a:buClr>
+              <a:buSzPct val="80000"/>
+            </a:pPr>
+            <a:r>
+              <a:rPr lang="en-US" sz="1800" kern="0" dirty="0">
+                <a:ea typeface="Arial Unicode MS" pitchFamily="34" charset="-128"/>
+                <a:cs typeface="Arial Unicode MS" pitchFamily="34" charset="-128"/>
+              </a:rPr>
+              <a:t>	catch (e) {</a:t>
+            </a:r>
+          </a:p>
+          <a:p>
+            <a:pPr fontAlgn="base">
+              <a:spcBef>
+                <a:spcPts val="600"/>
+              </a:spcBef>
+              <a:spcAft>
+                <a:spcPct val="0"/>
+              </a:spcAft>
+              <a:buClr>
+                <a:srgbClr val="F0AB00"/>
+              </a:buClr>
+              <a:buSzPct val="80000"/>
+            </a:pPr>
+            <a:r>
+              <a:rPr lang="en-US" sz="1800" kern="0" dirty="0">
+                <a:ea typeface="Arial Unicode MS" pitchFamily="34" charset="-128"/>
+                <a:cs typeface="Arial Unicode MS" pitchFamily="34" charset="-128"/>
+              </a:rPr>
+              <a:t>		return null;</a:t>
+            </a:r>
+          </a:p>
+          <a:p>
+            <a:pPr fontAlgn="base">
+              <a:spcBef>
+                <a:spcPts val="600"/>
+              </a:spcBef>
+              <a:spcAft>
+                <a:spcPct val="0"/>
+              </a:spcAft>
+              <a:buClr>
+                <a:srgbClr val="F0AB00"/>
+              </a:buClr>
+              <a:buSzPct val="80000"/>
+            </a:pPr>
+            <a:r>
+              <a:rPr lang="en-US" sz="1800" kern="0" dirty="0">
+                <a:ea typeface="Arial Unicode MS" pitchFamily="34" charset="-128"/>
+                <a:cs typeface="Arial Unicode MS" pitchFamily="34" charset="-128"/>
+              </a:rPr>
+              <a:t>	}</a:t>
+            </a:r>
+          </a:p>
+          <a:p>
+            <a:pPr fontAlgn="base">
+              <a:spcBef>
+                <a:spcPts val="600"/>
+              </a:spcBef>
+              <a:spcAft>
+                <a:spcPct val="0"/>
+              </a:spcAft>
+              <a:buClr>
+                <a:srgbClr val="F0AB00"/>
+              </a:buClr>
+              <a:buSzPct val="80000"/>
+            </a:pPr>
+            <a:r>
+              <a:rPr lang="en-US" sz="1800" kern="0" dirty="0">
+                <a:ea typeface="Arial Unicode MS" pitchFamily="34" charset="-128"/>
+                <a:cs typeface="Arial Unicode MS" pitchFamily="34" charset="-128"/>
+              </a:rPr>
+              <a:t>}</a:t>
+            </a:r>
+            <a:endParaRPr lang="en-US" sz="1800" kern="0" dirty="0" smtClean="0">
+              <a:ea typeface="Arial Unicode MS" pitchFamily="34" charset="-128"/>
+              <a:cs typeface="Arial Unicode MS" pitchFamily="34" charset="-128"/>
+            </a:endParaRPr>
+          </a:p>
+        </p:txBody>
+      </p:sp>
+      <p:sp>
+        <p:nvSpPr>
+          <p:cNvPr id="8" name="TextBox 7"/>
+          <p:cNvSpPr txBox="1"/>
+          <p:nvPr/>
+        </p:nvSpPr>
+        <p:spPr>
+          <a:xfrm>
+            <a:off x="234779" y="5474043"/>
+            <a:ext cx="11960397" cy="630942"/>
+          </a:xfrm>
+          <a:prstGeom prst="rect">
+            <a:avLst/>
+          </a:prstGeom>
+          <a:noFill/>
+        </p:spPr>
+        <p:txBody>
+          <a:bodyPr wrap="square" lIns="0" tIns="0" rIns="0" bIns="0" rtlCol="0">
+            <a:spAutoFit/>
+          </a:bodyPr>
+          <a:lstStyle/>
+          <a:p>
+            <a:pPr fontAlgn="base">
+              <a:spcBef>
+                <a:spcPts val="600"/>
+              </a:spcBef>
+              <a:spcAft>
+                <a:spcPct val="0"/>
+              </a:spcAft>
+              <a:buClr>
+                <a:srgbClr val="F0AB00"/>
+              </a:buClr>
+              <a:buSzPct val="80000"/>
+            </a:pPr>
+            <a:r>
+              <a:rPr lang="en-US" sz="1800" kern="0" dirty="0" err="1">
+                <a:ea typeface="Arial Unicode MS" pitchFamily="34" charset="-128"/>
+                <a:cs typeface="Arial Unicode MS" pitchFamily="34" charset="-128"/>
+              </a:rPr>
+              <a:t>var</a:t>
+            </a:r>
+            <a:r>
+              <a:rPr lang="en-US" sz="1800" kern="0" dirty="0">
+                <a:ea typeface="Arial Unicode MS" pitchFamily="34" charset="-128"/>
+                <a:cs typeface="Arial Unicode MS" pitchFamily="34" charset="-128"/>
+              </a:rPr>
+              <a:t> </a:t>
+            </a:r>
+            <a:r>
+              <a:rPr lang="en-US" sz="1800" kern="0" dirty="0" err="1">
+                <a:ea typeface="Arial Unicode MS" pitchFamily="34" charset="-128"/>
+                <a:cs typeface="Arial Unicode MS" pitchFamily="34" charset="-128"/>
+              </a:rPr>
+              <a:t>uploadAPI</a:t>
+            </a:r>
+            <a:r>
+              <a:rPr lang="en-US" sz="1800" kern="0" dirty="0">
+                <a:ea typeface="Arial Unicode MS" pitchFamily="34" charset="-128"/>
+                <a:cs typeface="Arial Unicode MS" pitchFamily="34" charset="-128"/>
+              </a:rPr>
+              <a:t> = </a:t>
+            </a:r>
+            <a:r>
+              <a:rPr lang="en-US" sz="1800" kern="0" dirty="0" err="1">
+                <a:ea typeface="Arial Unicode MS" pitchFamily="34" charset="-128"/>
+                <a:cs typeface="Arial Unicode MS" pitchFamily="34" charset="-128"/>
+              </a:rPr>
+              <a:t>getActiveX.after</a:t>
+            </a:r>
+            <a:r>
+              <a:rPr lang="en-US" sz="1800" kern="0" dirty="0">
+                <a:ea typeface="Arial Unicode MS" pitchFamily="34" charset="-128"/>
+                <a:cs typeface="Arial Unicode MS" pitchFamily="34" charset="-128"/>
+              </a:rPr>
+              <a:t>(getHTML5).after(</a:t>
+            </a:r>
+            <a:r>
+              <a:rPr lang="en-US" sz="1800" kern="0" dirty="0" err="1">
+                <a:ea typeface="Arial Unicode MS" pitchFamily="34" charset="-128"/>
+                <a:cs typeface="Arial Unicode MS" pitchFamily="34" charset="-128"/>
+              </a:rPr>
+              <a:t>getFlash</a:t>
+            </a:r>
+            <a:r>
+              <a:rPr lang="en-US" sz="1800" kern="0" dirty="0">
+                <a:ea typeface="Arial Unicode MS" pitchFamily="34" charset="-128"/>
+                <a:cs typeface="Arial Unicode MS" pitchFamily="34" charset="-128"/>
+              </a:rPr>
+              <a:t>).after(</a:t>
+            </a:r>
+            <a:r>
+              <a:rPr lang="en-US" sz="1800" kern="0" dirty="0" err="1">
+                <a:ea typeface="Arial Unicode MS" pitchFamily="34" charset="-128"/>
+                <a:cs typeface="Arial Unicode MS" pitchFamily="34" charset="-128"/>
+              </a:rPr>
+              <a:t>getForm</a:t>
+            </a:r>
+            <a:r>
+              <a:rPr lang="en-US" sz="1800" kern="0" dirty="0">
+                <a:ea typeface="Arial Unicode MS" pitchFamily="34" charset="-128"/>
+                <a:cs typeface="Arial Unicode MS" pitchFamily="34" charset="-128"/>
+              </a:rPr>
+              <a:t>)();</a:t>
+            </a:r>
+          </a:p>
+          <a:p>
+            <a:pPr fontAlgn="base">
+              <a:spcBef>
+                <a:spcPts val="600"/>
+              </a:spcBef>
+              <a:spcAft>
+                <a:spcPct val="0"/>
+              </a:spcAft>
+              <a:buClr>
+                <a:srgbClr val="F0AB00"/>
+              </a:buClr>
+              <a:buSzPct val="80000"/>
+            </a:pPr>
+            <a:r>
+              <a:rPr lang="en-US" sz="1800" kern="0" dirty="0" smtClean="0">
+                <a:ea typeface="Arial Unicode MS" pitchFamily="34" charset="-128"/>
+                <a:cs typeface="Arial Unicode MS" pitchFamily="34" charset="-128"/>
+              </a:rPr>
+              <a:t>console.log(</a:t>
+            </a:r>
+            <a:r>
+              <a:rPr lang="en-US" sz="1800" kern="0" dirty="0" err="1" smtClean="0">
+                <a:ea typeface="Arial Unicode MS" pitchFamily="34" charset="-128"/>
+                <a:cs typeface="Arial Unicode MS" pitchFamily="34" charset="-128"/>
+              </a:rPr>
+              <a:t>uploadAPI</a:t>
+            </a:r>
+            <a:r>
+              <a:rPr lang="en-US" sz="1800" kern="0" dirty="0">
+                <a:ea typeface="Arial Unicode MS" pitchFamily="34" charset="-128"/>
+                <a:cs typeface="Arial Unicode MS" pitchFamily="34" charset="-128"/>
+              </a:rPr>
+              <a:t>);</a:t>
+            </a:r>
+            <a:endParaRPr lang="en-US" sz="1800" kern="0" dirty="0" smtClean="0">
+              <a:ea typeface="Arial Unicode MS" pitchFamily="34" charset="-128"/>
+              <a:cs typeface="Arial Unicode MS" pitchFamily="34" charset="-128"/>
+            </a:endParaRPr>
+          </a:p>
+        </p:txBody>
+      </p:sp>
+      <p:sp>
+        <p:nvSpPr>
+          <p:cNvPr id="9" name="TextBox 8"/>
+          <p:cNvSpPr txBox="1"/>
+          <p:nvPr/>
+        </p:nvSpPr>
+        <p:spPr>
+          <a:xfrm>
+            <a:off x="5696465" y="1272746"/>
+            <a:ext cx="6172735" cy="3108543"/>
+          </a:xfrm>
+          <a:prstGeom prst="rect">
+            <a:avLst/>
+          </a:prstGeom>
+          <a:noFill/>
+        </p:spPr>
+        <p:txBody>
+          <a:bodyPr wrap="square" lIns="0" tIns="0" rIns="0" bIns="0" rtlCol="0">
+            <a:spAutoFit/>
+          </a:bodyPr>
+          <a:lstStyle/>
+          <a:p>
+            <a:pPr fontAlgn="base">
+              <a:spcBef>
+                <a:spcPts val="600"/>
+              </a:spcBef>
+              <a:spcAft>
+                <a:spcPct val="0"/>
+              </a:spcAft>
+              <a:buClr>
+                <a:srgbClr val="F0AB00"/>
+              </a:buClr>
+              <a:buSzPct val="80000"/>
+            </a:pPr>
+            <a:r>
+              <a:rPr lang="en-US" sz="1800" kern="0" dirty="0" err="1">
+                <a:ea typeface="Arial Unicode MS" pitchFamily="34" charset="-128"/>
+                <a:cs typeface="Arial Unicode MS" pitchFamily="34" charset="-128"/>
+              </a:rPr>
+              <a:t>var</a:t>
+            </a:r>
+            <a:r>
+              <a:rPr lang="en-US" sz="1800" kern="0" dirty="0">
+                <a:ea typeface="Arial Unicode MS" pitchFamily="34" charset="-128"/>
+                <a:cs typeface="Arial Unicode MS" pitchFamily="34" charset="-128"/>
+              </a:rPr>
+              <a:t> getHTML5 = function() {</a:t>
+            </a:r>
+          </a:p>
+          <a:p>
+            <a:pPr fontAlgn="base">
+              <a:spcBef>
+                <a:spcPts val="600"/>
+              </a:spcBef>
+              <a:spcAft>
+                <a:spcPct val="0"/>
+              </a:spcAft>
+              <a:buClr>
+                <a:srgbClr val="F0AB00"/>
+              </a:buClr>
+              <a:buSzPct val="80000"/>
+            </a:pPr>
+            <a:r>
+              <a:rPr lang="en-US" sz="1800" kern="0" dirty="0">
+                <a:ea typeface="Arial Unicode MS" pitchFamily="34" charset="-128"/>
+                <a:cs typeface="Arial Unicode MS" pitchFamily="34" charset="-128"/>
+              </a:rPr>
+              <a:t>	try {</a:t>
+            </a:r>
+          </a:p>
+          <a:p>
+            <a:pPr fontAlgn="base">
+              <a:spcBef>
+                <a:spcPts val="600"/>
+              </a:spcBef>
+              <a:spcAft>
+                <a:spcPct val="0"/>
+              </a:spcAft>
+              <a:buClr>
+                <a:srgbClr val="F0AB00"/>
+              </a:buClr>
+              <a:buSzPct val="80000"/>
+            </a:pPr>
+            <a:r>
+              <a:rPr lang="en-US" sz="1800" kern="0" dirty="0">
+                <a:ea typeface="Arial Unicode MS" pitchFamily="34" charset="-128"/>
+                <a:cs typeface="Arial Unicode MS" pitchFamily="34" charset="-128"/>
+              </a:rPr>
+              <a:t>		// lots of initialization </a:t>
+            </a:r>
+            <a:r>
+              <a:rPr lang="en-US" sz="1800" kern="0" dirty="0" smtClean="0">
+                <a:ea typeface="Arial Unicode MS" pitchFamily="34" charset="-128"/>
+                <a:cs typeface="Arial Unicode MS" pitchFamily="34" charset="-128"/>
+              </a:rPr>
+              <a:t>work</a:t>
+            </a:r>
+          </a:p>
+          <a:p>
+            <a:pPr fontAlgn="base">
+              <a:spcBef>
+                <a:spcPts val="600"/>
+              </a:spcBef>
+              <a:spcAft>
+                <a:spcPct val="0"/>
+              </a:spcAft>
+              <a:buClr>
+                <a:srgbClr val="F0AB00"/>
+              </a:buClr>
+              <a:buSzPct val="80000"/>
+            </a:pPr>
+            <a:r>
+              <a:rPr lang="en-US" sz="1800" kern="0" dirty="0" smtClean="0">
+                <a:ea typeface="Arial Unicode MS" pitchFamily="34" charset="-128"/>
+                <a:cs typeface="Arial Unicode MS" pitchFamily="34" charset="-128"/>
+              </a:rPr>
+              <a:t>		return { "name": "HTML5"};</a:t>
+            </a:r>
+          </a:p>
+          <a:p>
+            <a:pPr fontAlgn="base">
+              <a:spcBef>
+                <a:spcPts val="600"/>
+              </a:spcBef>
+              <a:spcAft>
+                <a:spcPct val="0"/>
+              </a:spcAft>
+              <a:buClr>
+                <a:srgbClr val="F0AB00"/>
+              </a:buClr>
+              <a:buSzPct val="80000"/>
+            </a:pPr>
+            <a:r>
+              <a:rPr lang="en-US" sz="1800" kern="0" dirty="0">
+                <a:ea typeface="Arial Unicode MS" pitchFamily="34" charset="-128"/>
+                <a:cs typeface="Arial Unicode MS" pitchFamily="34" charset="-128"/>
+              </a:rPr>
+              <a:t>	}</a:t>
+            </a:r>
+          </a:p>
+          <a:p>
+            <a:pPr fontAlgn="base">
+              <a:spcBef>
+                <a:spcPts val="600"/>
+              </a:spcBef>
+              <a:spcAft>
+                <a:spcPct val="0"/>
+              </a:spcAft>
+              <a:buClr>
+                <a:srgbClr val="F0AB00"/>
+              </a:buClr>
+              <a:buSzPct val="80000"/>
+            </a:pPr>
+            <a:r>
+              <a:rPr lang="en-US" sz="1800" kern="0" dirty="0">
+                <a:ea typeface="Arial Unicode MS" pitchFamily="34" charset="-128"/>
+                <a:cs typeface="Arial Unicode MS" pitchFamily="34" charset="-128"/>
+              </a:rPr>
+              <a:t>	catch (e) {</a:t>
+            </a:r>
+          </a:p>
+          <a:p>
+            <a:pPr fontAlgn="base">
+              <a:spcBef>
+                <a:spcPts val="600"/>
+              </a:spcBef>
+              <a:spcAft>
+                <a:spcPct val="0"/>
+              </a:spcAft>
+              <a:buClr>
+                <a:srgbClr val="F0AB00"/>
+              </a:buClr>
+              <a:buSzPct val="80000"/>
+            </a:pPr>
+            <a:r>
+              <a:rPr lang="en-US" sz="1800" kern="0" dirty="0">
+                <a:ea typeface="Arial Unicode MS" pitchFamily="34" charset="-128"/>
+                <a:cs typeface="Arial Unicode MS" pitchFamily="34" charset="-128"/>
+              </a:rPr>
+              <a:t>		return null;</a:t>
+            </a:r>
+          </a:p>
+          <a:p>
+            <a:pPr fontAlgn="base">
+              <a:spcBef>
+                <a:spcPts val="600"/>
+              </a:spcBef>
+              <a:spcAft>
+                <a:spcPct val="0"/>
+              </a:spcAft>
+              <a:buClr>
+                <a:srgbClr val="F0AB00"/>
+              </a:buClr>
+              <a:buSzPct val="80000"/>
+            </a:pPr>
+            <a:r>
+              <a:rPr lang="en-US" sz="1800" kern="0" dirty="0">
+                <a:ea typeface="Arial Unicode MS" pitchFamily="34" charset="-128"/>
+                <a:cs typeface="Arial Unicode MS" pitchFamily="34" charset="-128"/>
+              </a:rPr>
+              <a:t>	}</a:t>
+            </a:r>
+          </a:p>
+          <a:p>
+            <a:pPr fontAlgn="base">
+              <a:spcBef>
+                <a:spcPts val="600"/>
+              </a:spcBef>
+              <a:spcAft>
+                <a:spcPct val="0"/>
+              </a:spcAft>
+              <a:buClr>
+                <a:srgbClr val="F0AB00"/>
+              </a:buClr>
+              <a:buSzPct val="80000"/>
+            </a:pPr>
+            <a:r>
+              <a:rPr lang="en-US" sz="1800" kern="0" dirty="0">
+                <a:ea typeface="Arial Unicode MS" pitchFamily="34" charset="-128"/>
+                <a:cs typeface="Arial Unicode MS" pitchFamily="34" charset="-128"/>
+              </a:rPr>
+              <a:t>}</a:t>
+            </a:r>
+            <a:endParaRPr lang="en-US" sz="1800" kern="0" dirty="0" smtClean="0">
+              <a:ea typeface="Arial Unicode MS" pitchFamily="34" charset="-128"/>
+              <a:cs typeface="Arial Unicode MS" pitchFamily="34" charset="-128"/>
+            </a:endParaRPr>
+          </a:p>
+        </p:txBody>
+      </p:sp>
+    </p:spTree>
+    <p:extLst>
+      <p:ext uri="{BB962C8B-B14F-4D97-AF65-F5344CB8AC3E}">
+        <p14:creationId xmlns:p14="http://schemas.microsoft.com/office/powerpoint/2010/main" val="2355109145"/>
+      </p:ext>
+    </p:extLst>
+  </p:cSld>
+  <p:clrMapOvr>
+    <a:masterClrMapping/>
+  </p:clrMapOvr>
+  <p:timing>
+    <p:tnLst>
+      <p:par>
+        <p:cTn id="1" dur="indefinite" restart="never" nodeType="tmRoot">
+          <p:childTnLst>
+            <p:seq concurrent="1" nextAc="seek">
+              <p:cTn id="2" dur="indefinite" nodeType="mainSeq">
+                <p:childTnLst>
+                  <p:par>
+                    <p:cTn id="3" fill="hold">
+                      <p:stCondLst>
+                        <p:cond delay="indefinite"/>
+                      </p:stCondLst>
+                      <p:childTnLst>
+                        <p:par>
+                          <p:cTn id="4" fill="hold">
+                            <p:stCondLst>
+                              <p:cond delay="0"/>
+                            </p:stCondLst>
+                            <p:childTnLst>
+                              <p:par>
+                                <p:cTn id="5" presetID="1" presetClass="entr" presetSubtype="0" fill="hold" grpId="0" nodeType="clickEffect">
+                                  <p:stCondLst>
+                                    <p:cond delay="0"/>
+                                  </p:stCondLst>
+                                  <p:childTnLst>
+                                    <p:set>
+                                      <p:cBhvr>
+                                        <p:cTn id="6" dur="1" fill="hold">
+                                          <p:stCondLst>
+                                            <p:cond delay="0"/>
+                                          </p:stCondLst>
+                                        </p:cTn>
+                                        <p:tgtEl>
+                                          <p:spTgt spid="8"/>
+                                        </p:tgtEl>
+                                        <p:attrNameLst>
+                                          <p:attrName>style.visibility</p:attrName>
+                                        </p:attrNameLst>
+                                      </p:cBhvr>
+                                      <p:to>
+                                        <p:strVal val="visible"/>
+                                      </p:to>
+                                    </p:set>
+                                  </p:childTnLst>
+                                </p:cTn>
+                              </p:par>
+                            </p:childTnLst>
+                          </p:cTn>
+                        </p:par>
+                      </p:childTnLst>
+                    </p:cTn>
+                  </p:par>
+                </p:childTnLst>
+              </p:cTn>
+              <p:prevCondLst>
+                <p:cond evt="onPrev" delay="0">
+                  <p:tgtEl>
+                    <p:sldTgt/>
+                  </p:tgtEl>
+                </p:cond>
+              </p:prevCondLst>
+              <p:nextCondLst>
+                <p:cond evt="onNext" delay="0">
+                  <p:tgtEl>
+                    <p:sldTgt/>
+                  </p:tgtEl>
+                </p:cond>
+              </p:nextCondLst>
+            </p:seq>
+          </p:childTnLst>
+        </p:cTn>
+      </p:par>
+    </p:tnLst>
+    <p:bldLst>
+      <p:bldP spid="8" grpId="0"/>
+    </p:bldLst>
+  </p:timing>
+</p:sld>
+</file>
+
+<file path=ppt/slides/slide16.xml><?xml version="1.0" encoding="utf-8"?>
+<p:sld xmlns:a="http://schemas.openxmlformats.org/drawingml/2006/main" xmlns:r="http://schemas.openxmlformats.org/officeDocument/2006/relationships" xmlns:p="http://schemas.openxmlformats.org/presentationml/2006/main">
+  <p:cSld>
+    <p:spTree>
+      <p:nvGrpSpPr>
+        <p:cNvPr id="1" name=""/>
+        <p:cNvGrpSpPr/>
+        <p:nvPr/>
+      </p:nvGrpSpPr>
+      <p:grpSpPr>
+        <a:xfrm>
+          <a:off x="0" y="0"/>
+          <a:ext cx="0" cy="0"/>
+          <a:chOff x="0" y="0"/>
+          <a:chExt cx="0" cy="0"/>
+        </a:xfrm>
+      </p:grpSpPr>
+      <p:sp>
+        <p:nvSpPr>
+          <p:cNvPr id="2" name="Title 1"/>
+          <p:cNvSpPr>
+            <a:spLocks noGrp="1"/>
+          </p:cNvSpPr>
+          <p:nvPr>
+            <p:ph type="title"/>
+          </p:nvPr>
+        </p:nvSpPr>
+        <p:spPr/>
+        <p:txBody>
+          <a:bodyPr/>
+          <a:lstStyle/>
+          <a:p>
+            <a:r>
+              <a:rPr lang="en-US" dirty="0" smtClean="0"/>
+              <a:t>String in Java</a:t>
+            </a:r>
+            <a:endParaRPr lang="en-US" dirty="0"/>
+          </a:p>
+        </p:txBody>
+      </p:sp>
+      <p:pic>
+        <p:nvPicPr>
+          <p:cNvPr id="6" name="Picture 5"/>
+          <p:cNvPicPr>
+            <a:picLocks noChangeAspect="1"/>
+          </p:cNvPicPr>
+          <p:nvPr/>
+        </p:nvPicPr>
+        <p:blipFill>
+          <a:blip r:embed="rId2"/>
+          <a:stretch>
+            <a:fillRect/>
+          </a:stretch>
+        </p:blipFill>
+        <p:spPr>
+          <a:xfrm>
+            <a:off x="3604199" y="2374047"/>
+            <a:ext cx="8265001" cy="3849840"/>
+          </a:xfrm>
+          <a:prstGeom prst="rect">
+            <a:avLst/>
+          </a:prstGeom>
+        </p:spPr>
+      </p:pic>
+      <p:sp>
+        <p:nvSpPr>
+          <p:cNvPr id="5" name="TextBox 4"/>
+          <p:cNvSpPr txBox="1"/>
+          <p:nvPr/>
+        </p:nvSpPr>
+        <p:spPr>
+          <a:xfrm>
+            <a:off x="383059" y="1482811"/>
+            <a:ext cx="11219936" cy="3046988"/>
+          </a:xfrm>
+          <a:prstGeom prst="rect">
+            <a:avLst/>
+          </a:prstGeom>
+          <a:noFill/>
+        </p:spPr>
+        <p:txBody>
+          <a:bodyPr wrap="square" lIns="0" tIns="0" rIns="0" bIns="0" rtlCol="0">
+            <a:spAutoFit/>
+          </a:bodyPr>
+          <a:lstStyle/>
+          <a:p>
+            <a:r>
+              <a:rPr lang="en-US" sz="1800" b="1" dirty="0"/>
+              <a:t>public class </a:t>
+            </a:r>
+            <a:r>
+              <a:rPr lang="en-US" sz="1800" b="1" dirty="0" err="1"/>
+              <a:t>stringTest</a:t>
+            </a:r>
+            <a:r>
+              <a:rPr lang="en-US" sz="1800" b="1" dirty="0"/>
+              <a:t> {</a:t>
+            </a:r>
+          </a:p>
+          <a:p>
+            <a:endParaRPr lang="en-US" sz="1800" dirty="0"/>
+          </a:p>
+          <a:p>
+            <a:r>
+              <a:rPr lang="en-US" sz="1800" b="1" dirty="0"/>
+              <a:t>public static void main(String[] </a:t>
+            </a:r>
+            <a:r>
+              <a:rPr lang="en-US" sz="1800" b="1" dirty="0" err="1"/>
+              <a:t>args</a:t>
+            </a:r>
+            <a:r>
+              <a:rPr lang="en-US" sz="1800" b="1" dirty="0"/>
+              <a:t>) {</a:t>
+            </a:r>
+          </a:p>
+          <a:p>
+            <a:r>
+              <a:rPr lang="en-US" sz="1800" dirty="0"/>
+              <a:t>String </a:t>
+            </a:r>
+            <a:r>
+              <a:rPr lang="en-US" sz="1800" dirty="0" err="1"/>
+              <a:t>userName</a:t>
+            </a:r>
+            <a:r>
+              <a:rPr lang="en-US" sz="1800" dirty="0"/>
+              <a:t> = "Jerry";</a:t>
+            </a:r>
+          </a:p>
+          <a:p>
+            <a:r>
+              <a:rPr lang="en-US" sz="1800" dirty="0"/>
+              <a:t>String skill = "JS";</a:t>
+            </a:r>
+          </a:p>
+          <a:p>
+            <a:r>
+              <a:rPr lang="en-US" sz="1800" dirty="0"/>
+              <a:t>String job = "Developer";</a:t>
+            </a:r>
+          </a:p>
+          <a:p>
+            <a:r>
+              <a:rPr lang="da-DK" sz="1800" dirty="0" err="1"/>
+              <a:t>String</a:t>
+            </a:r>
+            <a:r>
+              <a:rPr lang="da-DK" sz="1800" dirty="0"/>
+              <a:t> info = </a:t>
+            </a:r>
+            <a:r>
+              <a:rPr lang="da-DK" sz="1800" dirty="0" err="1"/>
+              <a:t>userName</a:t>
+            </a:r>
+            <a:r>
+              <a:rPr lang="da-DK" sz="1800" dirty="0"/>
+              <a:t> + </a:t>
+            </a:r>
+            <a:r>
+              <a:rPr lang="da-DK" sz="1800" dirty="0" err="1"/>
+              <a:t>skill</a:t>
+            </a:r>
+            <a:r>
+              <a:rPr lang="da-DK" sz="1800" dirty="0"/>
+              <a:t> </a:t>
+            </a:r>
+            <a:endParaRPr lang="da-DK" sz="1800" dirty="0" smtClean="0"/>
+          </a:p>
+          <a:p>
+            <a:r>
+              <a:rPr lang="da-DK" sz="1800" dirty="0" smtClean="0"/>
+              <a:t>+ </a:t>
+            </a:r>
+            <a:r>
+              <a:rPr lang="da-DK" sz="1800" dirty="0"/>
+              <a:t>job;</a:t>
+            </a:r>
+          </a:p>
+          <a:p>
+            <a:r>
+              <a:rPr lang="en-US" sz="1800" dirty="0" err="1"/>
+              <a:t>System.</a:t>
+            </a:r>
+            <a:r>
+              <a:rPr lang="en-US" sz="1800" b="1" i="1" dirty="0" err="1"/>
+              <a:t>out.println</a:t>
+            </a:r>
+            <a:r>
+              <a:rPr lang="en-US" sz="1800" b="1" i="1" dirty="0"/>
+              <a:t>(info);</a:t>
+            </a:r>
+          </a:p>
+          <a:p>
+            <a:r>
+              <a:rPr lang="en-US" sz="1800" dirty="0"/>
+              <a:t>}</a:t>
+            </a:r>
+          </a:p>
+          <a:p>
+            <a:r>
+              <a:rPr lang="en-US" sz="1800" dirty="0"/>
+              <a:t>}</a:t>
+            </a:r>
+            <a:endParaRPr lang="en-US" sz="1800" kern="0" dirty="0" smtClean="0">
+              <a:ea typeface="Arial Unicode MS" pitchFamily="34" charset="-128"/>
+              <a:cs typeface="Arial Unicode MS" pitchFamily="34" charset="-128"/>
+            </a:endParaRPr>
+          </a:p>
+        </p:txBody>
+      </p:sp>
+    </p:spTree>
+    <p:extLst>
+      <p:ext uri="{BB962C8B-B14F-4D97-AF65-F5344CB8AC3E}">
+        <p14:creationId xmlns:p14="http://schemas.microsoft.com/office/powerpoint/2010/main" val="2064846460"/>
+      </p:ext>
+    </p:extLst>
+  </p:cSld>
+  <p:clrMapOvr>
+    <a:masterClrMapping/>
+  </p:clrMapOvr>
+  <p:timing>
+    <p:tnLst>
+      <p:par>
+        <p:cTn id="1" dur="indefinite" restart="never" nodeType="tmRoot"/>
+      </p:par>
+    </p:tnLst>
+  </p:timing>
+</p:sld>
+</file>
+
+<file path=ppt/slides/slide17.xml><?xml version="1.0" encoding="utf-8"?>
+<p:sld xmlns:a="http://schemas.openxmlformats.org/drawingml/2006/main" xmlns:r="http://schemas.openxmlformats.org/officeDocument/2006/relationships" xmlns:p="http://schemas.openxmlformats.org/presentationml/2006/main">
+  <p:cSld>
+    <p:spTree>
+      <p:nvGrpSpPr>
+        <p:cNvPr id="1" name=""/>
+        <p:cNvGrpSpPr/>
+        <p:nvPr/>
+      </p:nvGrpSpPr>
+      <p:grpSpPr>
+        <a:xfrm>
+          <a:off x="0" y="0"/>
+          <a:ext cx="0" cy="0"/>
+          <a:chOff x="0" y="0"/>
+          <a:chExt cx="0" cy="0"/>
+        </a:xfrm>
+      </p:grpSpPr>
+      <p:sp>
+        <p:nvSpPr>
+          <p:cNvPr id="2" name="Title 1"/>
+          <p:cNvSpPr>
+            <a:spLocks noGrp="1"/>
+          </p:cNvSpPr>
+          <p:nvPr>
+            <p:ph type="title"/>
+          </p:nvPr>
+        </p:nvSpPr>
+        <p:spPr/>
+        <p:txBody>
+          <a:bodyPr/>
+          <a:lstStyle/>
+          <a:p>
+            <a:endParaRPr lang="en-US"/>
+          </a:p>
+        </p:txBody>
+      </p:sp>
+      <p:pic>
+        <p:nvPicPr>
+          <p:cNvPr id="5" name="Picture 4"/>
+          <p:cNvPicPr/>
+          <p:nvPr/>
+        </p:nvPicPr>
+        <p:blipFill>
+          <a:blip r:embed="rId2"/>
+          <a:stretch>
+            <a:fillRect/>
+          </a:stretch>
+        </p:blipFill>
+        <p:spPr>
+          <a:xfrm>
+            <a:off x="462383" y="1710042"/>
+            <a:ext cx="10164428" cy="3875212"/>
+          </a:xfrm>
+          <a:prstGeom prst="rect">
+            <a:avLst/>
+          </a:prstGeom>
+        </p:spPr>
+      </p:pic>
+      <p:pic>
+        <p:nvPicPr>
+          <p:cNvPr id="6" name="Picture 5"/>
+          <p:cNvPicPr>
+            <a:picLocks noChangeAspect="1"/>
+          </p:cNvPicPr>
+          <p:nvPr/>
+        </p:nvPicPr>
+        <p:blipFill>
+          <a:blip r:embed="rId3"/>
+          <a:stretch>
+            <a:fillRect/>
+          </a:stretch>
+        </p:blipFill>
+        <p:spPr>
+          <a:xfrm>
+            <a:off x="6268533" y="3488935"/>
+            <a:ext cx="5143296" cy="1775043"/>
+          </a:xfrm>
+          <a:prstGeom prst="rect">
+            <a:avLst/>
+          </a:prstGeom>
+          <a:ln w="31750">
+            <a:solidFill>
+              <a:schemeClr val="accent1"/>
+            </a:solidFill>
+          </a:ln>
+        </p:spPr>
+      </p:pic>
+    </p:spTree>
+    <p:extLst>
+      <p:ext uri="{BB962C8B-B14F-4D97-AF65-F5344CB8AC3E}">
+        <p14:creationId xmlns:p14="http://schemas.microsoft.com/office/powerpoint/2010/main" val="541422140"/>
+      </p:ext>
+    </p:extLst>
+  </p:cSld>
+  <p:clrMapOvr>
+    <a:masterClrMapping/>
+  </p:clrMapOvr>
+  <p:timing>
+    <p:tnLst>
+      <p:par>
+        <p:cTn id="1" dur="indefinite" restart="never" nodeType="tmRoot"/>
+      </p:par>
+    </p:tnLst>
+  </p:timing>
+</p:sld>
+</file>
+
 <file path=ppt/slides/slide2.xml><?xml version="1.0" encoding="utf-8"?>
 <p:sld xmlns:a="http://schemas.openxmlformats.org/drawingml/2006/main" xmlns:r="http://schemas.openxmlformats.org/officeDocument/2006/relationships" xmlns:p="http://schemas.openxmlformats.org/presentationml/2006/main">
   <p:cSld>
@@ -7004,7 +11214,7 @@
         <p:spPr>
           <a:xfrm>
             <a:off x="543697" y="1606378"/>
-            <a:ext cx="3595817" cy="2046714"/>
+            <a:ext cx="3595817" cy="2400657"/>
           </a:xfrm>
           <a:prstGeom prst="rect">
             <a:avLst/>
@@ -7081,6 +11291,40 @@
               <a:buChar char="•"/>
             </a:pPr>
             <a:r>
+              <a:rPr lang="en-US" sz="1800" b="1" kern="0" dirty="0" err="1">
+                <a:ea typeface="Arial Unicode MS" pitchFamily="34" charset="-128"/>
+                <a:cs typeface="Arial Unicode MS" pitchFamily="34" charset="-128"/>
+              </a:rPr>
+              <a:t>j</a:t>
+            </a:r>
+            <a:r>
+              <a:rPr lang="en-US" sz="1800" b="1" kern="0" dirty="0" err="1" smtClean="0">
+                <a:ea typeface="Arial Unicode MS" pitchFamily="34" charset="-128"/>
+                <a:cs typeface="Arial Unicode MS" pitchFamily="34" charset="-128"/>
+              </a:rPr>
+              <a:t>avap</a:t>
+            </a:r>
+            <a:endParaRPr lang="en-US" sz="1800" b="1" kern="0" dirty="0" smtClean="0">
+              <a:ea typeface="Arial Unicode MS" pitchFamily="34" charset="-128"/>
+              <a:cs typeface="Arial Unicode MS" pitchFamily="34" charset="-128"/>
+            </a:endParaRPr>
+          </a:p>
+          <a:p>
+            <a:pPr marL="285750" indent="-285750" fontAlgn="base">
+              <a:spcBef>
+                <a:spcPts val="600"/>
+              </a:spcBef>
+              <a:spcAft>
+                <a:spcPct val="0"/>
+              </a:spcAft>
+              <a:buClr>
+                <a:srgbClr val="F0AB00"/>
+              </a:buClr>
+              <a:buSzPct val="80000"/>
+              <a:buFont typeface="Arial" panose="020B0604020202020204" pitchFamily="34" charset="0"/>
+              <a:buChar char="•"/>
+            </a:pPr>
+            <a:r>
               <a:rPr lang="en-US" sz="1800" b="1" kern="0" dirty="0" smtClean="0">
                 <a:ea typeface="Arial Unicode MS" pitchFamily="34" charset="-128"/>
                 <a:cs typeface="Arial Unicode MS" pitchFamily="34" charset="-128"/>
@@ -7194,7 +11438,7 @@
         </p:nvSpPr>
         <p:spPr>
           <a:xfrm>
-            <a:off x="457200" y="3608173"/>
+            <a:off x="543697" y="3768811"/>
             <a:ext cx="4275438" cy="2754600"/>
           </a:xfrm>
           <a:prstGeom prst="rect">
@@ -7724,7 +11968,7 @@
         <p:spPr>
           <a:xfrm>
             <a:off x="324000" y="1890584"/>
-            <a:ext cx="11686768" cy="2323713"/>
+            <a:ext cx="11686768" cy="3077766"/>
           </a:xfrm>
           <a:prstGeom prst="rect">
             <a:avLst/>
@@ -7815,7 +12059,55 @@
               <a:rPr lang="en-US" altLang="zh-CN" sz="1800" dirty="0" smtClean="0">
                 <a:hlinkClick r:id="rId4" action="ppaction://hlinkfile"/>
               </a:rPr>
-              <a:t> team</a:t>
+              <a:t> </a:t>
+            </a:r>
+            <a:r>
+              <a:rPr lang="en-US" altLang="zh-CN" sz="1800" dirty="0" smtClean="0">
+                <a:hlinkClick r:id="rId4" action="ppaction://hlinkfile"/>
+              </a:rPr>
+              <a:t>team</a:t>
+            </a:r>
+            <a:endParaRPr lang="en-US" altLang="zh-CN" sz="1800" dirty="0" smtClean="0"/>
+          </a:p>
+          <a:p>
+            <a:pPr fontAlgn="base">
+              <a:spcBef>
+                <a:spcPts val="600"/>
+              </a:spcBef>
+              <a:spcAft>
+                <a:spcPct val="0"/>
+              </a:spcAft>
+              <a:buClr>
+                <a:srgbClr val="F0AB00"/>
+              </a:buClr>
+              <a:buSzPct val="80000"/>
+            </a:pPr>
+            <a:endParaRPr lang="en-US" altLang="zh-CN" sz="1800" dirty="0"/>
+          </a:p>
+          <a:p>
+            <a:pPr fontAlgn="base">
+              <a:spcBef>
+                <a:spcPts val="600"/>
+              </a:spcBef>
+              <a:spcAft>
+                <a:spcPct val="0"/>
+              </a:spcAft>
+              <a:buClr>
+                <a:srgbClr val="F0AB00"/>
+              </a:buClr>
+              <a:buSzPct val="80000"/>
+            </a:pPr>
+            <a:r>
+              <a:rPr lang="en-US" altLang="zh-CN" sz="1800" dirty="0" smtClean="0">
+                <a:hlinkClick r:id="rId5" action="ppaction://hlinkfile"/>
+              </a:rPr>
+              <a:t>Another incident </a:t>
+            </a:r>
+            <a:r>
+              <a:rPr lang="en-US" sz="1800" dirty="0">
+                <a:hlinkClick r:id="rId5" action="ppaction://hlinkfile"/>
+              </a:rPr>
+              <a:t>671830  2015 </a:t>
             </a:r>
             <a:endParaRPr lang="en-US" altLang="zh-CN" sz="1800" dirty="0" smtClean="0"/>
           </a:p>
@@ -8317,10 +12609,6 @@
               </a:rPr>
               <a:t>// Jerry</a:t>
             </a:r>
-            <a:endParaRPr lang="en-US" sz="1800" kern="0" dirty="0" smtClean="0">
-              <a:ea typeface="Arial Unicode MS" pitchFamily="34" charset="-128"/>
-              <a:cs typeface="Arial Unicode MS" pitchFamily="34" charset="-128"/>
-            </a:endParaRPr>
           </a:p>
         </p:txBody>
       </p:sp>
@@ -8453,10 +12741,6 @@
               </a:rPr>
               <a:t>console.log(d);</a:t>
             </a:r>
-            <a:endParaRPr lang="en-US" sz="1800" kern="0" dirty="0" smtClean="0">
-              <a:ea typeface="Arial Unicode MS" pitchFamily="34" charset="-128"/>
-              <a:cs typeface="Arial Unicode MS" pitchFamily="34" charset="-128"/>
-            </a:endParaRPr>
           </a:p>
         </p:txBody>
       </p:sp>
@@ -8529,10 +12813,6 @@
               </a:rPr>
               <a:t>called!</a:t>
             </a:r>
-            <a:endParaRPr lang="en-US" sz="1800" kern="0" dirty="0" smtClean="0">
-              <a:ea typeface="Arial Unicode MS" pitchFamily="34" charset="-128"/>
-              <a:cs typeface="Arial Unicode MS" pitchFamily="34" charset="-128"/>
-            </a:endParaRPr>
           </a:p>
           <a:p>
             <a:pPr fontAlgn="base">
@@ -9189,6 +13469,2150 @@
       <p:bldP spid="9" grpId="0"/>
       <p:bldP spid="10" grpId="0"/>
       <p:bldP spid="11" grpId="0"/>
+    </p:bldLst>
+  </p:timing>
+</p:sld>
+</file>
+
+<file path=ppt/slides/slide7.xml><?xml version="1.0" encoding="utf-8"?>
+<p:sld xmlns:a="http://schemas.openxmlformats.org/drawingml/2006/main" xmlns:r="http://schemas.openxmlformats.org/officeDocument/2006/relationships" xmlns:p="http://schemas.openxmlformats.org/presentationml/2006/main">
+  <p:cSld>
+    <p:spTree>
+      <p:nvGrpSpPr>
+        <p:cNvPr id="1" name=""/>
+        <p:cNvGrpSpPr/>
+        <p:nvPr/>
+      </p:nvGrpSpPr>
+      <p:grpSpPr>
+        <a:xfrm>
+          <a:off x="0" y="0"/>
+          <a:ext cx="0" cy="0"/>
+          <a:chOff x="0" y="0"/>
+          <a:chExt cx="0" cy="0"/>
+        </a:xfrm>
+      </p:grpSpPr>
+      <p:sp>
+        <p:nvSpPr>
+          <p:cNvPr id="2" name="Title 1"/>
+          <p:cNvSpPr>
+            <a:spLocks noGrp="1"/>
+          </p:cNvSpPr>
+          <p:nvPr>
+            <p:ph type="title"/>
+          </p:nvPr>
+        </p:nvSpPr>
+        <p:spPr/>
+        <p:txBody>
+          <a:bodyPr/>
+          <a:lstStyle/>
+          <a:p>
+            <a:r>
+              <a:rPr lang="en-US" dirty="0" smtClean="0"/>
+              <a:t>; in JavaScript</a:t>
+            </a:r>
+            <a:endParaRPr lang="en-US" dirty="0"/>
+          </a:p>
+        </p:txBody>
+      </p:sp>
+      <p:sp>
+        <p:nvSpPr>
+          <p:cNvPr id="5" name="Rectangle 4"/>
+          <p:cNvSpPr/>
+          <p:nvPr/>
+        </p:nvSpPr>
+        <p:spPr>
+          <a:xfrm>
+            <a:off x="324000" y="1399212"/>
+            <a:ext cx="6096000" cy="4616648"/>
+          </a:xfrm>
+          <a:prstGeom prst="rect">
+            <a:avLst/>
+          </a:prstGeom>
+        </p:spPr>
+        <p:txBody>
+          <a:bodyPr>
+            <a:spAutoFit/>
+          </a:bodyPr>
+          <a:lstStyle/>
+          <a:p>
+            <a:r>
+              <a:rPr lang="en-US" dirty="0" err="1" smtClean="0"/>
+              <a:t>var</a:t>
+            </a:r>
+            <a:r>
+              <a:rPr lang="en-US" dirty="0" smtClean="0"/>
+              <a:t> </a:t>
+            </a:r>
+            <a:r>
+              <a:rPr lang="en-US" dirty="0"/>
+              <a:t>b = function(para) {</a:t>
+            </a:r>
+          </a:p>
+          <a:p>
+            <a:r>
+              <a:rPr lang="en-US" dirty="0"/>
+              <a:t>	return {</a:t>
+            </a:r>
+          </a:p>
+          <a:p>
+            <a:r>
+              <a:rPr lang="en-US" dirty="0"/>
+              <a:t>		</a:t>
+            </a:r>
+            <a:r>
+              <a:rPr lang="en-US" dirty="0" err="1"/>
+              <a:t>doSomething</a:t>
+            </a:r>
+            <a:r>
+              <a:rPr lang="en-US" dirty="0"/>
+              <a:t>: function() {</a:t>
+            </a:r>
+          </a:p>
+          <a:p>
+            <a:r>
+              <a:rPr lang="en-US" dirty="0"/>
+              <a:t>			console.log("hello: " + para);</a:t>
+            </a:r>
+          </a:p>
+          <a:p>
+            <a:r>
+              <a:rPr lang="en-US" dirty="0"/>
+              <a:t>			return para;</a:t>
+            </a:r>
+          </a:p>
+          <a:p>
+            <a:r>
+              <a:rPr lang="en-US" dirty="0"/>
+              <a:t>		}</a:t>
+            </a:r>
+          </a:p>
+          <a:p>
+            <a:r>
+              <a:rPr lang="en-US" dirty="0"/>
+              <a:t>	}</a:t>
+            </a:r>
+          </a:p>
+          <a:p>
+            <a:r>
+              <a:rPr lang="en-US" dirty="0"/>
+              <a:t>}</a:t>
+            </a:r>
+          </a:p>
+          <a:p>
+            <a:endParaRPr lang="en-US" dirty="0"/>
+          </a:p>
+          <a:p>
+            <a:r>
+              <a:rPr lang="en-US" dirty="0" err="1"/>
+              <a:t>var</a:t>
+            </a:r>
+            <a:r>
+              <a:rPr lang="en-US" dirty="0"/>
+              <a:t> a = 1, x = 3, y = 4, s</a:t>
+            </a:r>
+          </a:p>
+          <a:p>
+            <a:r>
+              <a:rPr lang="en-US" dirty="0"/>
+              <a:t>s = a + b</a:t>
+            </a:r>
+          </a:p>
+          <a:p>
+            <a:r>
+              <a:rPr lang="en-US" dirty="0"/>
+              <a:t>(x + y).</a:t>
+            </a:r>
+            <a:r>
+              <a:rPr lang="en-US" dirty="0" err="1"/>
+              <a:t>doSomething</a:t>
+            </a:r>
+            <a:r>
+              <a:rPr lang="en-US" dirty="0"/>
+              <a:t>()</a:t>
+            </a:r>
+          </a:p>
+          <a:p>
+            <a:r>
+              <a:rPr lang="en-US" dirty="0"/>
+              <a:t>console.log(s</a:t>
+            </a:r>
+            <a:r>
+              <a:rPr lang="en-US" dirty="0" smtClean="0"/>
+              <a:t>)</a:t>
+            </a:r>
+            <a:endParaRPr lang="en-US" dirty="0"/>
+          </a:p>
+        </p:txBody>
+      </p:sp>
+      <p:sp>
+        <p:nvSpPr>
+          <p:cNvPr id="6" name="TextBox 5"/>
+          <p:cNvSpPr txBox="1"/>
+          <p:nvPr/>
+        </p:nvSpPr>
+        <p:spPr>
+          <a:xfrm>
+            <a:off x="3558746" y="5288692"/>
+            <a:ext cx="3435178" cy="630942"/>
+          </a:xfrm>
+          <a:prstGeom prst="rect">
+            <a:avLst/>
+          </a:prstGeom>
+          <a:noFill/>
+        </p:spPr>
+        <p:txBody>
+          <a:bodyPr wrap="square" lIns="0" tIns="0" rIns="0" bIns="0" rtlCol="0">
+            <a:spAutoFit/>
+          </a:bodyPr>
+          <a:lstStyle/>
+          <a:p>
+            <a:pPr fontAlgn="base">
+              <a:spcBef>
+                <a:spcPts val="600"/>
+              </a:spcBef>
+              <a:spcAft>
+                <a:spcPct val="0"/>
+              </a:spcAft>
+              <a:buClr>
+                <a:srgbClr val="F0AB00"/>
+              </a:buClr>
+              <a:buSzPct val="80000"/>
+            </a:pPr>
+            <a:r>
+              <a:rPr lang="en-US" sz="1800" kern="0" dirty="0" smtClean="0">
+                <a:ea typeface="Arial Unicode MS" pitchFamily="34" charset="-128"/>
+                <a:cs typeface="Arial Unicode MS" pitchFamily="34" charset="-128"/>
+              </a:rPr>
+              <a:t>// hello: 7</a:t>
+            </a:r>
+          </a:p>
+          <a:p>
+            <a:pPr fontAlgn="base">
+              <a:spcBef>
+                <a:spcPts val="600"/>
+              </a:spcBef>
+              <a:spcAft>
+                <a:spcPct val="0"/>
+              </a:spcAft>
+              <a:buClr>
+                <a:srgbClr val="F0AB00"/>
+              </a:buClr>
+              <a:buSzPct val="80000"/>
+            </a:pPr>
+            <a:r>
+              <a:rPr lang="en-US" sz="1800" kern="0" dirty="0" smtClean="0">
+                <a:ea typeface="Arial Unicode MS" pitchFamily="34" charset="-128"/>
+                <a:cs typeface="Arial Unicode MS" pitchFamily="34" charset="-128"/>
+              </a:rPr>
+              <a:t>// 8</a:t>
+            </a:r>
+          </a:p>
+        </p:txBody>
+      </p:sp>
+      <p:sp>
+        <p:nvSpPr>
+          <p:cNvPr id="7" name="TextBox 6"/>
+          <p:cNvSpPr txBox="1"/>
+          <p:nvPr/>
+        </p:nvSpPr>
+        <p:spPr>
+          <a:xfrm>
+            <a:off x="6895070" y="1399212"/>
+            <a:ext cx="3608173" cy="2400657"/>
+          </a:xfrm>
+          <a:prstGeom prst="rect">
+            <a:avLst/>
+          </a:prstGeom>
+          <a:noFill/>
+        </p:spPr>
+        <p:txBody>
+          <a:bodyPr wrap="square" lIns="0" tIns="0" rIns="0" bIns="0" rtlCol="0">
+            <a:spAutoFit/>
+          </a:bodyPr>
+          <a:lstStyle/>
+          <a:p>
+            <a:pPr fontAlgn="base">
+              <a:spcBef>
+                <a:spcPts val="600"/>
+              </a:spcBef>
+              <a:spcAft>
+                <a:spcPct val="0"/>
+              </a:spcAft>
+              <a:buClr>
+                <a:srgbClr val="F0AB00"/>
+              </a:buClr>
+              <a:buSzPct val="80000"/>
+            </a:pPr>
+            <a:r>
+              <a:rPr lang="en-US" sz="1800" kern="0" dirty="0">
+                <a:ea typeface="Arial Unicode MS" pitchFamily="34" charset="-128"/>
+                <a:cs typeface="Arial Unicode MS" pitchFamily="34" charset="-128"/>
+              </a:rPr>
+              <a:t>function test(</a:t>
+            </a:r>
+            <a:r>
+              <a:rPr lang="en-US" sz="1800" kern="0" dirty="0" err="1">
+                <a:ea typeface="Arial Unicode MS" pitchFamily="34" charset="-128"/>
+                <a:cs typeface="Arial Unicode MS" pitchFamily="34" charset="-128"/>
+              </a:rPr>
+              <a:t>i</a:t>
+            </a:r>
+            <a:r>
+              <a:rPr lang="en-US" sz="1800" kern="0" dirty="0">
+                <a:ea typeface="Arial Unicode MS" pitchFamily="34" charset="-128"/>
+                <a:cs typeface="Arial Unicode MS" pitchFamily="34" charset="-128"/>
+              </a:rPr>
+              <a:t>){</a:t>
+            </a:r>
+          </a:p>
+          <a:p>
+            <a:pPr fontAlgn="base">
+              <a:spcBef>
+                <a:spcPts val="600"/>
+              </a:spcBef>
+              <a:spcAft>
+                <a:spcPct val="0"/>
+              </a:spcAft>
+              <a:buClr>
+                <a:srgbClr val="F0AB00"/>
+              </a:buClr>
+              <a:buSzPct val="80000"/>
+            </a:pPr>
+            <a:r>
+              <a:rPr lang="en-US" sz="1800" kern="0" dirty="0">
+                <a:ea typeface="Arial Unicode MS" pitchFamily="34" charset="-128"/>
+                <a:cs typeface="Arial Unicode MS" pitchFamily="34" charset="-128"/>
+              </a:rPr>
+              <a:t>	</a:t>
+            </a:r>
+            <a:r>
+              <a:rPr lang="en-US" sz="1800" kern="0" dirty="0" err="1">
+                <a:ea typeface="Arial Unicode MS" pitchFamily="34" charset="-128"/>
+                <a:cs typeface="Arial Unicode MS" pitchFamily="34" charset="-128"/>
+              </a:rPr>
+              <a:t>var</a:t>
+            </a:r>
+            <a:r>
+              <a:rPr lang="en-US" sz="1800" kern="0" dirty="0">
+                <a:ea typeface="Arial Unicode MS" pitchFamily="34" charset="-128"/>
+                <a:cs typeface="Arial Unicode MS" pitchFamily="34" charset="-128"/>
+              </a:rPr>
+              <a:t> result = </a:t>
+            </a:r>
+            <a:r>
+              <a:rPr lang="en-US" sz="1800" kern="0" dirty="0" err="1">
+                <a:ea typeface="Arial Unicode MS" pitchFamily="34" charset="-128"/>
+                <a:cs typeface="Arial Unicode MS" pitchFamily="34" charset="-128"/>
+              </a:rPr>
+              <a:t>i</a:t>
+            </a:r>
+            <a:r>
+              <a:rPr lang="en-US" sz="1800" kern="0" dirty="0">
+                <a:ea typeface="Arial Unicode MS" pitchFamily="34" charset="-128"/>
+                <a:cs typeface="Arial Unicode MS" pitchFamily="34" charset="-128"/>
+              </a:rPr>
+              <a:t>++;</a:t>
+            </a:r>
+          </a:p>
+          <a:p>
+            <a:pPr fontAlgn="base">
+              <a:spcBef>
+                <a:spcPts val="600"/>
+              </a:spcBef>
+              <a:spcAft>
+                <a:spcPct val="0"/>
+              </a:spcAft>
+              <a:buClr>
+                <a:srgbClr val="F0AB00"/>
+              </a:buClr>
+              <a:buSzPct val="80000"/>
+            </a:pPr>
+            <a:r>
+              <a:rPr lang="en-US" sz="1800" kern="0" dirty="0">
+                <a:ea typeface="Arial Unicode MS" pitchFamily="34" charset="-128"/>
+                <a:cs typeface="Arial Unicode MS" pitchFamily="34" charset="-128"/>
+              </a:rPr>
+              <a:t>	return</a:t>
+            </a:r>
+          </a:p>
+          <a:p>
+            <a:pPr fontAlgn="base">
+              <a:spcBef>
+                <a:spcPts val="600"/>
+              </a:spcBef>
+              <a:spcAft>
+                <a:spcPct val="0"/>
+              </a:spcAft>
+              <a:buClr>
+                <a:srgbClr val="F0AB00"/>
+              </a:buClr>
+              <a:buSzPct val="80000"/>
+            </a:pPr>
+            <a:r>
+              <a:rPr lang="en-US" sz="1800" kern="0" dirty="0">
+                <a:ea typeface="Arial Unicode MS" pitchFamily="34" charset="-128"/>
+                <a:cs typeface="Arial Unicode MS" pitchFamily="34" charset="-128"/>
+              </a:rPr>
+              <a:t>	result</a:t>
+            </a:r>
+          </a:p>
+          <a:p>
+            <a:pPr fontAlgn="base">
+              <a:spcBef>
+                <a:spcPts val="600"/>
+              </a:spcBef>
+              <a:spcAft>
+                <a:spcPct val="0"/>
+              </a:spcAft>
+              <a:buClr>
+                <a:srgbClr val="F0AB00"/>
+              </a:buClr>
+              <a:buSzPct val="80000"/>
+            </a:pPr>
+            <a:r>
+              <a:rPr lang="en-US" sz="1800" kern="0" dirty="0">
+                <a:ea typeface="Arial Unicode MS" pitchFamily="34" charset="-128"/>
+                <a:cs typeface="Arial Unicode MS" pitchFamily="34" charset="-128"/>
+              </a:rPr>
+              <a:t>}</a:t>
+            </a:r>
+          </a:p>
+          <a:p>
+            <a:pPr fontAlgn="base">
+              <a:spcBef>
+                <a:spcPts val="600"/>
+              </a:spcBef>
+              <a:spcAft>
+                <a:spcPct val="0"/>
+              </a:spcAft>
+              <a:buClr>
+                <a:srgbClr val="F0AB00"/>
+              </a:buClr>
+              <a:buSzPct val="80000"/>
+            </a:pPr>
+            <a:endParaRPr lang="en-US" sz="1800" kern="0" dirty="0">
+              <a:ea typeface="Arial Unicode MS" pitchFamily="34" charset="-128"/>
+              <a:cs typeface="Arial Unicode MS" pitchFamily="34" charset="-128"/>
+            </a:endParaRPr>
+          </a:p>
+          <a:p>
+            <a:pPr fontAlgn="base">
+              <a:spcBef>
+                <a:spcPts val="600"/>
+              </a:spcBef>
+              <a:spcAft>
+                <a:spcPct val="0"/>
+              </a:spcAft>
+              <a:buClr>
+                <a:srgbClr val="F0AB00"/>
+              </a:buClr>
+              <a:buSzPct val="80000"/>
+            </a:pPr>
+            <a:r>
+              <a:rPr lang="en-US" sz="1800" kern="0" dirty="0">
+                <a:ea typeface="Arial Unicode MS" pitchFamily="34" charset="-128"/>
+                <a:cs typeface="Arial Unicode MS" pitchFamily="34" charset="-128"/>
+              </a:rPr>
+              <a:t>console.log("test: " + test(3))</a:t>
+            </a:r>
+            <a:endParaRPr lang="en-US" sz="1800" kern="0" dirty="0" smtClean="0">
+              <a:ea typeface="Arial Unicode MS" pitchFamily="34" charset="-128"/>
+              <a:cs typeface="Arial Unicode MS" pitchFamily="34" charset="-128"/>
+            </a:endParaRPr>
+          </a:p>
+        </p:txBody>
+      </p:sp>
+      <p:sp>
+        <p:nvSpPr>
+          <p:cNvPr id="8" name="TextBox 7"/>
+          <p:cNvSpPr txBox="1"/>
+          <p:nvPr/>
+        </p:nvSpPr>
+        <p:spPr>
+          <a:xfrm>
+            <a:off x="10219038" y="3521676"/>
+            <a:ext cx="1853513" cy="276999"/>
+          </a:xfrm>
+          <a:prstGeom prst="rect">
+            <a:avLst/>
+          </a:prstGeom>
+          <a:noFill/>
+        </p:spPr>
+        <p:txBody>
+          <a:bodyPr wrap="square" lIns="0" tIns="0" rIns="0" bIns="0" rtlCol="0">
+            <a:spAutoFit/>
+          </a:bodyPr>
+          <a:lstStyle/>
+          <a:p>
+            <a:pPr fontAlgn="base">
+              <a:spcBef>
+                <a:spcPts val="600"/>
+              </a:spcBef>
+              <a:spcAft>
+                <a:spcPct val="0"/>
+              </a:spcAft>
+              <a:buClr>
+                <a:srgbClr val="F0AB00"/>
+              </a:buClr>
+              <a:buSzPct val="80000"/>
+            </a:pPr>
+            <a:r>
+              <a:rPr lang="en-US" sz="1800" kern="0" dirty="0" smtClean="0">
+                <a:ea typeface="Arial Unicode MS" pitchFamily="34" charset="-128"/>
+                <a:cs typeface="Arial Unicode MS" pitchFamily="34" charset="-128"/>
+              </a:rPr>
+              <a:t>// test: undefined</a:t>
+            </a:r>
+          </a:p>
+        </p:txBody>
+      </p:sp>
+    </p:spTree>
+    <p:extLst>
+      <p:ext uri="{BB962C8B-B14F-4D97-AF65-F5344CB8AC3E}">
+        <p14:creationId xmlns:p14="http://schemas.microsoft.com/office/powerpoint/2010/main" val="3488831640"/>
+      </p:ext>
+    </p:extLst>
+  </p:cSld>
+  <p:clrMapOvr>
+    <a:masterClrMapping/>
+  </p:clrMapOvr>
+  <p:timing>
+    <p:tnLst>
+      <p:par>
+        <p:cTn id="1" dur="indefinite" restart="never" nodeType="tmRoot">
+          <p:childTnLst>
+            <p:seq concurrent="1" nextAc="seek">
+              <p:cTn id="2" dur="indefinite" nodeType="mainSeq">
+                <p:childTnLst>
+                  <p:par>
+                    <p:cTn id="3" fill="hold">
+                      <p:stCondLst>
+                        <p:cond delay="indefinite"/>
+                      </p:stCondLst>
+                      <p:childTnLst>
+                        <p:par>
+                          <p:cTn id="4" fill="hold">
+                            <p:stCondLst>
+                              <p:cond delay="0"/>
+                            </p:stCondLst>
+                            <p:childTnLst>
+                              <p:par>
+                                <p:cTn id="5" presetID="1" presetClass="entr" presetSubtype="0" fill="hold" grpId="0" nodeType="clickEffect">
+                                  <p:stCondLst>
+                                    <p:cond delay="0"/>
+                                  </p:stCondLst>
+                                  <p:childTnLst>
+                                    <p:set>
+                                      <p:cBhvr>
+                                        <p:cTn id="6" dur="1" fill="hold">
+                                          <p:stCondLst>
+                                            <p:cond delay="0"/>
+                                          </p:stCondLst>
+                                        </p:cTn>
+                                        <p:tgtEl>
+                                          <p:spTgt spid="6"/>
+                                        </p:tgtEl>
+                                        <p:attrNameLst>
+                                          <p:attrName>style.visibility</p:attrName>
+                                        </p:attrNameLst>
+                                      </p:cBhvr>
+                                      <p:to>
+                                        <p:strVal val="visible"/>
+                                      </p:to>
+                                    </p:set>
+                                  </p:childTnLst>
+                                </p:cTn>
+                              </p:par>
+                            </p:childTnLst>
+                          </p:cTn>
+                        </p:par>
+                      </p:childTnLst>
+                    </p:cTn>
+                  </p:par>
+                  <p:par>
+                    <p:cTn id="7" fill="hold">
+                      <p:stCondLst>
+                        <p:cond delay="indefinite"/>
+                      </p:stCondLst>
+                      <p:childTnLst>
+                        <p:par>
+                          <p:cTn id="8" fill="hold">
+                            <p:stCondLst>
+                              <p:cond delay="0"/>
+                            </p:stCondLst>
+                            <p:childTnLst>
+                              <p:par>
+                                <p:cTn id="9" presetID="1" presetClass="entr" presetSubtype="0" fill="hold" grpId="0" nodeType="clickEffect">
+                                  <p:stCondLst>
+                                    <p:cond delay="0"/>
+                                  </p:stCondLst>
+                                  <p:childTnLst>
+                                    <p:set>
+                                      <p:cBhvr>
+                                        <p:cTn id="10" dur="1" fill="hold">
+                                          <p:stCondLst>
+                                            <p:cond delay="0"/>
+                                          </p:stCondLst>
+                                        </p:cTn>
+                                        <p:tgtEl>
+                                          <p:spTgt spid="7"/>
+                                        </p:tgtEl>
+                                        <p:attrNameLst>
+                                          <p:attrName>style.visibility</p:attrName>
+                                        </p:attrNameLst>
+                                      </p:cBhvr>
+                                      <p:to>
+                                        <p:strVal val="visible"/>
+                                      </p:to>
+                                    </p:set>
+                                  </p:childTnLst>
+                                </p:cTn>
+                              </p:par>
+                            </p:childTnLst>
+                          </p:cTn>
+                        </p:par>
+                      </p:childTnLst>
+                    </p:cTn>
+                  </p:par>
+                  <p:par>
+                    <p:cTn id="11" fill="hold">
+                      <p:stCondLst>
+                        <p:cond delay="indefinite"/>
+                      </p:stCondLst>
+                      <p:childTnLst>
+                        <p:par>
+                          <p:cTn id="12" fill="hold">
+                            <p:stCondLst>
+                              <p:cond delay="0"/>
+                            </p:stCondLst>
+                            <p:childTnLst>
+                              <p:par>
+                                <p:cTn id="13" presetID="1" presetClass="entr" presetSubtype="0" fill="hold" grpId="0" nodeType="clickEffect">
+                                  <p:stCondLst>
+                                    <p:cond delay="0"/>
+                                  </p:stCondLst>
+                                  <p:childTnLst>
+                                    <p:set>
+                                      <p:cBhvr>
+                                        <p:cTn id="14" dur="1" fill="hold">
+                                          <p:stCondLst>
+                                            <p:cond delay="0"/>
+                                          </p:stCondLst>
+                                        </p:cTn>
+                                        <p:tgtEl>
+                                          <p:spTgt spid="8"/>
+                                        </p:tgtEl>
+                                        <p:attrNameLst>
+                                          <p:attrName>style.visibility</p:attrName>
+                                        </p:attrNameLst>
+                                      </p:cBhvr>
+                                      <p:to>
+                                        <p:strVal val="visible"/>
+                                      </p:to>
+                                    </p:set>
+                                  </p:childTnLst>
+                                </p:cTn>
+                              </p:par>
+                            </p:childTnLst>
+                          </p:cTn>
+                        </p:par>
+                      </p:childTnLst>
+                    </p:cTn>
+                  </p:par>
+                </p:childTnLst>
+              </p:cTn>
+              <p:prevCondLst>
+                <p:cond evt="onPrev" delay="0">
+                  <p:tgtEl>
+                    <p:sldTgt/>
+                  </p:tgtEl>
+                </p:cond>
+              </p:prevCondLst>
+              <p:nextCondLst>
+                <p:cond evt="onNext" delay="0">
+                  <p:tgtEl>
+                    <p:sldTgt/>
+                  </p:tgtEl>
+                </p:cond>
+              </p:nextCondLst>
+            </p:seq>
+          </p:childTnLst>
+        </p:cTn>
+      </p:par>
+    </p:tnLst>
+    <p:bldLst>
+      <p:bldP spid="6" grpId="0"/>
+      <p:bldP spid="7" grpId="0"/>
+      <p:bldP spid="8" grpId="0"/>
+    </p:bldLst>
+  </p:timing>
+</p:sld>
+</file>
+
+<file path=ppt/slides/slide8.xml><?xml version="1.0" encoding="utf-8"?>
+<p:sld xmlns:a="http://schemas.openxmlformats.org/drawingml/2006/main" xmlns:r="http://schemas.openxmlformats.org/officeDocument/2006/relationships" xmlns:p="http://schemas.openxmlformats.org/presentationml/2006/main">
+  <p:cSld>
+    <p:spTree>
+      <p:nvGrpSpPr>
+        <p:cNvPr id="1" name=""/>
+        <p:cNvGrpSpPr/>
+        <p:nvPr/>
+      </p:nvGrpSpPr>
+      <p:grpSpPr>
+        <a:xfrm>
+          <a:off x="0" y="0"/>
+          <a:ext cx="0" cy="0"/>
+          <a:chOff x="0" y="0"/>
+          <a:chExt cx="0" cy="0"/>
+        </a:xfrm>
+      </p:grpSpPr>
+      <p:sp>
+        <p:nvSpPr>
+          <p:cNvPr id="2" name="Title 1"/>
+          <p:cNvSpPr>
+            <a:spLocks noGrp="1"/>
+          </p:cNvSpPr>
+          <p:nvPr>
+            <p:ph type="title"/>
+          </p:nvPr>
+        </p:nvSpPr>
+        <p:spPr/>
+        <p:txBody>
+          <a:bodyPr/>
+          <a:lstStyle/>
+          <a:p>
+            <a:r>
+              <a:rPr lang="en-US" dirty="0"/>
+              <a:t>; in JavaScript</a:t>
+            </a:r>
+          </a:p>
+        </p:txBody>
+      </p:sp>
+      <p:sp>
+        <p:nvSpPr>
+          <p:cNvPr id="5" name="TextBox 4"/>
+          <p:cNvSpPr txBox="1"/>
+          <p:nvPr/>
+        </p:nvSpPr>
+        <p:spPr>
+          <a:xfrm>
+            <a:off x="323999" y="1482811"/>
+            <a:ext cx="11871175" cy="630942"/>
+          </a:xfrm>
+          <a:prstGeom prst="rect">
+            <a:avLst/>
+          </a:prstGeom>
+          <a:noFill/>
+        </p:spPr>
+        <p:txBody>
+          <a:bodyPr wrap="square" lIns="0" tIns="0" rIns="0" bIns="0" rtlCol="0">
+            <a:spAutoFit/>
+          </a:bodyPr>
+          <a:lstStyle/>
+          <a:p>
+            <a:pPr fontAlgn="base">
+              <a:spcBef>
+                <a:spcPts val="600"/>
+              </a:spcBef>
+              <a:spcAft>
+                <a:spcPct val="0"/>
+              </a:spcAft>
+              <a:buClr>
+                <a:srgbClr val="F0AB00"/>
+              </a:buClr>
+              <a:buSzPct val="80000"/>
+            </a:pPr>
+            <a:r>
+              <a:rPr lang="en-US" sz="1800" kern="0" dirty="0">
+                <a:ea typeface="Arial Unicode MS" pitchFamily="34" charset="-128"/>
+                <a:cs typeface="Arial Unicode MS" pitchFamily="34" charset="-128"/>
+              </a:rPr>
+              <a:t>s = function(x){ console.log("called: " + x ); return x}</a:t>
+            </a:r>
+          </a:p>
+          <a:p>
+            <a:pPr fontAlgn="base">
+              <a:spcBef>
+                <a:spcPts val="600"/>
+              </a:spcBef>
+              <a:spcAft>
+                <a:spcPct val="0"/>
+              </a:spcAft>
+              <a:buClr>
+                <a:srgbClr val="F0AB00"/>
+              </a:buClr>
+              <a:buSzPct val="80000"/>
+            </a:pPr>
+            <a:r>
+              <a:rPr lang="en-US" sz="1800" kern="0" dirty="0">
+                <a:ea typeface="Arial Unicode MS" pitchFamily="34" charset="-128"/>
+                <a:cs typeface="Arial Unicode MS" pitchFamily="34" charset="-128"/>
+              </a:rPr>
+              <a:t>(1 + 2).</a:t>
+            </a:r>
+            <a:r>
+              <a:rPr lang="en-US" sz="1800" kern="0" dirty="0" err="1">
+                <a:ea typeface="Arial Unicode MS" pitchFamily="34" charset="-128"/>
+                <a:cs typeface="Arial Unicode MS" pitchFamily="34" charset="-128"/>
+              </a:rPr>
+              <a:t>toString</a:t>
+            </a:r>
+            <a:r>
+              <a:rPr lang="en-US" sz="1800" kern="0" dirty="0">
+                <a:ea typeface="Arial Unicode MS" pitchFamily="34" charset="-128"/>
+                <a:cs typeface="Arial Unicode MS" pitchFamily="34" charset="-128"/>
+              </a:rPr>
+              <a:t>()</a:t>
+            </a:r>
+            <a:endParaRPr lang="en-US" sz="1800" kern="0" dirty="0" smtClean="0">
+              <a:ea typeface="Arial Unicode MS" pitchFamily="34" charset="-128"/>
+              <a:cs typeface="Arial Unicode MS" pitchFamily="34" charset="-128"/>
+            </a:endParaRPr>
+          </a:p>
+        </p:txBody>
+      </p:sp>
+      <p:sp>
+        <p:nvSpPr>
+          <p:cNvPr id="9" name="TextBox 8"/>
+          <p:cNvSpPr txBox="1"/>
+          <p:nvPr/>
+        </p:nvSpPr>
+        <p:spPr>
+          <a:xfrm>
+            <a:off x="323998" y="2656703"/>
+            <a:ext cx="10970077" cy="630942"/>
+          </a:xfrm>
+          <a:prstGeom prst="rect">
+            <a:avLst/>
+          </a:prstGeom>
+          <a:noFill/>
+        </p:spPr>
+        <p:txBody>
+          <a:bodyPr wrap="square" lIns="0" tIns="0" rIns="0" bIns="0" rtlCol="0">
+            <a:spAutoFit/>
+          </a:bodyPr>
+          <a:lstStyle/>
+          <a:p>
+            <a:pPr fontAlgn="base">
+              <a:spcBef>
+                <a:spcPts val="600"/>
+              </a:spcBef>
+              <a:spcAft>
+                <a:spcPct val="0"/>
+              </a:spcAft>
+              <a:buClr>
+                <a:srgbClr val="F0AB00"/>
+              </a:buClr>
+              <a:buSzPct val="80000"/>
+            </a:pPr>
+            <a:r>
+              <a:rPr lang="en-US" sz="1800" kern="0" dirty="0">
+                <a:ea typeface="Arial Unicode MS" pitchFamily="34" charset="-128"/>
+                <a:cs typeface="Arial Unicode MS" pitchFamily="34" charset="-128"/>
+              </a:rPr>
+              <a:t>s = function(x){ console.log("called: " + x ); return x</a:t>
+            </a:r>
+            <a:r>
+              <a:rPr lang="en-US" sz="1800" kern="0" dirty="0" smtClean="0">
+                <a:ea typeface="Arial Unicode MS" pitchFamily="34" charset="-128"/>
+                <a:cs typeface="Arial Unicode MS" pitchFamily="34" charset="-128"/>
+              </a:rPr>
+              <a:t>}(</a:t>
+            </a:r>
+            <a:r>
+              <a:rPr lang="en-US" sz="1800" kern="0" dirty="0">
+                <a:ea typeface="Arial Unicode MS" pitchFamily="34" charset="-128"/>
+                <a:cs typeface="Arial Unicode MS" pitchFamily="34" charset="-128"/>
+              </a:rPr>
+              <a:t>1 + 2).</a:t>
+            </a:r>
+            <a:r>
+              <a:rPr lang="en-US" sz="1800" kern="0" dirty="0" err="1">
+                <a:ea typeface="Arial Unicode MS" pitchFamily="34" charset="-128"/>
+                <a:cs typeface="Arial Unicode MS" pitchFamily="34" charset="-128"/>
+              </a:rPr>
+              <a:t>toString</a:t>
+            </a:r>
+            <a:r>
+              <a:rPr lang="en-US" sz="1800" kern="0" dirty="0">
+                <a:ea typeface="Arial Unicode MS" pitchFamily="34" charset="-128"/>
+                <a:cs typeface="Arial Unicode MS" pitchFamily="34" charset="-128"/>
+              </a:rPr>
+              <a:t>()</a:t>
+            </a:r>
+          </a:p>
+          <a:p>
+            <a:pPr fontAlgn="base">
+              <a:spcBef>
+                <a:spcPts val="600"/>
+              </a:spcBef>
+              <a:spcAft>
+                <a:spcPct val="0"/>
+              </a:spcAft>
+              <a:buClr>
+                <a:srgbClr val="F0AB00"/>
+              </a:buClr>
+              <a:buSzPct val="80000"/>
+            </a:pPr>
+            <a:endParaRPr lang="en-US" sz="1800" kern="0" dirty="0" smtClean="0">
+              <a:ea typeface="Arial Unicode MS" pitchFamily="34" charset="-128"/>
+              <a:cs typeface="Arial Unicode MS" pitchFamily="34" charset="-128"/>
+            </a:endParaRPr>
+          </a:p>
+        </p:txBody>
+      </p:sp>
+      <p:sp>
+        <p:nvSpPr>
+          <p:cNvPr id="11" name="TextBox 10"/>
+          <p:cNvSpPr txBox="1"/>
+          <p:nvPr/>
+        </p:nvSpPr>
+        <p:spPr>
+          <a:xfrm>
+            <a:off x="323998" y="3413207"/>
+            <a:ext cx="7401698" cy="276999"/>
+          </a:xfrm>
+          <a:prstGeom prst="rect">
+            <a:avLst/>
+          </a:prstGeom>
+          <a:noFill/>
+        </p:spPr>
+        <p:txBody>
+          <a:bodyPr wrap="square" lIns="0" tIns="0" rIns="0" bIns="0" rtlCol="0">
+            <a:spAutoFit/>
+          </a:bodyPr>
+          <a:lstStyle/>
+          <a:p>
+            <a:pPr fontAlgn="base">
+              <a:spcBef>
+                <a:spcPts val="600"/>
+              </a:spcBef>
+              <a:spcAft>
+                <a:spcPct val="0"/>
+              </a:spcAft>
+              <a:buClr>
+                <a:srgbClr val="F0AB00"/>
+              </a:buClr>
+              <a:buSzPct val="80000"/>
+            </a:pPr>
+            <a:r>
+              <a:rPr lang="en-US" sz="1800" kern="0" smtClean="0">
+                <a:ea typeface="Arial Unicode MS" pitchFamily="34" charset="-128"/>
+                <a:cs typeface="Arial Unicode MS" pitchFamily="34" charset="-128"/>
+              </a:rPr>
+              <a:t>// called</a:t>
+            </a:r>
+            <a:r>
+              <a:rPr lang="en-US" sz="1800" kern="0" dirty="0" smtClean="0">
+                <a:ea typeface="Arial Unicode MS" pitchFamily="34" charset="-128"/>
+                <a:cs typeface="Arial Unicode MS" pitchFamily="34" charset="-128"/>
+              </a:rPr>
+              <a:t>: 3</a:t>
+            </a:r>
+          </a:p>
+        </p:txBody>
+      </p:sp>
+    </p:spTree>
+    <p:extLst>
+      <p:ext uri="{BB962C8B-B14F-4D97-AF65-F5344CB8AC3E}">
+        <p14:creationId xmlns:p14="http://schemas.microsoft.com/office/powerpoint/2010/main" val="2915518868"/>
+      </p:ext>
+    </p:extLst>
+  </p:cSld>
+  <p:clrMapOvr>
+    <a:masterClrMapping/>
+  </p:clrMapOvr>
+  <p:timing>
+    <p:tnLst>
+      <p:par>
+        <p:cTn id="1" dur="indefinite" restart="never" nodeType="tmRoot">
+          <p:childTnLst>
+            <p:seq concurrent="1" nextAc="seek">
+              <p:cTn id="2" dur="indefinite" nodeType="mainSeq">
+                <p:childTnLst>
+                  <p:par>
+                    <p:cTn id="3" fill="hold">
+                      <p:stCondLst>
+                        <p:cond delay="indefinite"/>
+                      </p:stCondLst>
+                      <p:childTnLst>
+                        <p:par>
+                          <p:cTn id="4" fill="hold">
+                            <p:stCondLst>
+                              <p:cond delay="0"/>
+                            </p:stCondLst>
+                            <p:childTnLst>
+                              <p:par>
+                                <p:cTn id="5" presetID="1" presetClass="entr" presetSubtype="0" fill="hold" grpId="0" nodeType="clickEffect">
+                                  <p:stCondLst>
+                                    <p:cond delay="0"/>
+                                  </p:stCondLst>
+                                  <p:childTnLst>
+                                    <p:set>
+                                      <p:cBhvr>
+                                        <p:cTn id="6" dur="1" fill="hold">
+                                          <p:stCondLst>
+                                            <p:cond delay="0"/>
+                                          </p:stCondLst>
+                                        </p:cTn>
+                                        <p:tgtEl>
+                                          <p:spTgt spid="9"/>
+                                        </p:tgtEl>
+                                        <p:attrNameLst>
+                                          <p:attrName>style.visibility</p:attrName>
+                                        </p:attrNameLst>
+                                      </p:cBhvr>
+                                      <p:to>
+                                        <p:strVal val="visible"/>
+                                      </p:to>
+                                    </p:set>
+                                  </p:childTnLst>
+                                </p:cTn>
+                              </p:par>
+                            </p:childTnLst>
+                          </p:cTn>
+                        </p:par>
+                      </p:childTnLst>
+                    </p:cTn>
+                  </p:par>
+                  <p:par>
+                    <p:cTn id="7" fill="hold">
+                      <p:stCondLst>
+                        <p:cond delay="indefinite"/>
+                      </p:stCondLst>
+                      <p:childTnLst>
+                        <p:par>
+                          <p:cTn id="8" fill="hold">
+                            <p:stCondLst>
+                              <p:cond delay="0"/>
+                            </p:stCondLst>
+                            <p:childTnLst>
+                              <p:par>
+                                <p:cTn id="9" presetID="1" presetClass="entr" presetSubtype="0" fill="hold" grpId="0" nodeType="clickEffect">
+                                  <p:stCondLst>
+                                    <p:cond delay="0"/>
+                                  </p:stCondLst>
+                                  <p:childTnLst>
+                                    <p:set>
+                                      <p:cBhvr>
+                                        <p:cTn id="10" dur="1" fill="hold">
+                                          <p:stCondLst>
+                                            <p:cond delay="0"/>
+                                          </p:stCondLst>
+                                        </p:cTn>
+                                        <p:tgtEl>
+                                          <p:spTgt spid="11"/>
+                                        </p:tgtEl>
+                                        <p:attrNameLst>
+                                          <p:attrName>style.visibility</p:attrName>
+                                        </p:attrNameLst>
+                                      </p:cBhvr>
+                                      <p:to>
+                                        <p:strVal val="visible"/>
+                                      </p:to>
+                                    </p:set>
+                                  </p:childTnLst>
+                                </p:cTn>
+                              </p:par>
+                            </p:childTnLst>
+                          </p:cTn>
+                        </p:par>
+                      </p:childTnLst>
+                    </p:cTn>
+                  </p:par>
+                </p:childTnLst>
+              </p:cTn>
+              <p:prevCondLst>
+                <p:cond evt="onPrev" delay="0">
+                  <p:tgtEl>
+                    <p:sldTgt/>
+                  </p:tgtEl>
+                </p:cond>
+              </p:prevCondLst>
+              <p:nextCondLst>
+                <p:cond evt="onNext" delay="0">
+                  <p:tgtEl>
+                    <p:sldTgt/>
+                  </p:tgtEl>
+                </p:cond>
+              </p:nextCondLst>
+            </p:seq>
+          </p:childTnLst>
+        </p:cTn>
+      </p:par>
+    </p:tnLst>
+    <p:bldLst>
+      <p:bldP spid="9" grpId="0"/>
+      <p:bldP spid="11" grpId="0"/>
+    </p:bldLst>
+  </p:timing>
+</p:sld>
+</file>
+
+<file path=ppt/slides/slide9.xml><?xml version="1.0" encoding="utf-8"?>
+<p:sld xmlns:a="http://schemas.openxmlformats.org/drawingml/2006/main" xmlns:r="http://schemas.openxmlformats.org/officeDocument/2006/relationships" xmlns:p="http://schemas.openxmlformats.org/presentationml/2006/main">
+  <p:cSld>
+    <p:spTree>
+      <p:nvGrpSpPr>
+        <p:cNvPr id="1" name=""/>
+        <p:cNvGrpSpPr/>
+        <p:nvPr/>
+      </p:nvGrpSpPr>
+      <p:grpSpPr>
+        <a:xfrm>
+          <a:off x="0" y="0"/>
+          <a:ext cx="0" cy="0"/>
+          <a:chOff x="0" y="0"/>
+          <a:chExt cx="0" cy="0"/>
+        </a:xfrm>
+      </p:grpSpPr>
+      <p:sp>
+        <p:nvSpPr>
+          <p:cNvPr id="2" name="Title 1"/>
+          <p:cNvSpPr>
+            <a:spLocks noGrp="1"/>
+          </p:cNvSpPr>
+          <p:nvPr>
+            <p:ph type="title"/>
+          </p:nvPr>
+        </p:nvSpPr>
+        <p:spPr/>
+        <p:txBody>
+          <a:bodyPr/>
+          <a:lstStyle/>
+          <a:p>
+            <a:r>
+              <a:rPr lang="en-US" altLang="zh-CN" dirty="0" smtClean="0"/>
+              <a:t>Inject your own logic in a legacy function</a:t>
+            </a:r>
+            <a:endParaRPr lang="en-US" dirty="0"/>
+          </a:p>
+        </p:txBody>
+      </p:sp>
+      <p:sp>
+        <p:nvSpPr>
+          <p:cNvPr id="5" name="TextBox 4"/>
+          <p:cNvSpPr txBox="1"/>
+          <p:nvPr/>
+        </p:nvSpPr>
+        <p:spPr>
+          <a:xfrm>
+            <a:off x="324000" y="1408670"/>
+            <a:ext cx="4099719" cy="1692771"/>
+          </a:xfrm>
+          <a:prstGeom prst="rect">
+            <a:avLst/>
+          </a:prstGeom>
+          <a:noFill/>
+        </p:spPr>
+        <p:txBody>
+          <a:bodyPr wrap="square" lIns="0" tIns="0" rIns="0" bIns="0" rtlCol="0">
+            <a:spAutoFit/>
+          </a:bodyPr>
+          <a:lstStyle/>
+          <a:p>
+            <a:pPr fontAlgn="base">
+              <a:spcBef>
+                <a:spcPts val="600"/>
+              </a:spcBef>
+              <a:spcAft>
+                <a:spcPct val="0"/>
+              </a:spcAft>
+              <a:buClr>
+                <a:srgbClr val="F0AB00"/>
+              </a:buClr>
+              <a:buSzPct val="80000"/>
+            </a:pPr>
+            <a:r>
+              <a:rPr lang="en-US" sz="1800" kern="0" dirty="0" err="1">
+                <a:ea typeface="Arial Unicode MS" pitchFamily="34" charset="-128"/>
+                <a:cs typeface="Arial Unicode MS" pitchFamily="34" charset="-128"/>
+              </a:rPr>
+              <a:t>var</a:t>
+            </a:r>
+            <a:r>
+              <a:rPr lang="en-US" sz="1800" kern="0" dirty="0">
+                <a:ea typeface="Arial Unicode MS" pitchFamily="34" charset="-128"/>
+                <a:cs typeface="Arial Unicode MS" pitchFamily="34" charset="-128"/>
+              </a:rPr>
+              <a:t> </a:t>
+            </a:r>
+            <a:r>
+              <a:rPr lang="en-US" sz="1800" kern="0" dirty="0" err="1">
+                <a:ea typeface="Arial Unicode MS" pitchFamily="34" charset="-128"/>
+                <a:cs typeface="Arial Unicode MS" pitchFamily="34" charset="-128"/>
+              </a:rPr>
+              <a:t>bigFunction</a:t>
+            </a:r>
+            <a:r>
+              <a:rPr lang="en-US" sz="1800" kern="0" dirty="0">
+                <a:ea typeface="Arial Unicode MS" pitchFamily="34" charset="-128"/>
+                <a:cs typeface="Arial Unicode MS" pitchFamily="34" charset="-128"/>
+              </a:rPr>
+              <a:t> = function() </a:t>
+            </a:r>
+            <a:r>
+              <a:rPr lang="en-US" sz="1800" kern="0" dirty="0" smtClean="0">
+                <a:ea typeface="Arial Unicode MS" pitchFamily="34" charset="-128"/>
+                <a:cs typeface="Arial Unicode MS" pitchFamily="34" charset="-128"/>
+              </a:rPr>
+              <a:t>{</a:t>
+            </a:r>
+          </a:p>
+          <a:p>
+            <a:pPr fontAlgn="base">
+              <a:spcBef>
+                <a:spcPts val="600"/>
+              </a:spcBef>
+              <a:spcAft>
+                <a:spcPct val="0"/>
+              </a:spcAft>
+              <a:buClr>
+                <a:srgbClr val="F0AB00"/>
+              </a:buClr>
+              <a:buSzPct val="80000"/>
+            </a:pPr>
+            <a:r>
+              <a:rPr lang="en-US" sz="1800" kern="0" dirty="0" smtClean="0">
+                <a:ea typeface="Arial Unicode MS" pitchFamily="34" charset="-128"/>
+                <a:cs typeface="Arial Unicode MS" pitchFamily="34" charset="-128"/>
+              </a:rPr>
+              <a:t>      // </a:t>
+            </a:r>
+            <a:r>
+              <a:rPr lang="en-US" sz="1800" kern="0" dirty="0">
+                <a:ea typeface="Arial Unicode MS" pitchFamily="34" charset="-128"/>
+                <a:cs typeface="Arial Unicode MS" pitchFamily="34" charset="-128"/>
+              </a:rPr>
+              <a:t>big logic</a:t>
+            </a:r>
+          </a:p>
+          <a:p>
+            <a:pPr fontAlgn="base">
+              <a:spcBef>
+                <a:spcPts val="600"/>
+              </a:spcBef>
+              <a:spcAft>
+                <a:spcPct val="0"/>
+              </a:spcAft>
+              <a:buClr>
+                <a:srgbClr val="F0AB00"/>
+              </a:buClr>
+              <a:buSzPct val="80000"/>
+            </a:pPr>
+            <a:r>
+              <a:rPr lang="en-US" sz="1800" kern="0" dirty="0" smtClean="0">
+                <a:ea typeface="Arial Unicode MS" pitchFamily="34" charset="-128"/>
+                <a:cs typeface="Arial Unicode MS" pitchFamily="34" charset="-128"/>
+              </a:rPr>
+              <a:t>      console.log</a:t>
+            </a:r>
+            <a:r>
+              <a:rPr lang="en-US" sz="1800" kern="0" dirty="0">
+                <a:ea typeface="Arial Unicode MS" pitchFamily="34" charset="-128"/>
+                <a:cs typeface="Arial Unicode MS" pitchFamily="34" charset="-128"/>
+              </a:rPr>
+              <a:t>("big logic</a:t>
+            </a:r>
+            <a:r>
+              <a:rPr lang="en-US" sz="1800" kern="0" dirty="0" smtClean="0">
+                <a:ea typeface="Arial Unicode MS" pitchFamily="34" charset="-128"/>
+                <a:cs typeface="Arial Unicode MS" pitchFamily="34" charset="-128"/>
+              </a:rPr>
+              <a:t>");</a:t>
+            </a:r>
+          </a:p>
+          <a:p>
+            <a:pPr fontAlgn="base">
+              <a:spcBef>
+                <a:spcPts val="600"/>
+              </a:spcBef>
+              <a:spcAft>
+                <a:spcPct val="0"/>
+              </a:spcAft>
+              <a:buClr>
+                <a:srgbClr val="F0AB00"/>
+              </a:buClr>
+              <a:buSzPct val="80000"/>
+            </a:pPr>
+            <a:endParaRPr lang="en-US" sz="1800" kern="0" dirty="0" smtClean="0">
+              <a:ea typeface="Arial Unicode MS" pitchFamily="34" charset="-128"/>
+              <a:cs typeface="Arial Unicode MS" pitchFamily="34" charset="-128"/>
+            </a:endParaRPr>
+          </a:p>
+          <a:p>
+            <a:pPr fontAlgn="base">
+              <a:spcBef>
+                <a:spcPts val="600"/>
+              </a:spcBef>
+              <a:spcAft>
+                <a:spcPct val="0"/>
+              </a:spcAft>
+              <a:buClr>
+                <a:srgbClr val="F0AB00"/>
+              </a:buClr>
+              <a:buSzPct val="80000"/>
+            </a:pPr>
+            <a:r>
+              <a:rPr lang="en-US" sz="1800" kern="0" dirty="0" smtClean="0">
+                <a:ea typeface="Arial Unicode MS" pitchFamily="34" charset="-128"/>
+                <a:cs typeface="Arial Unicode MS" pitchFamily="34" charset="-128"/>
+              </a:rPr>
+              <a:t>}</a:t>
+            </a:r>
+            <a:endParaRPr lang="en-US" sz="1800" kern="0" dirty="0" smtClean="0">
+              <a:ea typeface="Arial Unicode MS" pitchFamily="34" charset="-128"/>
+              <a:cs typeface="Arial Unicode MS" pitchFamily="34" charset="-128"/>
+            </a:endParaRPr>
+          </a:p>
+        </p:txBody>
+      </p:sp>
+      <p:sp>
+        <p:nvSpPr>
+          <p:cNvPr id="7" name="TextBox 6"/>
+          <p:cNvSpPr txBox="1"/>
+          <p:nvPr/>
+        </p:nvSpPr>
+        <p:spPr>
+          <a:xfrm>
+            <a:off x="704335" y="2495960"/>
+            <a:ext cx="4572000" cy="276999"/>
+          </a:xfrm>
+          <a:prstGeom prst="rect">
+            <a:avLst/>
+          </a:prstGeom>
+          <a:noFill/>
+        </p:spPr>
+        <p:txBody>
+          <a:bodyPr wrap="square" lIns="0" tIns="0" rIns="0" bIns="0" rtlCol="0">
+            <a:spAutoFit/>
+          </a:bodyPr>
+          <a:lstStyle/>
+          <a:p>
+            <a:pPr fontAlgn="base">
+              <a:spcBef>
+                <a:spcPts val="600"/>
+              </a:spcBef>
+              <a:spcAft>
+                <a:spcPct val="0"/>
+              </a:spcAft>
+              <a:buClr>
+                <a:srgbClr val="F0AB00"/>
+              </a:buClr>
+              <a:buSzPct val="80000"/>
+            </a:pPr>
+            <a:r>
+              <a:rPr lang="en-US" sz="1800" kern="0" dirty="0">
+                <a:solidFill>
+                  <a:srgbClr val="FF0000"/>
+                </a:solidFill>
+                <a:ea typeface="Arial Unicode MS" pitchFamily="34" charset="-128"/>
+                <a:cs typeface="Arial Unicode MS" pitchFamily="34" charset="-128"/>
+              </a:rPr>
+              <a:t>c</a:t>
+            </a:r>
+            <a:r>
+              <a:rPr lang="en-US" sz="1800" kern="0" dirty="0" smtClean="0">
+                <a:solidFill>
+                  <a:srgbClr val="FF0000"/>
+                </a:solidFill>
+                <a:ea typeface="Arial Unicode MS" pitchFamily="34" charset="-128"/>
+                <a:cs typeface="Arial Unicode MS" pitchFamily="34" charset="-128"/>
+              </a:rPr>
+              <a:t>onsole.log(</a:t>
+            </a:r>
+            <a:r>
+              <a:rPr lang="zh-CN" altLang="en-US" sz="1800" kern="0" dirty="0" smtClean="0">
+                <a:solidFill>
+                  <a:srgbClr val="FF0000"/>
+                </a:solidFill>
+                <a:ea typeface="Arial Unicode MS" pitchFamily="34" charset="-128"/>
+                <a:cs typeface="Arial Unicode MS" pitchFamily="34" charset="-128"/>
+              </a:rPr>
+              <a:t>“</a:t>
+            </a:r>
+            <a:r>
+              <a:rPr lang="en-US" altLang="zh-CN" sz="1800" kern="0" dirty="0" smtClean="0">
+                <a:solidFill>
+                  <a:srgbClr val="FF0000"/>
+                </a:solidFill>
+                <a:ea typeface="Arial Unicode MS" pitchFamily="34" charset="-128"/>
+                <a:cs typeface="Arial Unicode MS" pitchFamily="34" charset="-128"/>
+              </a:rPr>
+              <a:t>new logic”); // solution1</a:t>
+            </a:r>
+            <a:endParaRPr lang="en-US" sz="1800" kern="0" dirty="0" smtClean="0">
+              <a:solidFill>
+                <a:srgbClr val="FF0000"/>
+              </a:solidFill>
+              <a:ea typeface="Arial Unicode MS" pitchFamily="34" charset="-128"/>
+              <a:cs typeface="Arial Unicode MS" pitchFamily="34" charset="-128"/>
+            </a:endParaRPr>
+          </a:p>
+        </p:txBody>
+      </p:sp>
+      <p:sp>
+        <p:nvSpPr>
+          <p:cNvPr id="8" name="TextBox 7"/>
+          <p:cNvSpPr txBox="1"/>
+          <p:nvPr/>
+        </p:nvSpPr>
+        <p:spPr>
+          <a:xfrm>
+            <a:off x="324000" y="3274541"/>
+            <a:ext cx="4519849" cy="3108543"/>
+          </a:xfrm>
+          <a:prstGeom prst="rect">
+            <a:avLst/>
+          </a:prstGeom>
+          <a:noFill/>
+        </p:spPr>
+        <p:txBody>
+          <a:bodyPr wrap="square" lIns="0" tIns="0" rIns="0" bIns="0" rtlCol="0">
+            <a:spAutoFit/>
+          </a:bodyPr>
+          <a:lstStyle/>
+          <a:p>
+            <a:pPr fontAlgn="base">
+              <a:spcBef>
+                <a:spcPts val="600"/>
+              </a:spcBef>
+              <a:spcAft>
+                <a:spcPct val="0"/>
+              </a:spcAft>
+              <a:buClr>
+                <a:srgbClr val="F0AB00"/>
+              </a:buClr>
+              <a:buSzPct val="80000"/>
+            </a:pPr>
+            <a:r>
+              <a:rPr lang="en-US" sz="1800" kern="0" dirty="0" smtClean="0">
+                <a:ea typeface="Arial Unicode MS" pitchFamily="34" charset="-128"/>
+                <a:cs typeface="Arial Unicode MS" pitchFamily="34" charset="-128"/>
+              </a:rPr>
+              <a:t>// Solution2:</a:t>
+            </a:r>
+          </a:p>
+          <a:p>
+            <a:pPr fontAlgn="base">
+              <a:spcBef>
+                <a:spcPts val="600"/>
+              </a:spcBef>
+              <a:spcAft>
+                <a:spcPct val="0"/>
+              </a:spcAft>
+              <a:buClr>
+                <a:srgbClr val="F0AB00"/>
+              </a:buClr>
+              <a:buSzPct val="80000"/>
+            </a:pPr>
+            <a:r>
+              <a:rPr lang="en-US" sz="1800" kern="0" dirty="0" err="1" smtClean="0">
+                <a:ea typeface="Arial Unicode MS" pitchFamily="34" charset="-128"/>
+                <a:cs typeface="Arial Unicode MS" pitchFamily="34" charset="-128"/>
+              </a:rPr>
+              <a:t>var</a:t>
+            </a:r>
+            <a:r>
+              <a:rPr lang="en-US" sz="1800" kern="0" dirty="0" smtClean="0">
+                <a:ea typeface="Arial Unicode MS" pitchFamily="34" charset="-128"/>
+                <a:cs typeface="Arial Unicode MS" pitchFamily="34" charset="-128"/>
+              </a:rPr>
+              <a:t> </a:t>
+            </a:r>
+            <a:r>
+              <a:rPr lang="en-US" sz="1800" kern="0" dirty="0">
+                <a:ea typeface="Arial Unicode MS" pitchFamily="34" charset="-128"/>
+                <a:cs typeface="Arial Unicode MS" pitchFamily="34" charset="-128"/>
+              </a:rPr>
+              <a:t>_old = </a:t>
+            </a:r>
+            <a:r>
+              <a:rPr lang="en-US" sz="1800" kern="0" dirty="0" err="1">
+                <a:ea typeface="Arial Unicode MS" pitchFamily="34" charset="-128"/>
+                <a:cs typeface="Arial Unicode MS" pitchFamily="34" charset="-128"/>
+              </a:rPr>
+              <a:t>bigFunction</a:t>
+            </a:r>
+            <a:r>
+              <a:rPr lang="en-US" sz="1800" kern="0" dirty="0" smtClean="0">
+                <a:ea typeface="Arial Unicode MS" pitchFamily="34" charset="-128"/>
+                <a:cs typeface="Arial Unicode MS" pitchFamily="34" charset="-128"/>
+              </a:rPr>
+              <a:t>;</a:t>
+            </a:r>
+            <a:endParaRPr lang="en-US" sz="1800" kern="0" dirty="0">
+              <a:ea typeface="Arial Unicode MS" pitchFamily="34" charset="-128"/>
+              <a:cs typeface="Arial Unicode MS" pitchFamily="34" charset="-128"/>
+            </a:endParaRPr>
+          </a:p>
+          <a:p>
+            <a:pPr fontAlgn="base">
+              <a:spcBef>
+                <a:spcPts val="600"/>
+              </a:spcBef>
+              <a:spcAft>
+                <a:spcPct val="0"/>
+              </a:spcAft>
+              <a:buClr>
+                <a:srgbClr val="F0AB00"/>
+              </a:buClr>
+              <a:buSzPct val="80000"/>
+            </a:pPr>
+            <a:r>
+              <a:rPr lang="en-US" sz="1800" kern="0" dirty="0" err="1">
+                <a:ea typeface="Arial Unicode MS" pitchFamily="34" charset="-128"/>
+                <a:cs typeface="Arial Unicode MS" pitchFamily="34" charset="-128"/>
+              </a:rPr>
+              <a:t>bigFunction</a:t>
+            </a:r>
+            <a:r>
+              <a:rPr lang="en-US" sz="1800" kern="0" dirty="0">
+                <a:ea typeface="Arial Unicode MS" pitchFamily="34" charset="-128"/>
+                <a:cs typeface="Arial Unicode MS" pitchFamily="34" charset="-128"/>
+              </a:rPr>
+              <a:t> = function() {</a:t>
+            </a:r>
+          </a:p>
+          <a:p>
+            <a:pPr fontAlgn="base">
+              <a:spcBef>
+                <a:spcPts val="600"/>
+              </a:spcBef>
+              <a:spcAft>
+                <a:spcPct val="0"/>
+              </a:spcAft>
+              <a:buClr>
+                <a:srgbClr val="F0AB00"/>
+              </a:buClr>
+              <a:buSzPct val="80000"/>
+            </a:pPr>
+            <a:r>
+              <a:rPr lang="en-US" sz="1800" kern="0" dirty="0">
+                <a:ea typeface="Arial Unicode MS" pitchFamily="34" charset="-128"/>
+                <a:cs typeface="Arial Unicode MS" pitchFamily="34" charset="-128"/>
+              </a:rPr>
+              <a:t>    if ( _old ) {</a:t>
+            </a:r>
+          </a:p>
+          <a:p>
+            <a:pPr fontAlgn="base">
+              <a:spcBef>
+                <a:spcPts val="600"/>
+              </a:spcBef>
+              <a:spcAft>
+                <a:spcPct val="0"/>
+              </a:spcAft>
+              <a:buClr>
+                <a:srgbClr val="F0AB00"/>
+              </a:buClr>
+              <a:buSzPct val="80000"/>
+            </a:pPr>
+            <a:r>
+              <a:rPr lang="en-US" sz="1800" kern="0" dirty="0">
+                <a:ea typeface="Arial Unicode MS" pitchFamily="34" charset="-128"/>
+                <a:cs typeface="Arial Unicode MS" pitchFamily="34" charset="-128"/>
+              </a:rPr>
+              <a:t>         _old();</a:t>
+            </a:r>
+          </a:p>
+          <a:p>
+            <a:pPr fontAlgn="base">
+              <a:spcBef>
+                <a:spcPts val="600"/>
+              </a:spcBef>
+              <a:spcAft>
+                <a:spcPct val="0"/>
+              </a:spcAft>
+              <a:buClr>
+                <a:srgbClr val="F0AB00"/>
+              </a:buClr>
+              <a:buSzPct val="80000"/>
+            </a:pPr>
+            <a:r>
+              <a:rPr lang="en-US" sz="1800" kern="0" dirty="0">
+                <a:ea typeface="Arial Unicode MS" pitchFamily="34" charset="-128"/>
+                <a:cs typeface="Arial Unicode MS" pitchFamily="34" charset="-128"/>
+              </a:rPr>
+              <a:t>    }</a:t>
+            </a:r>
+          </a:p>
+          <a:p>
+            <a:pPr fontAlgn="base">
+              <a:spcBef>
+                <a:spcPts val="600"/>
+              </a:spcBef>
+              <a:spcAft>
+                <a:spcPct val="0"/>
+              </a:spcAft>
+              <a:buClr>
+                <a:srgbClr val="F0AB00"/>
+              </a:buClr>
+              <a:buSzPct val="80000"/>
+            </a:pPr>
+            <a:r>
+              <a:rPr lang="en-US" sz="1800" kern="0" dirty="0">
+                <a:ea typeface="Arial Unicode MS" pitchFamily="34" charset="-128"/>
+                <a:cs typeface="Arial Unicode MS" pitchFamily="34" charset="-128"/>
+              </a:rPr>
+              <a:t>    console.log("our own enhancement");</a:t>
+            </a:r>
+          </a:p>
+          <a:p>
+            <a:pPr fontAlgn="base">
+              <a:spcBef>
+                <a:spcPts val="600"/>
+              </a:spcBef>
+              <a:spcAft>
+                <a:spcPct val="0"/>
+              </a:spcAft>
+              <a:buClr>
+                <a:srgbClr val="F0AB00"/>
+              </a:buClr>
+              <a:buSzPct val="80000"/>
+            </a:pPr>
+            <a:r>
+              <a:rPr lang="en-US" sz="1800" kern="0" dirty="0" smtClean="0">
+                <a:ea typeface="Arial Unicode MS" pitchFamily="34" charset="-128"/>
+                <a:cs typeface="Arial Unicode MS" pitchFamily="34" charset="-128"/>
+              </a:rPr>
+              <a:t>}</a:t>
+            </a:r>
+            <a:endParaRPr lang="en-US" sz="1800" kern="0" dirty="0">
+              <a:ea typeface="Arial Unicode MS" pitchFamily="34" charset="-128"/>
+              <a:cs typeface="Arial Unicode MS" pitchFamily="34" charset="-128"/>
+            </a:endParaRPr>
+          </a:p>
+          <a:p>
+            <a:pPr fontAlgn="base">
+              <a:spcBef>
+                <a:spcPts val="600"/>
+              </a:spcBef>
+              <a:spcAft>
+                <a:spcPct val="0"/>
+              </a:spcAft>
+              <a:buClr>
+                <a:srgbClr val="F0AB00"/>
+              </a:buClr>
+              <a:buSzPct val="80000"/>
+            </a:pPr>
+            <a:r>
+              <a:rPr lang="en-US" sz="1800" kern="0" dirty="0" err="1">
+                <a:ea typeface="Arial Unicode MS" pitchFamily="34" charset="-128"/>
+                <a:cs typeface="Arial Unicode MS" pitchFamily="34" charset="-128"/>
+              </a:rPr>
+              <a:t>bigFunction</a:t>
+            </a:r>
+            <a:r>
+              <a:rPr lang="en-US" sz="1800" kern="0" dirty="0">
+                <a:ea typeface="Arial Unicode MS" pitchFamily="34" charset="-128"/>
+                <a:cs typeface="Arial Unicode MS" pitchFamily="34" charset="-128"/>
+              </a:rPr>
+              <a:t>();</a:t>
+            </a:r>
+            <a:endParaRPr lang="en-US" sz="1800" kern="0" dirty="0" smtClean="0">
+              <a:ea typeface="Arial Unicode MS" pitchFamily="34" charset="-128"/>
+              <a:cs typeface="Arial Unicode MS" pitchFamily="34" charset="-128"/>
+            </a:endParaRPr>
+          </a:p>
+        </p:txBody>
+      </p:sp>
+      <p:sp>
+        <p:nvSpPr>
+          <p:cNvPr id="9" name="TextBox 8"/>
+          <p:cNvSpPr txBox="1"/>
+          <p:nvPr/>
+        </p:nvSpPr>
+        <p:spPr>
+          <a:xfrm>
+            <a:off x="5931243" y="1408670"/>
+            <a:ext cx="5041557" cy="4093428"/>
+          </a:xfrm>
+          <a:prstGeom prst="rect">
+            <a:avLst/>
+          </a:prstGeom>
+          <a:noFill/>
+        </p:spPr>
+        <p:txBody>
+          <a:bodyPr wrap="square" lIns="0" tIns="0" rIns="0" bIns="0" rtlCol="0">
+            <a:spAutoFit/>
+          </a:bodyPr>
+          <a:lstStyle/>
+          <a:p>
+            <a:pPr fontAlgn="base">
+              <a:spcBef>
+                <a:spcPts val="600"/>
+              </a:spcBef>
+              <a:spcAft>
+                <a:spcPct val="0"/>
+              </a:spcAft>
+              <a:buClr>
+                <a:srgbClr val="F0AB00"/>
+              </a:buClr>
+              <a:buSzPct val="80000"/>
+            </a:pPr>
+            <a:r>
+              <a:rPr lang="en-US" sz="1800" kern="0" dirty="0" smtClean="0">
+                <a:ea typeface="Arial Unicode MS" pitchFamily="34" charset="-128"/>
+                <a:cs typeface="Arial Unicode MS" pitchFamily="34" charset="-128"/>
+              </a:rPr>
+              <a:t>// solution3</a:t>
+            </a:r>
+          </a:p>
+          <a:p>
+            <a:pPr fontAlgn="base">
+              <a:spcBef>
+                <a:spcPts val="600"/>
+              </a:spcBef>
+              <a:spcAft>
+                <a:spcPct val="0"/>
+              </a:spcAft>
+              <a:buClr>
+                <a:srgbClr val="F0AB00"/>
+              </a:buClr>
+              <a:buSzPct val="80000"/>
+            </a:pPr>
+            <a:r>
+              <a:rPr lang="en-US" sz="1800" kern="0" dirty="0" err="1">
+                <a:ea typeface="Arial Unicode MS" pitchFamily="34" charset="-128"/>
+                <a:cs typeface="Arial Unicode MS" pitchFamily="34" charset="-128"/>
+              </a:rPr>
+              <a:t>var</a:t>
+            </a:r>
+            <a:r>
+              <a:rPr lang="en-US" sz="1800" kern="0" dirty="0">
+                <a:ea typeface="Arial Unicode MS" pitchFamily="34" charset="-128"/>
+                <a:cs typeface="Arial Unicode MS" pitchFamily="34" charset="-128"/>
+              </a:rPr>
+              <a:t> </a:t>
+            </a:r>
+            <a:r>
+              <a:rPr lang="en-US" sz="1800" kern="0" dirty="0" err="1">
+                <a:ea typeface="Arial Unicode MS" pitchFamily="34" charset="-128"/>
+                <a:cs typeface="Arial Unicode MS" pitchFamily="34" charset="-128"/>
+              </a:rPr>
+              <a:t>bigFunction</a:t>
+            </a:r>
+            <a:r>
+              <a:rPr lang="en-US" sz="1800" kern="0" dirty="0">
+                <a:ea typeface="Arial Unicode MS" pitchFamily="34" charset="-128"/>
+                <a:cs typeface="Arial Unicode MS" pitchFamily="34" charset="-128"/>
+              </a:rPr>
+              <a:t> = function() {</a:t>
+            </a:r>
+          </a:p>
+          <a:p>
+            <a:pPr fontAlgn="base">
+              <a:spcBef>
+                <a:spcPts val="600"/>
+              </a:spcBef>
+              <a:spcAft>
+                <a:spcPct val="0"/>
+              </a:spcAft>
+              <a:buClr>
+                <a:srgbClr val="F0AB00"/>
+              </a:buClr>
+              <a:buSzPct val="80000"/>
+            </a:pPr>
+            <a:r>
+              <a:rPr lang="en-US" sz="1800" kern="0" dirty="0">
+                <a:ea typeface="Arial Unicode MS" pitchFamily="34" charset="-128"/>
+                <a:cs typeface="Arial Unicode MS" pitchFamily="34" charset="-128"/>
+              </a:rPr>
+              <a:t>	// big logic</a:t>
+            </a:r>
+          </a:p>
+          <a:p>
+            <a:pPr fontAlgn="base">
+              <a:spcBef>
+                <a:spcPts val="600"/>
+              </a:spcBef>
+              <a:spcAft>
+                <a:spcPct val="0"/>
+              </a:spcAft>
+              <a:buClr>
+                <a:srgbClr val="F0AB00"/>
+              </a:buClr>
+              <a:buSzPct val="80000"/>
+            </a:pPr>
+            <a:r>
+              <a:rPr lang="en-US" sz="1800" kern="0" dirty="0">
+                <a:ea typeface="Arial Unicode MS" pitchFamily="34" charset="-128"/>
+                <a:cs typeface="Arial Unicode MS" pitchFamily="34" charset="-128"/>
+              </a:rPr>
+              <a:t>	console.log("big logic");</a:t>
+            </a:r>
+          </a:p>
+          <a:p>
+            <a:pPr fontAlgn="base">
+              <a:spcBef>
+                <a:spcPts val="600"/>
+              </a:spcBef>
+              <a:spcAft>
+                <a:spcPct val="0"/>
+              </a:spcAft>
+              <a:buClr>
+                <a:srgbClr val="F0AB00"/>
+              </a:buClr>
+              <a:buSzPct val="80000"/>
+            </a:pPr>
+            <a:r>
+              <a:rPr lang="en-US" sz="1800" kern="0" dirty="0">
+                <a:ea typeface="Arial Unicode MS" pitchFamily="34" charset="-128"/>
+                <a:cs typeface="Arial Unicode MS" pitchFamily="34" charset="-128"/>
+              </a:rPr>
+              <a:t>}</a:t>
+            </a:r>
+          </a:p>
+          <a:p>
+            <a:pPr fontAlgn="base">
+              <a:spcBef>
+                <a:spcPts val="600"/>
+              </a:spcBef>
+              <a:spcAft>
+                <a:spcPct val="0"/>
+              </a:spcAft>
+              <a:buClr>
+                <a:srgbClr val="F0AB00"/>
+              </a:buClr>
+              <a:buSzPct val="80000"/>
+            </a:pPr>
+            <a:endParaRPr lang="en-US" sz="1800" kern="0" dirty="0">
+              <a:ea typeface="Arial Unicode MS" pitchFamily="34" charset="-128"/>
+              <a:cs typeface="Arial Unicode MS" pitchFamily="34" charset="-128"/>
+            </a:endParaRPr>
+          </a:p>
+          <a:p>
+            <a:pPr fontAlgn="base">
+              <a:spcBef>
+                <a:spcPts val="600"/>
+              </a:spcBef>
+              <a:spcAft>
+                <a:spcPct val="0"/>
+              </a:spcAft>
+              <a:buClr>
+                <a:srgbClr val="F0AB00"/>
+              </a:buClr>
+              <a:buSzPct val="80000"/>
+            </a:pPr>
+            <a:r>
+              <a:rPr lang="en-US" sz="1800" kern="0" dirty="0" err="1">
+                <a:ea typeface="Arial Unicode MS" pitchFamily="34" charset="-128"/>
+                <a:cs typeface="Arial Unicode MS" pitchFamily="34" charset="-128"/>
+              </a:rPr>
+              <a:t>bigFunction</a:t>
+            </a:r>
+            <a:r>
+              <a:rPr lang="en-US" sz="1800" kern="0" dirty="0">
+                <a:ea typeface="Arial Unicode MS" pitchFamily="34" charset="-128"/>
+                <a:cs typeface="Arial Unicode MS" pitchFamily="34" charset="-128"/>
+              </a:rPr>
+              <a:t> = ( </a:t>
+            </a:r>
+            <a:r>
+              <a:rPr lang="en-US" sz="1800" kern="0" dirty="0" err="1">
+                <a:ea typeface="Arial Unicode MS" pitchFamily="34" charset="-128"/>
+                <a:cs typeface="Arial Unicode MS" pitchFamily="34" charset="-128"/>
+              </a:rPr>
+              <a:t>bigFunction</a:t>
+            </a:r>
+            <a:r>
+              <a:rPr lang="en-US" sz="1800" kern="0" dirty="0">
+                <a:ea typeface="Arial Unicode MS" pitchFamily="34" charset="-128"/>
+                <a:cs typeface="Arial Unicode MS" pitchFamily="34" charset="-128"/>
+              </a:rPr>
+              <a:t> || function() {} ).</a:t>
+            </a:r>
+            <a:r>
+              <a:rPr lang="en-US" sz="1800" kern="0" dirty="0">
+                <a:solidFill>
+                  <a:srgbClr val="FF0000"/>
+                </a:solidFill>
+                <a:ea typeface="Arial Unicode MS" pitchFamily="34" charset="-128"/>
+                <a:cs typeface="Arial Unicode MS" pitchFamily="34" charset="-128"/>
+              </a:rPr>
+              <a:t>after</a:t>
+            </a:r>
+            <a:r>
+              <a:rPr lang="en-US" sz="1800" kern="0" dirty="0">
+                <a:ea typeface="Arial Unicode MS" pitchFamily="34" charset="-128"/>
+                <a:cs typeface="Arial Unicode MS" pitchFamily="34" charset="-128"/>
+              </a:rPr>
+              <a:t>( function() {</a:t>
+            </a:r>
+          </a:p>
+          <a:p>
+            <a:pPr fontAlgn="base">
+              <a:spcBef>
+                <a:spcPts val="600"/>
+              </a:spcBef>
+              <a:spcAft>
+                <a:spcPct val="0"/>
+              </a:spcAft>
+              <a:buClr>
+                <a:srgbClr val="F0AB00"/>
+              </a:buClr>
+              <a:buSzPct val="80000"/>
+            </a:pPr>
+            <a:r>
+              <a:rPr lang="en-US" sz="1800" kern="0" dirty="0">
+                <a:ea typeface="Arial Unicode MS" pitchFamily="34" charset="-128"/>
+                <a:cs typeface="Arial Unicode MS" pitchFamily="34" charset="-128"/>
+              </a:rPr>
+              <a:t>     console.log("our own logic");</a:t>
+            </a:r>
+          </a:p>
+          <a:p>
+            <a:pPr fontAlgn="base">
+              <a:spcBef>
+                <a:spcPts val="600"/>
+              </a:spcBef>
+              <a:spcAft>
+                <a:spcPct val="0"/>
+              </a:spcAft>
+              <a:buClr>
+                <a:srgbClr val="F0AB00"/>
+              </a:buClr>
+              <a:buSzPct val="80000"/>
+            </a:pPr>
+            <a:r>
+              <a:rPr lang="en-US" sz="1800" kern="0" dirty="0">
+                <a:ea typeface="Arial Unicode MS" pitchFamily="34" charset="-128"/>
+                <a:cs typeface="Arial Unicode MS" pitchFamily="34" charset="-128"/>
+              </a:rPr>
+              <a:t>});</a:t>
+            </a:r>
+          </a:p>
+          <a:p>
+            <a:pPr fontAlgn="base">
+              <a:spcBef>
+                <a:spcPts val="600"/>
+              </a:spcBef>
+              <a:spcAft>
+                <a:spcPct val="0"/>
+              </a:spcAft>
+              <a:buClr>
+                <a:srgbClr val="F0AB00"/>
+              </a:buClr>
+              <a:buSzPct val="80000"/>
+            </a:pPr>
+            <a:endParaRPr lang="en-US" sz="1800" kern="0" dirty="0">
+              <a:ea typeface="Arial Unicode MS" pitchFamily="34" charset="-128"/>
+              <a:cs typeface="Arial Unicode MS" pitchFamily="34" charset="-128"/>
+            </a:endParaRPr>
+          </a:p>
+          <a:p>
+            <a:pPr fontAlgn="base">
+              <a:spcBef>
+                <a:spcPts val="600"/>
+              </a:spcBef>
+              <a:spcAft>
+                <a:spcPct val="0"/>
+              </a:spcAft>
+              <a:buClr>
+                <a:srgbClr val="F0AB00"/>
+              </a:buClr>
+              <a:buSzPct val="80000"/>
+            </a:pPr>
+            <a:r>
+              <a:rPr lang="en-US" sz="1800" kern="0" dirty="0" err="1">
+                <a:ea typeface="Arial Unicode MS" pitchFamily="34" charset="-128"/>
+                <a:cs typeface="Arial Unicode MS" pitchFamily="34" charset="-128"/>
+              </a:rPr>
+              <a:t>bigFunction</a:t>
+            </a:r>
+            <a:r>
+              <a:rPr lang="en-US" sz="1800" kern="0" dirty="0">
+                <a:ea typeface="Arial Unicode MS" pitchFamily="34" charset="-128"/>
+                <a:cs typeface="Arial Unicode MS" pitchFamily="34" charset="-128"/>
+              </a:rPr>
+              <a:t>();</a:t>
+            </a:r>
+            <a:endParaRPr lang="en-US" sz="1800" kern="0" dirty="0" smtClean="0">
+              <a:ea typeface="Arial Unicode MS" pitchFamily="34" charset="-128"/>
+              <a:cs typeface="Arial Unicode MS" pitchFamily="34" charset="-128"/>
+            </a:endParaRPr>
+          </a:p>
+        </p:txBody>
+      </p:sp>
+    </p:spTree>
+    <p:extLst>
+      <p:ext uri="{BB962C8B-B14F-4D97-AF65-F5344CB8AC3E}">
+        <p14:creationId xmlns:p14="http://schemas.microsoft.com/office/powerpoint/2010/main" val="1580245401"/>
+      </p:ext>
+    </p:extLst>
+  </p:cSld>
+  <p:clrMapOvr>
+    <a:masterClrMapping/>
+  </p:clrMapOvr>
+  <p:timing>
+    <p:tnLst>
+      <p:par>
+        <p:cTn id="1" dur="indefinite" restart="never" nodeType="tmRoot">
+          <p:childTnLst>
+            <p:seq concurrent="1" nextAc="seek">
+              <p:cTn id="2" dur="indefinite" nodeType="mainSeq">
+                <p:childTnLst>
+                  <p:par>
+                    <p:cTn id="3" fill="hold">
+                      <p:stCondLst>
+                        <p:cond delay="indefinite"/>
+                      </p:stCondLst>
+                      <p:childTnLst>
+                        <p:par>
+                          <p:cTn id="4" fill="hold">
+                            <p:stCondLst>
+                              <p:cond delay="0"/>
+                            </p:stCondLst>
+                            <p:childTnLst>
+                              <p:par>
+                                <p:cTn id="5" presetID="1" presetClass="entr" presetSubtype="0" fill="hold" grpId="0" nodeType="clickEffect">
+                                  <p:stCondLst>
+                                    <p:cond delay="0"/>
+                                  </p:stCondLst>
+                                  <p:childTnLst>
+                                    <p:set>
+                                      <p:cBhvr>
+                                        <p:cTn id="6" dur="1" fill="hold">
+                                          <p:stCondLst>
+                                            <p:cond delay="0"/>
+                                          </p:stCondLst>
+                                        </p:cTn>
+                                        <p:tgtEl>
+                                          <p:spTgt spid="7"/>
+                                        </p:tgtEl>
+                                        <p:attrNameLst>
+                                          <p:attrName>style.visibility</p:attrName>
+                                        </p:attrNameLst>
+                                      </p:cBhvr>
+                                      <p:to>
+                                        <p:strVal val="visible"/>
+                                      </p:to>
+                                    </p:set>
+                                  </p:childTnLst>
+                                </p:cTn>
+                              </p:par>
+                            </p:childTnLst>
+                          </p:cTn>
+                        </p:par>
+                      </p:childTnLst>
+                    </p:cTn>
+                  </p:par>
+                  <p:par>
+                    <p:cTn id="7" fill="hold">
+                      <p:stCondLst>
+                        <p:cond delay="indefinite"/>
+                      </p:stCondLst>
+                      <p:childTnLst>
+                        <p:par>
+                          <p:cTn id="8" fill="hold">
+                            <p:stCondLst>
+                              <p:cond delay="0"/>
+                            </p:stCondLst>
+                            <p:childTnLst>
+                              <p:par>
+                                <p:cTn id="9" presetID="1" presetClass="entr" presetSubtype="0" fill="hold" grpId="0" nodeType="clickEffect">
+                                  <p:stCondLst>
+                                    <p:cond delay="0"/>
+                                  </p:stCondLst>
+                                  <p:childTnLst>
+                                    <p:set>
+                                      <p:cBhvr>
+                                        <p:cTn id="10" dur="1" fill="hold">
+                                          <p:stCondLst>
+                                            <p:cond delay="0"/>
+                                          </p:stCondLst>
+                                        </p:cTn>
+                                        <p:tgtEl>
+                                          <p:spTgt spid="8"/>
+                                        </p:tgtEl>
+                                        <p:attrNameLst>
+                                          <p:attrName>style.visibility</p:attrName>
+                                        </p:attrNameLst>
+                                      </p:cBhvr>
+                                      <p:to>
+                                        <p:strVal val="visible"/>
+                                      </p:to>
+                                    </p:set>
+                                  </p:childTnLst>
+                                </p:cTn>
+                              </p:par>
+                            </p:childTnLst>
+                          </p:cTn>
+                        </p:par>
+                      </p:childTnLst>
+                    </p:cTn>
+                  </p:par>
+                  <p:par>
+                    <p:cTn id="11" fill="hold">
+                      <p:stCondLst>
+                        <p:cond delay="indefinite"/>
+                      </p:stCondLst>
+                      <p:childTnLst>
+                        <p:par>
+                          <p:cTn id="12" fill="hold">
+                            <p:stCondLst>
+                              <p:cond delay="0"/>
+                            </p:stCondLst>
+                            <p:childTnLst>
+                              <p:par>
+                                <p:cTn id="13" presetID="1" presetClass="entr" presetSubtype="0" fill="hold" grpId="0" nodeType="clickEffect">
+                                  <p:stCondLst>
+                                    <p:cond delay="0"/>
+                                  </p:stCondLst>
+                                  <p:childTnLst>
+                                    <p:set>
+                                      <p:cBhvr>
+                                        <p:cTn id="14" dur="1" fill="hold">
+                                          <p:stCondLst>
+                                            <p:cond delay="0"/>
+                                          </p:stCondLst>
+                                        </p:cTn>
+                                        <p:tgtEl>
+                                          <p:spTgt spid="9"/>
+                                        </p:tgtEl>
+                                        <p:attrNameLst>
+                                          <p:attrName>style.visibility</p:attrName>
+                                        </p:attrNameLst>
+                                      </p:cBhvr>
+                                      <p:to>
+                                        <p:strVal val="visible"/>
+                                      </p:to>
+                                    </p:set>
+                                  </p:childTnLst>
+                                </p:cTn>
+                              </p:par>
+                            </p:childTnLst>
+                          </p:cTn>
+                        </p:par>
+                      </p:childTnLst>
+                    </p:cTn>
+                  </p:par>
+                </p:childTnLst>
+              </p:cTn>
+              <p:prevCondLst>
+                <p:cond evt="onPrev" delay="0">
+                  <p:tgtEl>
+                    <p:sldTgt/>
+                  </p:tgtEl>
+                </p:cond>
+              </p:prevCondLst>
+              <p:nextCondLst>
+                <p:cond evt="onNext" delay="0">
+                  <p:tgtEl>
+                    <p:sldTgt/>
+                  </p:tgtEl>
+                </p:cond>
+              </p:nextCondLst>
+            </p:seq>
+          </p:childTnLst>
+        </p:cTn>
+      </p:par>
+    </p:tnLst>
+    <p:bldLst>
+      <p:bldP spid="7" grpId="0"/>
+      <p:bldP spid="8" grpId="0"/>
+      <p:bldP spid="9" grpId="0"/>
     </p:bldLst>
   </p:timing>
 </p:sld>

--- a/001_code_refact.pptx
+++ b/001_code_refact.pptx
@@ -5,10 +5,10 @@
     <p:sldMasterId id="2147483660" r:id="rId1"/>
   </p:sldMasterIdLst>
   <p:notesMasterIdLst>
-    <p:notesMasterId r:id="rId19"/>
+    <p:notesMasterId r:id="rId21"/>
   </p:notesMasterIdLst>
   <p:handoutMasterIdLst>
-    <p:handoutMasterId r:id="rId20"/>
+    <p:handoutMasterId r:id="rId22"/>
   </p:handoutMasterIdLst>
   <p:sldIdLst>
     <p:sldId id="340" r:id="rId2"/>
@@ -28,6 +28,8 @@
     <p:sldId id="371" r:id="rId16"/>
     <p:sldId id="372" r:id="rId17"/>
     <p:sldId id="373" r:id="rId18"/>
+    <p:sldId id="374" r:id="rId19"/>
+    <p:sldId id="375" r:id="rId20"/>
   </p:sldIdLst>
   <p:sldSz cx="12195175" cy="6859588"/>
   <p:notesSz cx="6797675" cy="9874250"/>
@@ -172,6 +174,8 @@
             <p14:sldId id="371"/>
             <p14:sldId id="372"/>
             <p14:sldId id="373"/>
+            <p14:sldId id="374"/>
+            <p14:sldId id="375"/>
           </p14:sldIdLst>
         </p14:section>
       </p14:sectionLst>
@@ -11165,6 +11169,2085 @@
 </p:sld>
 </file>
 
+<file path=ppt/slides/slide18.xml><?xml version="1.0" encoding="utf-8"?>
+<p:sld xmlns:a="http://schemas.openxmlformats.org/drawingml/2006/main" xmlns:r="http://schemas.openxmlformats.org/officeDocument/2006/relationships" xmlns:p="http://schemas.openxmlformats.org/presentationml/2006/main">
+  <p:cSld>
+    <p:spTree>
+      <p:nvGrpSpPr>
+        <p:cNvPr id="1" name=""/>
+        <p:cNvGrpSpPr/>
+        <p:nvPr/>
+      </p:nvGrpSpPr>
+      <p:grpSpPr>
+        <a:xfrm>
+          <a:off x="0" y="0"/>
+          <a:ext cx="0" cy="0"/>
+          <a:chOff x="0" y="0"/>
+          <a:chExt cx="0" cy="0"/>
+        </a:xfrm>
+      </p:grpSpPr>
+      <p:sp>
+        <p:nvSpPr>
+          <p:cNvPr id="3" name="Rectangle 2"/>
+          <p:cNvSpPr/>
+          <p:nvPr/>
+        </p:nvSpPr>
+        <p:spPr bwMode="gray">
+          <a:xfrm>
+            <a:off x="278878" y="3114440"/>
+            <a:ext cx="6505812" cy="532119"/>
+          </a:xfrm>
+          <a:prstGeom prst="rect">
+            <a:avLst/>
+          </a:prstGeom>
+          <a:solidFill>
+            <a:schemeClr val="bg1">
+              <a:lumMod val="85000"/>
+            </a:schemeClr>
+          </a:solidFill>
+          <a:ln w="6350" algn="ctr">
+            <a:noFill/>
+            <a:miter lim="800000"/>
+            <a:headEnd/>
+            <a:tailEnd/>
+          </a:ln>
+        </p:spPr>
+        <p:txBody>
+          <a:bodyPr lIns="90021" tIns="72017" rIns="90021" bIns="72017" rtlCol="0" anchor="ctr"/>
+          <a:lstStyle/>
+          <a:p>
+            <a:pPr fontAlgn="base">
+              <a:spcBef>
+                <a:spcPts val="600"/>
+              </a:spcBef>
+              <a:spcAft>
+                <a:spcPct val="0"/>
+              </a:spcAft>
+              <a:buClr>
+                <a:srgbClr val="F0AB00"/>
+              </a:buClr>
+              <a:buSzPct val="80000"/>
+            </a:pPr>
+            <a:r>
+              <a:rPr lang="de-DE" sz="1400" kern="0" dirty="0" err="1">
+                <a:ea typeface="Arial Unicode MS" pitchFamily="34" charset="-128"/>
+                <a:cs typeface="Arial Unicode MS" pitchFamily="34" charset="-128"/>
+              </a:rPr>
+              <a:t>Annotations</a:t>
+            </a:r>
+            <a:r>
+              <a:rPr lang="de-DE" sz="1400" kern="0" dirty="0">
+                <a:ea typeface="Arial Unicode MS" pitchFamily="34" charset="-128"/>
+                <a:cs typeface="Arial Unicode MS" pitchFamily="34" charset="-128"/>
+              </a:rPr>
+              <a:t> </a:t>
+            </a:r>
+            <a:r>
+              <a:rPr lang="de-DE" sz="1400" kern="0" dirty="0" err="1">
+                <a:ea typeface="Arial Unicode MS" pitchFamily="34" charset="-128"/>
+                <a:cs typeface="Arial Unicode MS" pitchFamily="34" charset="-128"/>
+              </a:rPr>
+              <a:t>for</a:t>
+            </a:r>
+            <a:r>
+              <a:rPr lang="de-DE" sz="1400" kern="0" dirty="0">
+                <a:ea typeface="Arial Unicode MS" pitchFamily="34" charset="-128"/>
+                <a:cs typeface="Arial Unicode MS" pitchFamily="34" charset="-128"/>
+              </a:rPr>
+              <a:t> UI in CDS DDL</a:t>
+            </a:r>
+          </a:p>
+        </p:txBody>
+      </p:sp>
+      <p:sp>
+        <p:nvSpPr>
+          <p:cNvPr id="4" name="Rectangle 3"/>
+          <p:cNvSpPr/>
+          <p:nvPr/>
+        </p:nvSpPr>
+        <p:spPr bwMode="gray">
+          <a:xfrm>
+            <a:off x="278878" y="3814251"/>
+            <a:ext cx="6505812" cy="553850"/>
+          </a:xfrm>
+          <a:prstGeom prst="rect">
+            <a:avLst/>
+          </a:prstGeom>
+          <a:solidFill>
+            <a:schemeClr val="bg1">
+              <a:lumMod val="85000"/>
+            </a:schemeClr>
+          </a:solidFill>
+          <a:ln w="6350" algn="ctr">
+            <a:noFill/>
+            <a:miter lim="800000"/>
+            <a:headEnd/>
+            <a:tailEnd/>
+          </a:ln>
+        </p:spPr>
+        <p:txBody>
+          <a:bodyPr lIns="90021" tIns="72017" rIns="90021" bIns="72017" rtlCol="0" anchor="ctr"/>
+          <a:lstStyle/>
+          <a:p>
+            <a:pPr fontAlgn="base">
+              <a:spcBef>
+                <a:spcPts val="600"/>
+              </a:spcBef>
+              <a:spcAft>
+                <a:spcPct val="0"/>
+              </a:spcAft>
+              <a:buClr>
+                <a:srgbClr val="F0AB00"/>
+              </a:buClr>
+              <a:buSzPct val="80000"/>
+            </a:pPr>
+            <a:r>
+              <a:rPr lang="de-DE" sz="1400" kern="0" dirty="0" err="1">
+                <a:ea typeface="Arial Unicode MS" pitchFamily="34" charset="-128"/>
+                <a:cs typeface="Arial Unicode MS" pitchFamily="34" charset="-128"/>
+              </a:rPr>
+              <a:t>Annotations</a:t>
+            </a:r>
+            <a:r>
+              <a:rPr lang="de-DE" sz="1400" kern="0" dirty="0">
+                <a:ea typeface="Arial Unicode MS" pitchFamily="34" charset="-128"/>
+                <a:cs typeface="Arial Unicode MS" pitchFamily="34" charset="-128"/>
+              </a:rPr>
+              <a:t> </a:t>
+            </a:r>
+            <a:r>
+              <a:rPr lang="de-DE" sz="1400" kern="0" dirty="0" err="1">
+                <a:ea typeface="Arial Unicode MS" pitchFamily="34" charset="-128"/>
+                <a:cs typeface="Arial Unicode MS" pitchFamily="34" charset="-128"/>
+              </a:rPr>
+              <a:t>for</a:t>
+            </a:r>
+            <a:r>
+              <a:rPr lang="de-DE" sz="1400" kern="0" dirty="0">
+                <a:ea typeface="Arial Unicode MS" pitchFamily="34" charset="-128"/>
+                <a:cs typeface="Arial Unicode MS" pitchFamily="34" charset="-128"/>
+              </a:rPr>
+              <a:t> BO Definition in CDS DDL</a:t>
+            </a:r>
+          </a:p>
+        </p:txBody>
+      </p:sp>
+      <p:sp>
+        <p:nvSpPr>
+          <p:cNvPr id="5" name="Rounded Rectangle 4"/>
+          <p:cNvSpPr/>
+          <p:nvPr/>
+        </p:nvSpPr>
+        <p:spPr bwMode="gray">
+          <a:xfrm>
+            <a:off x="4097450" y="5102291"/>
+            <a:ext cx="1097535" cy="432100"/>
+          </a:xfrm>
+          <a:prstGeom prst="roundRect">
+            <a:avLst/>
+          </a:prstGeom>
+          <a:solidFill>
+            <a:schemeClr val="accent1"/>
+          </a:solidFill>
+          <a:ln w="6350" algn="ctr">
+            <a:noFill/>
+            <a:miter lim="800000"/>
+            <a:headEnd/>
+            <a:tailEnd/>
+          </a:ln>
+        </p:spPr>
+        <p:txBody>
+          <a:bodyPr lIns="90021" tIns="72017" rIns="90021" bIns="72017" rtlCol="0" anchor="ctr"/>
+          <a:lstStyle/>
+          <a:p>
+            <a:pPr algn="ctr" defTabSz="914583" fontAlgn="base">
+              <a:spcBef>
+                <a:spcPct val="50000"/>
+              </a:spcBef>
+              <a:spcAft>
+                <a:spcPct val="0"/>
+              </a:spcAft>
+              <a:buClr>
+                <a:srgbClr val="F0AB00"/>
+              </a:buClr>
+              <a:buSzPct val="80000"/>
+            </a:pPr>
+            <a:r>
+              <a:rPr lang="en-US" altLang="zh-CN" sz="1200" kern="0" dirty="0">
+                <a:ea typeface="Arial Unicode MS" pitchFamily="34" charset="-128"/>
+                <a:cs typeface="Arial Unicode MS" pitchFamily="34" charset="-128"/>
+              </a:rPr>
+              <a:t>Database table</a:t>
+            </a:r>
+            <a:endParaRPr lang="de-DE" sz="1200" kern="0" dirty="0">
+              <a:ea typeface="Arial Unicode MS" pitchFamily="34" charset="-128"/>
+              <a:cs typeface="Arial Unicode MS" pitchFamily="34" charset="-128"/>
+            </a:endParaRPr>
+          </a:p>
+        </p:txBody>
+      </p:sp>
+      <p:sp>
+        <p:nvSpPr>
+          <p:cNvPr id="6" name="Rounded Rectangle 5"/>
+          <p:cNvSpPr/>
+          <p:nvPr/>
+        </p:nvSpPr>
+        <p:spPr bwMode="gray">
+          <a:xfrm>
+            <a:off x="5814186" y="5102291"/>
+            <a:ext cx="1097535" cy="432100"/>
+          </a:xfrm>
+          <a:prstGeom prst="roundRect">
+            <a:avLst/>
+          </a:prstGeom>
+          <a:solidFill>
+            <a:schemeClr val="accent1"/>
+          </a:solidFill>
+          <a:ln w="6350" algn="ctr">
+            <a:noFill/>
+            <a:miter lim="800000"/>
+            <a:headEnd/>
+            <a:tailEnd/>
+          </a:ln>
+        </p:spPr>
+        <p:txBody>
+          <a:bodyPr lIns="90021" tIns="72017" rIns="90021" bIns="72017" rtlCol="0" anchor="ctr"/>
+          <a:lstStyle/>
+          <a:p>
+            <a:pPr algn="ctr" defTabSz="914583" fontAlgn="base">
+              <a:spcBef>
+                <a:spcPct val="50000"/>
+              </a:spcBef>
+              <a:spcAft>
+                <a:spcPct val="0"/>
+              </a:spcAft>
+              <a:buClr>
+                <a:srgbClr val="F0AB00"/>
+              </a:buClr>
+              <a:buSzPct val="80000"/>
+            </a:pPr>
+            <a:r>
+              <a:rPr lang="en-US" altLang="zh-CN" sz="1200" kern="0" dirty="0">
+                <a:ea typeface="Arial Unicode MS" pitchFamily="34" charset="-128"/>
+                <a:cs typeface="Arial Unicode MS" pitchFamily="34" charset="-128"/>
+              </a:rPr>
+              <a:t>Database table</a:t>
+            </a:r>
+            <a:endParaRPr lang="de-DE" sz="1200" kern="0" dirty="0">
+              <a:ea typeface="Arial Unicode MS" pitchFamily="34" charset="-128"/>
+              <a:cs typeface="Arial Unicode MS" pitchFamily="34" charset="-128"/>
+            </a:endParaRPr>
+          </a:p>
+        </p:txBody>
+      </p:sp>
+      <p:sp>
+        <p:nvSpPr>
+          <p:cNvPr id="8" name="Rounded Rectangle 7"/>
+          <p:cNvSpPr/>
+          <p:nvPr/>
+        </p:nvSpPr>
+        <p:spPr bwMode="gray">
+          <a:xfrm>
+            <a:off x="4616074" y="1213269"/>
+            <a:ext cx="1806708" cy="527903"/>
+          </a:xfrm>
+          <a:prstGeom prst="roundRect">
+            <a:avLst/>
+          </a:prstGeom>
+          <a:solidFill>
+            <a:schemeClr val="accent1"/>
+          </a:solidFill>
+          <a:ln w="6350" algn="ctr">
+            <a:noFill/>
+            <a:miter lim="800000"/>
+            <a:headEnd/>
+            <a:tailEnd/>
+          </a:ln>
+        </p:spPr>
+        <p:txBody>
+          <a:bodyPr lIns="90021" tIns="72017" rIns="90021" bIns="72017" rtlCol="0" anchor="ctr"/>
+          <a:lstStyle/>
+          <a:p>
+            <a:pPr algn="ctr" defTabSz="914583" fontAlgn="base">
+              <a:spcBef>
+                <a:spcPct val="50000"/>
+              </a:spcBef>
+              <a:spcAft>
+                <a:spcPct val="0"/>
+              </a:spcAft>
+              <a:buClr>
+                <a:srgbClr val="F0AB00"/>
+              </a:buClr>
+              <a:buSzPct val="80000"/>
+            </a:pPr>
+            <a:r>
+              <a:rPr lang="de-DE" sz="1200" kern="0" dirty="0">
+                <a:ea typeface="Arial Unicode MS" pitchFamily="34" charset="-128"/>
+                <a:cs typeface="Arial Unicode MS" pitchFamily="34" charset="-128"/>
+              </a:rPr>
+              <a:t>UI5 Application</a:t>
+            </a:r>
+          </a:p>
+        </p:txBody>
+      </p:sp>
+      <p:sp>
+        <p:nvSpPr>
+          <p:cNvPr id="10" name="Rounded Rectangle 9"/>
+          <p:cNvSpPr/>
+          <p:nvPr/>
+        </p:nvSpPr>
+        <p:spPr bwMode="gray">
+          <a:xfrm>
+            <a:off x="4617577" y="2484046"/>
+            <a:ext cx="1805204" cy="490748"/>
+          </a:xfrm>
+          <a:prstGeom prst="roundRect">
+            <a:avLst/>
+          </a:prstGeom>
+          <a:solidFill>
+            <a:schemeClr val="accent1"/>
+          </a:solidFill>
+          <a:ln w="6350" algn="ctr">
+            <a:noFill/>
+            <a:miter lim="800000"/>
+            <a:headEnd/>
+            <a:tailEnd/>
+          </a:ln>
+        </p:spPr>
+        <p:txBody>
+          <a:bodyPr lIns="90021" tIns="72017" rIns="90021" bIns="72017" rtlCol="0" anchor="ctr"/>
+          <a:lstStyle/>
+          <a:p>
+            <a:pPr algn="ctr" defTabSz="914583" fontAlgn="base">
+              <a:spcBef>
+                <a:spcPct val="50000"/>
+              </a:spcBef>
+              <a:spcAft>
+                <a:spcPct val="0"/>
+              </a:spcAft>
+              <a:buClr>
+                <a:srgbClr val="F0AB00"/>
+              </a:buClr>
+              <a:buSzPct val="80000"/>
+            </a:pPr>
+            <a:r>
+              <a:rPr lang="de-DE" sz="1200" kern="0" dirty="0">
+                <a:ea typeface="Arial Unicode MS" pitchFamily="34" charset="-128"/>
+                <a:cs typeface="Arial Unicode MS" pitchFamily="34" charset="-128"/>
+              </a:rPr>
+              <a:t>SADL </a:t>
+            </a:r>
+            <a:r>
+              <a:rPr lang="en-US" altLang="zh-CN" sz="1200" kern="0" dirty="0">
+                <a:ea typeface="Arial Unicode MS" pitchFamily="34" charset="-128"/>
+                <a:cs typeface="Arial Unicode MS" pitchFamily="34" charset="-128"/>
+              </a:rPr>
+              <a:t>framework</a:t>
+            </a:r>
+            <a:endParaRPr lang="de-DE" sz="1200" kern="0" dirty="0">
+              <a:ea typeface="Arial Unicode MS" pitchFamily="34" charset="-128"/>
+              <a:cs typeface="Arial Unicode MS" pitchFamily="34" charset="-128"/>
+            </a:endParaRPr>
+          </a:p>
+        </p:txBody>
+      </p:sp>
+      <p:cxnSp>
+        <p:nvCxnSpPr>
+          <p:cNvPr id="11" name="Straight Connector 10"/>
+          <p:cNvCxnSpPr>
+            <a:stCxn id="8" idx="2"/>
+            <a:endCxn id="25" idx="0"/>
+          </p:cNvCxnSpPr>
+          <p:nvPr/>
+        </p:nvCxnSpPr>
+        <p:spPr>
+          <a:xfrm>
+            <a:off x="5519429" y="1741171"/>
+            <a:ext cx="751" cy="131878"/>
+          </a:xfrm>
+          <a:prstGeom prst="line">
+            <a:avLst/>
+          </a:prstGeom>
+          <a:ln w="6350">
+            <a:solidFill>
+              <a:schemeClr val="tx1"/>
+            </a:solidFill>
+          </a:ln>
+        </p:spPr>
+        <p:style>
+          <a:lnRef idx="1">
+            <a:schemeClr val="accent1"/>
+          </a:lnRef>
+          <a:fillRef idx="0">
+            <a:schemeClr val="accent1"/>
+          </a:fillRef>
+          <a:effectRef idx="0">
+            <a:schemeClr val="accent1"/>
+          </a:effectRef>
+          <a:fontRef idx="minor">
+            <a:schemeClr val="tx1"/>
+          </a:fontRef>
+        </p:style>
+      </p:cxnSp>
+      <p:cxnSp>
+        <p:nvCxnSpPr>
+          <p:cNvPr id="12" name="Straight Connector 11"/>
+          <p:cNvCxnSpPr>
+            <a:stCxn id="25" idx="2"/>
+            <a:endCxn id="10" idx="0"/>
+          </p:cNvCxnSpPr>
+          <p:nvPr/>
+        </p:nvCxnSpPr>
+        <p:spPr>
+          <a:xfrm>
+            <a:off x="5520179" y="2331603"/>
+            <a:ext cx="0" cy="152443"/>
+          </a:xfrm>
+          <a:prstGeom prst="line">
+            <a:avLst/>
+          </a:prstGeom>
+          <a:ln w="6350">
+            <a:solidFill>
+              <a:schemeClr val="tx1"/>
+            </a:solidFill>
+          </a:ln>
+        </p:spPr>
+        <p:style>
+          <a:lnRef idx="1">
+            <a:schemeClr val="accent1"/>
+          </a:lnRef>
+          <a:fillRef idx="0">
+            <a:schemeClr val="accent1"/>
+          </a:fillRef>
+          <a:effectRef idx="0">
+            <a:schemeClr val="accent1"/>
+          </a:effectRef>
+          <a:fontRef idx="minor">
+            <a:schemeClr val="tx1"/>
+          </a:fontRef>
+        </p:style>
+      </p:cxnSp>
+      <p:cxnSp>
+        <p:nvCxnSpPr>
+          <p:cNvPr id="13" name="Straight Connector 12"/>
+          <p:cNvCxnSpPr>
+            <a:stCxn id="10" idx="2"/>
+            <a:endCxn id="26" idx="0"/>
+          </p:cNvCxnSpPr>
+          <p:nvPr/>
+        </p:nvCxnSpPr>
+        <p:spPr>
+          <a:xfrm flipH="1">
+            <a:off x="5518721" y="2974794"/>
+            <a:ext cx="1459" cy="172582"/>
+          </a:xfrm>
+          <a:prstGeom prst="line">
+            <a:avLst/>
+          </a:prstGeom>
+          <a:ln w="6350">
+            <a:solidFill>
+              <a:schemeClr val="tx1"/>
+            </a:solidFill>
+          </a:ln>
+        </p:spPr>
+        <p:style>
+          <a:lnRef idx="1">
+            <a:schemeClr val="accent1"/>
+          </a:lnRef>
+          <a:fillRef idx="0">
+            <a:schemeClr val="accent1"/>
+          </a:fillRef>
+          <a:effectRef idx="0">
+            <a:schemeClr val="accent1"/>
+          </a:effectRef>
+          <a:fontRef idx="minor">
+            <a:schemeClr val="tx1"/>
+          </a:fontRef>
+        </p:style>
+      </p:cxnSp>
+      <p:cxnSp>
+        <p:nvCxnSpPr>
+          <p:cNvPr id="14" name="Straight Connector 13"/>
+          <p:cNvCxnSpPr>
+            <a:stCxn id="26" idx="2"/>
+            <a:endCxn id="27" idx="0"/>
+          </p:cNvCxnSpPr>
+          <p:nvPr/>
+        </p:nvCxnSpPr>
+        <p:spPr>
+          <a:xfrm>
+            <a:off x="5518720" y="3610425"/>
+            <a:ext cx="1460" cy="236273"/>
+          </a:xfrm>
+          <a:prstGeom prst="line">
+            <a:avLst/>
+          </a:prstGeom>
+          <a:ln w="6350">
+            <a:solidFill>
+              <a:schemeClr val="tx1"/>
+            </a:solidFill>
+          </a:ln>
+        </p:spPr>
+        <p:style>
+          <a:lnRef idx="1">
+            <a:schemeClr val="accent1"/>
+          </a:lnRef>
+          <a:fillRef idx="0">
+            <a:schemeClr val="accent1"/>
+          </a:fillRef>
+          <a:effectRef idx="0">
+            <a:schemeClr val="accent1"/>
+          </a:effectRef>
+          <a:fontRef idx="minor">
+            <a:schemeClr val="tx1"/>
+          </a:fontRef>
+        </p:style>
+      </p:cxnSp>
+      <p:cxnSp>
+        <p:nvCxnSpPr>
+          <p:cNvPr id="15" name="Straight Connector 14"/>
+          <p:cNvCxnSpPr>
+            <a:stCxn id="27" idx="2"/>
+          </p:cNvCxnSpPr>
+          <p:nvPr/>
+        </p:nvCxnSpPr>
+        <p:spPr>
+          <a:xfrm flipH="1">
+            <a:off x="5518720" y="4340056"/>
+            <a:ext cx="1460" cy="445752"/>
+          </a:xfrm>
+          <a:prstGeom prst="line">
+            <a:avLst/>
+          </a:prstGeom>
+          <a:ln w="6350">
+            <a:solidFill>
+              <a:schemeClr val="tx1"/>
+            </a:solidFill>
+          </a:ln>
+        </p:spPr>
+        <p:style>
+          <a:lnRef idx="1">
+            <a:schemeClr val="accent1"/>
+          </a:lnRef>
+          <a:fillRef idx="0">
+            <a:schemeClr val="accent1"/>
+          </a:fillRef>
+          <a:effectRef idx="0">
+            <a:schemeClr val="accent1"/>
+          </a:effectRef>
+          <a:fontRef idx="minor">
+            <a:schemeClr val="tx1"/>
+          </a:fontRef>
+        </p:style>
+      </p:cxnSp>
+      <p:cxnSp>
+        <p:nvCxnSpPr>
+          <p:cNvPr id="16" name="Straight Connector 15"/>
+          <p:cNvCxnSpPr>
+            <a:endCxn id="5" idx="0"/>
+          </p:cNvCxnSpPr>
+          <p:nvPr/>
+        </p:nvCxnSpPr>
+        <p:spPr>
+          <a:xfrm flipH="1">
+            <a:off x="4646217" y="4785808"/>
+            <a:ext cx="857797" cy="316483"/>
+          </a:xfrm>
+          <a:prstGeom prst="line">
+            <a:avLst/>
+          </a:prstGeom>
+          <a:ln w="6350">
+            <a:solidFill>
+              <a:schemeClr val="tx1"/>
+            </a:solidFill>
+          </a:ln>
+        </p:spPr>
+        <p:style>
+          <a:lnRef idx="1">
+            <a:schemeClr val="accent1"/>
+          </a:lnRef>
+          <a:fillRef idx="0">
+            <a:schemeClr val="accent1"/>
+          </a:fillRef>
+          <a:effectRef idx="0">
+            <a:schemeClr val="accent1"/>
+          </a:effectRef>
+          <a:fontRef idx="minor">
+            <a:schemeClr val="tx1"/>
+          </a:fontRef>
+        </p:style>
+      </p:cxnSp>
+      <p:cxnSp>
+        <p:nvCxnSpPr>
+          <p:cNvPr id="17" name="Straight Connector 16"/>
+          <p:cNvCxnSpPr>
+            <a:endCxn id="6" idx="0"/>
+          </p:cNvCxnSpPr>
+          <p:nvPr/>
+        </p:nvCxnSpPr>
+        <p:spPr>
+          <a:xfrm>
+            <a:off x="5504014" y="4785808"/>
+            <a:ext cx="858940" cy="316483"/>
+          </a:xfrm>
+          <a:prstGeom prst="line">
+            <a:avLst/>
+          </a:prstGeom>
+          <a:ln w="6350">
+            <a:solidFill>
+              <a:schemeClr val="tx1"/>
+            </a:solidFill>
+          </a:ln>
+        </p:spPr>
+        <p:style>
+          <a:lnRef idx="1">
+            <a:schemeClr val="accent1"/>
+          </a:lnRef>
+          <a:fillRef idx="0">
+            <a:schemeClr val="accent1"/>
+          </a:fillRef>
+          <a:effectRef idx="0">
+            <a:schemeClr val="accent1"/>
+          </a:effectRef>
+          <a:fontRef idx="minor">
+            <a:schemeClr val="tx1"/>
+          </a:fontRef>
+        </p:style>
+      </p:cxnSp>
+      <p:sp>
+        <p:nvSpPr>
+          <p:cNvPr id="24" name="Rectangle 23"/>
+          <p:cNvSpPr/>
+          <p:nvPr/>
+        </p:nvSpPr>
+        <p:spPr bwMode="gray">
+          <a:xfrm>
+            <a:off x="278878" y="1852347"/>
+            <a:ext cx="6505812" cy="495985"/>
+          </a:xfrm>
+          <a:prstGeom prst="rect">
+            <a:avLst/>
+          </a:prstGeom>
+          <a:solidFill>
+            <a:schemeClr val="bg1">
+              <a:lumMod val="85000"/>
+            </a:schemeClr>
+          </a:solidFill>
+          <a:ln w="6350" algn="ctr">
+            <a:noFill/>
+            <a:miter lim="800000"/>
+            <a:headEnd/>
+            <a:tailEnd/>
+          </a:ln>
+        </p:spPr>
+        <p:txBody>
+          <a:bodyPr lIns="90021" tIns="72017" rIns="90021" bIns="72017" rtlCol="0" anchor="ctr"/>
+          <a:lstStyle/>
+          <a:p>
+            <a:pPr defTabSz="914583" fontAlgn="base">
+              <a:spcBef>
+                <a:spcPct val="50000"/>
+              </a:spcBef>
+              <a:spcAft>
+                <a:spcPct val="0"/>
+              </a:spcAft>
+              <a:buClr>
+                <a:srgbClr val="F0AB00"/>
+              </a:buClr>
+              <a:buSzPct val="80000"/>
+            </a:pPr>
+            <a:r>
+              <a:rPr lang="en-US" sz="1400" kern="0" dirty="0">
+                <a:ea typeface="Arial Unicode MS" pitchFamily="34" charset="-128"/>
+                <a:cs typeface="Arial Unicode MS" pitchFamily="34" charset="-128"/>
+              </a:rPr>
+              <a:t>UI specific OData derived from CDS DDL</a:t>
+            </a:r>
+          </a:p>
+        </p:txBody>
+      </p:sp>
+      <p:sp>
+        <p:nvSpPr>
+          <p:cNvPr id="25" name="Rounded Rectangle 24"/>
+          <p:cNvSpPr/>
+          <p:nvPr/>
+        </p:nvSpPr>
+        <p:spPr bwMode="gray">
+          <a:xfrm>
+            <a:off x="4617577" y="1873049"/>
+            <a:ext cx="1805205" cy="458554"/>
+          </a:xfrm>
+          <a:prstGeom prst="roundRect">
+            <a:avLst/>
+          </a:prstGeom>
+          <a:solidFill>
+            <a:schemeClr val="accent1"/>
+          </a:solidFill>
+          <a:ln w="6350" algn="ctr">
+            <a:noFill/>
+            <a:miter lim="800000"/>
+            <a:headEnd/>
+            <a:tailEnd/>
+          </a:ln>
+        </p:spPr>
+        <p:txBody>
+          <a:bodyPr lIns="90021" tIns="72017" rIns="90021" bIns="72017" rtlCol="0" anchor="ctr"/>
+          <a:lstStyle/>
+          <a:p>
+            <a:pPr algn="ctr" defTabSz="914583" fontAlgn="base">
+              <a:spcBef>
+                <a:spcPct val="50000"/>
+              </a:spcBef>
+              <a:spcAft>
+                <a:spcPct val="0"/>
+              </a:spcAft>
+              <a:buClr>
+                <a:srgbClr val="F0AB00"/>
+              </a:buClr>
+              <a:buSzPct val="80000"/>
+            </a:pPr>
+            <a:r>
+              <a:rPr lang="de-DE" sz="1200" kern="0" dirty="0">
+                <a:ea typeface="Arial Unicode MS" pitchFamily="34" charset="-128"/>
+                <a:cs typeface="Arial Unicode MS" pitchFamily="34" charset="-128"/>
+              </a:rPr>
+              <a:t>Gateway / OData</a:t>
+            </a:r>
+          </a:p>
+        </p:txBody>
+      </p:sp>
+      <p:sp>
+        <p:nvSpPr>
+          <p:cNvPr id="26" name="Rounded Rectangle 25"/>
+          <p:cNvSpPr/>
+          <p:nvPr/>
+        </p:nvSpPr>
+        <p:spPr bwMode="gray">
+          <a:xfrm>
+            <a:off x="4614659" y="3147376"/>
+            <a:ext cx="1808122" cy="463049"/>
+          </a:xfrm>
+          <a:prstGeom prst="roundRect">
+            <a:avLst/>
+          </a:prstGeom>
+          <a:solidFill>
+            <a:schemeClr val="accent1"/>
+          </a:solidFill>
+          <a:ln w="6350" algn="ctr">
+            <a:noFill/>
+            <a:miter lim="800000"/>
+            <a:headEnd/>
+            <a:tailEnd/>
+          </a:ln>
+        </p:spPr>
+        <p:txBody>
+          <a:bodyPr lIns="90021" tIns="72017" rIns="90021" bIns="72017" rtlCol="0" anchor="ctr"/>
+          <a:lstStyle/>
+          <a:p>
+            <a:pPr algn="ctr" defTabSz="914583" fontAlgn="base">
+              <a:spcBef>
+                <a:spcPct val="50000"/>
+              </a:spcBef>
+              <a:spcAft>
+                <a:spcPct val="0"/>
+              </a:spcAft>
+              <a:buClr>
+                <a:srgbClr val="F0AB00"/>
+              </a:buClr>
+              <a:buSzPct val="80000"/>
+            </a:pPr>
+            <a:r>
+              <a:rPr lang="de-DE" sz="1200" kern="0" dirty="0">
+                <a:ea typeface="Arial Unicode MS" pitchFamily="34" charset="-128"/>
+                <a:cs typeface="Arial Unicode MS" pitchFamily="34" charset="-128"/>
+              </a:rPr>
+              <a:t>CDS Consumption View</a:t>
+            </a:r>
+          </a:p>
+        </p:txBody>
+      </p:sp>
+      <p:sp>
+        <p:nvSpPr>
+          <p:cNvPr id="27" name="Rounded Rectangle 26"/>
+          <p:cNvSpPr/>
+          <p:nvPr/>
+        </p:nvSpPr>
+        <p:spPr bwMode="gray">
+          <a:xfrm>
+            <a:off x="4617579" y="3846698"/>
+            <a:ext cx="1805203" cy="493358"/>
+          </a:xfrm>
+          <a:prstGeom prst="roundRect">
+            <a:avLst/>
+          </a:prstGeom>
+          <a:solidFill>
+            <a:schemeClr val="accent1"/>
+          </a:solidFill>
+          <a:ln w="6350" algn="ctr">
+            <a:noFill/>
+            <a:miter lim="800000"/>
+            <a:headEnd/>
+            <a:tailEnd/>
+          </a:ln>
+        </p:spPr>
+        <p:txBody>
+          <a:bodyPr lIns="90021" tIns="72017" rIns="90021" bIns="72017" rtlCol="0" anchor="ctr"/>
+          <a:lstStyle/>
+          <a:p>
+            <a:pPr algn="ctr" defTabSz="914583" fontAlgn="base">
+              <a:spcBef>
+                <a:spcPct val="50000"/>
+              </a:spcBef>
+              <a:spcAft>
+                <a:spcPct val="0"/>
+              </a:spcAft>
+              <a:buClr>
+                <a:srgbClr val="F0AB00"/>
+              </a:buClr>
+              <a:buSzPct val="80000"/>
+            </a:pPr>
+            <a:r>
+              <a:rPr lang="de-DE" sz="1200" kern="0" dirty="0">
+                <a:ea typeface="Arial Unicode MS" pitchFamily="34" charset="-128"/>
+                <a:cs typeface="Arial Unicode MS" pitchFamily="34" charset="-128"/>
+              </a:rPr>
+              <a:t>CDS BO View</a:t>
+            </a:r>
+          </a:p>
+        </p:txBody>
+      </p:sp>
+    </p:spTree>
+    <p:extLst>
+      <p:ext uri="{BB962C8B-B14F-4D97-AF65-F5344CB8AC3E}">
+        <p14:creationId xmlns:p14="http://schemas.microsoft.com/office/powerpoint/2010/main" val="1091203952"/>
+      </p:ext>
+    </p:extLst>
+  </p:cSld>
+  <p:clrMapOvr>
+    <a:masterClrMapping/>
+  </p:clrMapOvr>
+  <p:timing>
+    <p:tnLst>
+      <p:par>
+        <p:cTn id="1" dur="indefinite" restart="never" nodeType="tmRoot">
+          <p:childTnLst>
+            <p:seq concurrent="1" nextAc="seek">
+              <p:cTn id="2" dur="indefinite" nodeType="mainSeq">
+                <p:childTnLst>
+                  <p:par>
+                    <p:cTn id="3" fill="hold">
+                      <p:stCondLst>
+                        <p:cond delay="indefinite"/>
+                        <p:cond evt="onBegin" delay="0">
+                          <p:tn val="2"/>
+                        </p:cond>
+                      </p:stCondLst>
+                      <p:childTnLst>
+                        <p:par>
+                          <p:cTn id="4" fill="hold">
+                            <p:stCondLst>
+                              <p:cond delay="0"/>
+                            </p:stCondLst>
+                            <p:childTnLst>
+                              <p:par>
+                                <p:cTn id="5" presetID="1" presetClass="emph" presetSubtype="2" fill="hold" nodeType="withEffect">
+                                  <p:stCondLst>
+                                    <p:cond delay="0"/>
+                                  </p:stCondLst>
+                                  <p:childTnLst>
+                                    <p:animClr clrSpc="rgb" dir="cw">
+                                      <p:cBhvr>
+                                        <p:cTn id="6" dur="2000" fill="hold"/>
+                                        <p:tgtEl>
+                                          <p:spTgt spid="6"/>
+                                        </p:tgtEl>
+                                        <p:attrNameLst>
+                                          <p:attrName>fillcolor</p:attrName>
+                                        </p:attrNameLst>
+                                      </p:cBhvr>
+                                      <p:to>
+                                        <a:srgbClr val="D9F7CB"/>
+                                      </p:to>
+                                    </p:animClr>
+                                    <p:set>
+                                      <p:cBhvr>
+                                        <p:cTn id="7" dur="2000" fill="hold"/>
+                                        <p:tgtEl>
+                                          <p:spTgt spid="6"/>
+                                        </p:tgtEl>
+                                        <p:attrNameLst>
+                                          <p:attrName>fill.type</p:attrName>
+                                        </p:attrNameLst>
+                                      </p:cBhvr>
+                                      <p:to>
+                                        <p:strVal val="solid"/>
+                                      </p:to>
+                                    </p:set>
+                                    <p:set>
+                                      <p:cBhvr>
+                                        <p:cTn id="8" dur="2000" fill="hold"/>
+                                        <p:tgtEl>
+                                          <p:spTgt spid="6"/>
+                                        </p:tgtEl>
+                                        <p:attrNameLst>
+                                          <p:attrName>fill.on</p:attrName>
+                                        </p:attrNameLst>
+                                      </p:cBhvr>
+                                      <p:to>
+                                        <p:strVal val="true"/>
+                                      </p:to>
+                                    </p:set>
+                                  </p:childTnLst>
+                                </p:cTn>
+                              </p:par>
+                              <p:par>
+                                <p:cTn id="9" presetID="1" presetClass="emph" presetSubtype="2" fill="hold" nodeType="withEffect">
+                                  <p:stCondLst>
+                                    <p:cond delay="0"/>
+                                  </p:stCondLst>
+                                  <p:childTnLst>
+                                    <p:animClr clrSpc="rgb" dir="cw">
+                                      <p:cBhvr>
+                                        <p:cTn id="10" dur="2000" fill="hold"/>
+                                        <p:tgtEl>
+                                          <p:spTgt spid="27"/>
+                                        </p:tgtEl>
+                                        <p:attrNameLst>
+                                          <p:attrName>fillcolor</p:attrName>
+                                        </p:attrNameLst>
+                                      </p:cBhvr>
+                                      <p:to>
+                                        <a:srgbClr val="D9F7CB"/>
+                                      </p:to>
+                                    </p:animClr>
+                                    <p:set>
+                                      <p:cBhvr>
+                                        <p:cTn id="11" dur="2000" fill="hold"/>
+                                        <p:tgtEl>
+                                          <p:spTgt spid="27"/>
+                                        </p:tgtEl>
+                                        <p:attrNameLst>
+                                          <p:attrName>fill.type</p:attrName>
+                                        </p:attrNameLst>
+                                      </p:cBhvr>
+                                      <p:to>
+                                        <p:strVal val="solid"/>
+                                      </p:to>
+                                    </p:set>
+                                    <p:set>
+                                      <p:cBhvr>
+                                        <p:cTn id="12" dur="2000" fill="hold"/>
+                                        <p:tgtEl>
+                                          <p:spTgt spid="27"/>
+                                        </p:tgtEl>
+                                        <p:attrNameLst>
+                                          <p:attrName>fill.on</p:attrName>
+                                        </p:attrNameLst>
+                                      </p:cBhvr>
+                                      <p:to>
+                                        <p:strVal val="true"/>
+                                      </p:to>
+                                    </p:set>
+                                  </p:childTnLst>
+                                </p:cTn>
+                              </p:par>
+                            </p:childTnLst>
+                          </p:cTn>
+                        </p:par>
+                      </p:childTnLst>
+                    </p:cTn>
+                  </p:par>
+                </p:childTnLst>
+              </p:cTn>
+              <p:prevCondLst>
+                <p:cond evt="onPrev" delay="0">
+                  <p:tgtEl>
+                    <p:sldTgt/>
+                  </p:tgtEl>
+                </p:cond>
+              </p:prevCondLst>
+              <p:nextCondLst>
+                <p:cond evt="onNext" delay="0">
+                  <p:tgtEl>
+                    <p:sldTgt/>
+                  </p:tgtEl>
+                </p:cond>
+              </p:nextCondLst>
+            </p:seq>
+          </p:childTnLst>
+        </p:cTn>
+      </p:par>
+    </p:tnLst>
+  </p:timing>
+</p:sld>
+</file>
+
+<file path=ppt/slides/slide19.xml><?xml version="1.0" encoding="utf-8"?>
+<p:sld xmlns:a="http://schemas.openxmlformats.org/drawingml/2006/main" xmlns:r="http://schemas.openxmlformats.org/officeDocument/2006/relationships" xmlns:p="http://schemas.openxmlformats.org/presentationml/2006/main">
+  <p:cSld>
+    <p:spTree>
+      <p:nvGrpSpPr>
+        <p:cNvPr id="1" name=""/>
+        <p:cNvGrpSpPr/>
+        <p:nvPr/>
+      </p:nvGrpSpPr>
+      <p:grpSpPr>
+        <a:xfrm>
+          <a:off x="0" y="0"/>
+          <a:ext cx="0" cy="0"/>
+          <a:chOff x="0" y="0"/>
+          <a:chExt cx="0" cy="0"/>
+        </a:xfrm>
+      </p:grpSpPr>
+      <p:sp>
+        <p:nvSpPr>
+          <p:cNvPr id="2" name="Title 1"/>
+          <p:cNvSpPr>
+            <a:spLocks noGrp="1"/>
+          </p:cNvSpPr>
+          <p:nvPr>
+            <p:ph type="title"/>
+          </p:nvPr>
+        </p:nvSpPr>
+        <p:spPr/>
+        <p:txBody>
+          <a:bodyPr/>
+          <a:lstStyle/>
+          <a:p>
+            <a:endParaRPr lang="en-US"/>
+          </a:p>
+        </p:txBody>
+      </p:sp>
+      <p:sp>
+        <p:nvSpPr>
+          <p:cNvPr id="3" name="Rectangle 2"/>
+          <p:cNvSpPr/>
+          <p:nvPr/>
+        </p:nvSpPr>
+        <p:spPr bwMode="gray">
+          <a:xfrm>
+            <a:off x="532878" y="3241440"/>
+            <a:ext cx="6505812" cy="532119"/>
+          </a:xfrm>
+          <a:prstGeom prst="rect">
+            <a:avLst/>
+          </a:prstGeom>
+          <a:solidFill>
+            <a:schemeClr val="bg1">
+              <a:lumMod val="85000"/>
+            </a:schemeClr>
+          </a:solidFill>
+          <a:ln w="6350" algn="ctr">
+            <a:noFill/>
+            <a:miter lim="800000"/>
+            <a:headEnd/>
+            <a:tailEnd/>
+          </a:ln>
+        </p:spPr>
+        <p:txBody>
+          <a:bodyPr lIns="90021" tIns="72017" rIns="90021" bIns="72017" rtlCol="0" anchor="ctr"/>
+          <a:lstStyle/>
+          <a:p>
+            <a:pPr fontAlgn="base">
+              <a:spcBef>
+                <a:spcPts val="600"/>
+              </a:spcBef>
+              <a:spcAft>
+                <a:spcPct val="0"/>
+              </a:spcAft>
+              <a:buClr>
+                <a:srgbClr val="F0AB00"/>
+              </a:buClr>
+              <a:buSzPct val="80000"/>
+            </a:pPr>
+            <a:r>
+              <a:rPr lang="de-DE" sz="1400" kern="0" dirty="0" err="1">
+                <a:ea typeface="Arial Unicode MS" pitchFamily="34" charset="-128"/>
+                <a:cs typeface="Arial Unicode MS" pitchFamily="34" charset="-128"/>
+              </a:rPr>
+              <a:t>Annotations</a:t>
+            </a:r>
+            <a:r>
+              <a:rPr lang="de-DE" sz="1400" kern="0" dirty="0">
+                <a:ea typeface="Arial Unicode MS" pitchFamily="34" charset="-128"/>
+                <a:cs typeface="Arial Unicode MS" pitchFamily="34" charset="-128"/>
+              </a:rPr>
+              <a:t> </a:t>
+            </a:r>
+            <a:r>
+              <a:rPr lang="de-DE" sz="1400" kern="0" dirty="0" err="1">
+                <a:ea typeface="Arial Unicode MS" pitchFamily="34" charset="-128"/>
+                <a:cs typeface="Arial Unicode MS" pitchFamily="34" charset="-128"/>
+              </a:rPr>
+              <a:t>for</a:t>
+            </a:r>
+            <a:r>
+              <a:rPr lang="de-DE" sz="1400" kern="0" dirty="0">
+                <a:ea typeface="Arial Unicode MS" pitchFamily="34" charset="-128"/>
+                <a:cs typeface="Arial Unicode MS" pitchFamily="34" charset="-128"/>
+              </a:rPr>
+              <a:t> UI in CDS DDL</a:t>
+            </a:r>
+          </a:p>
+        </p:txBody>
+      </p:sp>
+      <p:sp>
+        <p:nvSpPr>
+          <p:cNvPr id="4" name="Rectangle 3"/>
+          <p:cNvSpPr/>
+          <p:nvPr/>
+        </p:nvSpPr>
+        <p:spPr bwMode="gray">
+          <a:xfrm>
+            <a:off x="532878" y="3941251"/>
+            <a:ext cx="6505812" cy="553850"/>
+          </a:xfrm>
+          <a:prstGeom prst="rect">
+            <a:avLst/>
+          </a:prstGeom>
+          <a:solidFill>
+            <a:schemeClr val="bg1">
+              <a:lumMod val="85000"/>
+            </a:schemeClr>
+          </a:solidFill>
+          <a:ln w="6350" algn="ctr">
+            <a:noFill/>
+            <a:miter lim="800000"/>
+            <a:headEnd/>
+            <a:tailEnd/>
+          </a:ln>
+        </p:spPr>
+        <p:txBody>
+          <a:bodyPr lIns="90021" tIns="72017" rIns="90021" bIns="72017" rtlCol="0" anchor="ctr"/>
+          <a:lstStyle/>
+          <a:p>
+            <a:pPr fontAlgn="base">
+              <a:spcBef>
+                <a:spcPts val="600"/>
+              </a:spcBef>
+              <a:spcAft>
+                <a:spcPct val="0"/>
+              </a:spcAft>
+              <a:buClr>
+                <a:srgbClr val="F0AB00"/>
+              </a:buClr>
+              <a:buSzPct val="80000"/>
+            </a:pPr>
+            <a:r>
+              <a:rPr lang="de-DE" sz="1400" kern="0" dirty="0" err="1">
+                <a:ea typeface="Arial Unicode MS" pitchFamily="34" charset="-128"/>
+                <a:cs typeface="Arial Unicode MS" pitchFamily="34" charset="-128"/>
+              </a:rPr>
+              <a:t>Annotations</a:t>
+            </a:r>
+            <a:r>
+              <a:rPr lang="de-DE" sz="1400" kern="0" dirty="0">
+                <a:ea typeface="Arial Unicode MS" pitchFamily="34" charset="-128"/>
+                <a:cs typeface="Arial Unicode MS" pitchFamily="34" charset="-128"/>
+              </a:rPr>
+              <a:t> </a:t>
+            </a:r>
+            <a:r>
+              <a:rPr lang="de-DE" sz="1400" kern="0" dirty="0" err="1">
+                <a:ea typeface="Arial Unicode MS" pitchFamily="34" charset="-128"/>
+                <a:cs typeface="Arial Unicode MS" pitchFamily="34" charset="-128"/>
+              </a:rPr>
+              <a:t>for</a:t>
+            </a:r>
+            <a:r>
+              <a:rPr lang="de-DE" sz="1400" kern="0" dirty="0">
+                <a:ea typeface="Arial Unicode MS" pitchFamily="34" charset="-128"/>
+                <a:cs typeface="Arial Unicode MS" pitchFamily="34" charset="-128"/>
+              </a:rPr>
+              <a:t> BO Definition in CDS DDL</a:t>
+            </a:r>
+          </a:p>
+        </p:txBody>
+      </p:sp>
+      <p:sp>
+        <p:nvSpPr>
+          <p:cNvPr id="5" name="Rounded Rectangle 4"/>
+          <p:cNvSpPr/>
+          <p:nvPr/>
+        </p:nvSpPr>
+        <p:spPr bwMode="gray">
+          <a:xfrm>
+            <a:off x="4351450" y="5229291"/>
+            <a:ext cx="1097535" cy="432100"/>
+          </a:xfrm>
+          <a:prstGeom prst="roundRect">
+            <a:avLst/>
+          </a:prstGeom>
+          <a:solidFill>
+            <a:schemeClr val="tx2">
+              <a:lumMod val="20000"/>
+              <a:lumOff val="80000"/>
+            </a:schemeClr>
+          </a:solidFill>
+          <a:ln w="6350" algn="ctr">
+            <a:noFill/>
+            <a:miter lim="800000"/>
+            <a:headEnd/>
+            <a:tailEnd/>
+          </a:ln>
+        </p:spPr>
+        <p:txBody>
+          <a:bodyPr lIns="90021" tIns="72017" rIns="90021" bIns="72017" rtlCol="0" anchor="ctr"/>
+          <a:lstStyle/>
+          <a:p>
+            <a:pPr algn="ctr" defTabSz="914583" fontAlgn="base">
+              <a:spcBef>
+                <a:spcPct val="50000"/>
+              </a:spcBef>
+              <a:spcAft>
+                <a:spcPct val="0"/>
+              </a:spcAft>
+              <a:buClr>
+                <a:srgbClr val="F0AB00"/>
+              </a:buClr>
+              <a:buSzPct val="80000"/>
+            </a:pPr>
+            <a:r>
+              <a:rPr lang="en-US" altLang="zh-CN" sz="1200" kern="0" dirty="0">
+                <a:ea typeface="Arial Unicode MS" pitchFamily="34" charset="-128"/>
+                <a:cs typeface="Arial Unicode MS" pitchFamily="34" charset="-128"/>
+              </a:rPr>
+              <a:t>Database table</a:t>
+            </a:r>
+            <a:endParaRPr lang="de-DE" sz="1200" kern="0" dirty="0">
+              <a:ea typeface="Arial Unicode MS" pitchFamily="34" charset="-128"/>
+              <a:cs typeface="Arial Unicode MS" pitchFamily="34" charset="-128"/>
+            </a:endParaRPr>
+          </a:p>
+        </p:txBody>
+      </p:sp>
+      <p:sp>
+        <p:nvSpPr>
+          <p:cNvPr id="6" name="Rounded Rectangle 5"/>
+          <p:cNvSpPr/>
+          <p:nvPr/>
+        </p:nvSpPr>
+        <p:spPr bwMode="gray">
+          <a:xfrm>
+            <a:off x="6068186" y="5229291"/>
+            <a:ext cx="1097535" cy="432100"/>
+          </a:xfrm>
+          <a:prstGeom prst="roundRect">
+            <a:avLst/>
+          </a:prstGeom>
+          <a:solidFill>
+            <a:schemeClr val="tx2">
+              <a:lumMod val="20000"/>
+              <a:lumOff val="80000"/>
+            </a:schemeClr>
+          </a:solidFill>
+          <a:ln w="6350" algn="ctr">
+            <a:noFill/>
+            <a:miter lim="800000"/>
+            <a:headEnd/>
+            <a:tailEnd/>
+          </a:ln>
+        </p:spPr>
+        <p:txBody>
+          <a:bodyPr lIns="90021" tIns="72017" rIns="90021" bIns="72017" rtlCol="0" anchor="ctr"/>
+          <a:lstStyle/>
+          <a:p>
+            <a:pPr algn="ctr" defTabSz="914583" fontAlgn="base">
+              <a:spcBef>
+                <a:spcPct val="50000"/>
+              </a:spcBef>
+              <a:spcAft>
+                <a:spcPct val="0"/>
+              </a:spcAft>
+              <a:buClr>
+                <a:srgbClr val="F0AB00"/>
+              </a:buClr>
+              <a:buSzPct val="80000"/>
+            </a:pPr>
+            <a:r>
+              <a:rPr lang="en-US" altLang="zh-CN" sz="1200" kern="0" dirty="0">
+                <a:ea typeface="Arial Unicode MS" pitchFamily="34" charset="-128"/>
+                <a:cs typeface="Arial Unicode MS" pitchFamily="34" charset="-128"/>
+              </a:rPr>
+              <a:t>Database table</a:t>
+            </a:r>
+            <a:endParaRPr lang="de-DE" sz="1200" kern="0" dirty="0">
+              <a:ea typeface="Arial Unicode MS" pitchFamily="34" charset="-128"/>
+              <a:cs typeface="Arial Unicode MS" pitchFamily="34" charset="-128"/>
+            </a:endParaRPr>
+          </a:p>
+        </p:txBody>
+      </p:sp>
+      <p:sp>
+        <p:nvSpPr>
+          <p:cNvPr id="7" name="Rounded Rectangle 6"/>
+          <p:cNvSpPr/>
+          <p:nvPr/>
+        </p:nvSpPr>
+        <p:spPr bwMode="gray">
+          <a:xfrm>
+            <a:off x="4870074" y="1340269"/>
+            <a:ext cx="1806708" cy="527903"/>
+          </a:xfrm>
+          <a:prstGeom prst="roundRect">
+            <a:avLst/>
+          </a:prstGeom>
+          <a:solidFill>
+            <a:schemeClr val="accent3">
+              <a:lumMod val="40000"/>
+              <a:lumOff val="60000"/>
+            </a:schemeClr>
+          </a:solidFill>
+          <a:ln w="6350" algn="ctr">
+            <a:noFill/>
+            <a:miter lim="800000"/>
+            <a:headEnd/>
+            <a:tailEnd/>
+          </a:ln>
+        </p:spPr>
+        <p:txBody>
+          <a:bodyPr lIns="90021" tIns="72017" rIns="90021" bIns="72017" rtlCol="0" anchor="ctr"/>
+          <a:lstStyle/>
+          <a:p>
+            <a:pPr algn="ctr" defTabSz="914583" fontAlgn="base">
+              <a:spcBef>
+                <a:spcPct val="50000"/>
+              </a:spcBef>
+              <a:spcAft>
+                <a:spcPct val="0"/>
+              </a:spcAft>
+              <a:buClr>
+                <a:srgbClr val="F0AB00"/>
+              </a:buClr>
+              <a:buSzPct val="80000"/>
+            </a:pPr>
+            <a:r>
+              <a:rPr lang="de-DE" sz="1200" kern="0" dirty="0">
+                <a:ea typeface="Arial Unicode MS" pitchFamily="34" charset="-128"/>
+                <a:cs typeface="Arial Unicode MS" pitchFamily="34" charset="-128"/>
+              </a:rPr>
+              <a:t>UI5 Application</a:t>
+            </a:r>
+          </a:p>
+        </p:txBody>
+      </p:sp>
+      <p:sp>
+        <p:nvSpPr>
+          <p:cNvPr id="8" name="Rounded Rectangle 7"/>
+          <p:cNvSpPr/>
+          <p:nvPr/>
+        </p:nvSpPr>
+        <p:spPr bwMode="gray">
+          <a:xfrm>
+            <a:off x="4871577" y="2611046"/>
+            <a:ext cx="1805204" cy="490748"/>
+          </a:xfrm>
+          <a:prstGeom prst="roundRect">
+            <a:avLst/>
+          </a:prstGeom>
+          <a:solidFill>
+            <a:schemeClr val="accent4">
+              <a:lumMod val="40000"/>
+              <a:lumOff val="60000"/>
+            </a:schemeClr>
+          </a:solidFill>
+          <a:ln w="6350" algn="ctr">
+            <a:noFill/>
+            <a:miter lim="800000"/>
+            <a:headEnd/>
+            <a:tailEnd/>
+          </a:ln>
+        </p:spPr>
+        <p:txBody>
+          <a:bodyPr lIns="90021" tIns="72017" rIns="90021" bIns="72017" rtlCol="0" anchor="ctr"/>
+          <a:lstStyle/>
+          <a:p>
+            <a:pPr algn="ctr" defTabSz="914583" fontAlgn="base">
+              <a:spcBef>
+                <a:spcPct val="50000"/>
+              </a:spcBef>
+              <a:spcAft>
+                <a:spcPct val="0"/>
+              </a:spcAft>
+              <a:buClr>
+                <a:srgbClr val="F0AB00"/>
+              </a:buClr>
+              <a:buSzPct val="80000"/>
+            </a:pPr>
+            <a:r>
+              <a:rPr lang="de-DE" sz="1200" kern="0" dirty="0">
+                <a:ea typeface="Arial Unicode MS" pitchFamily="34" charset="-128"/>
+                <a:cs typeface="Arial Unicode MS" pitchFamily="34" charset="-128"/>
+              </a:rPr>
+              <a:t>SADL </a:t>
+            </a:r>
+            <a:r>
+              <a:rPr lang="en-US" altLang="zh-CN" sz="1200" kern="0" dirty="0">
+                <a:ea typeface="Arial Unicode MS" pitchFamily="34" charset="-128"/>
+                <a:cs typeface="Arial Unicode MS" pitchFamily="34" charset="-128"/>
+              </a:rPr>
+              <a:t>framework</a:t>
+            </a:r>
+            <a:endParaRPr lang="de-DE" sz="1200" kern="0" dirty="0">
+              <a:ea typeface="Arial Unicode MS" pitchFamily="34" charset="-128"/>
+              <a:cs typeface="Arial Unicode MS" pitchFamily="34" charset="-128"/>
+            </a:endParaRPr>
+          </a:p>
+        </p:txBody>
+      </p:sp>
+      <p:cxnSp>
+        <p:nvCxnSpPr>
+          <p:cNvPr id="9" name="Straight Connector 8"/>
+          <p:cNvCxnSpPr>
+            <a:stCxn id="7" idx="2"/>
+            <a:endCxn id="17" idx="0"/>
+          </p:cNvCxnSpPr>
+          <p:nvPr/>
+        </p:nvCxnSpPr>
+        <p:spPr>
+          <a:xfrm>
+            <a:off x="5773429" y="1868171"/>
+            <a:ext cx="751" cy="131878"/>
+          </a:xfrm>
+          <a:prstGeom prst="line">
+            <a:avLst/>
+          </a:prstGeom>
+          <a:ln w="6350">
+            <a:solidFill>
+              <a:schemeClr val="tx1"/>
+            </a:solidFill>
+          </a:ln>
+        </p:spPr>
+        <p:style>
+          <a:lnRef idx="1">
+            <a:schemeClr val="accent1"/>
+          </a:lnRef>
+          <a:fillRef idx="0">
+            <a:schemeClr val="accent1"/>
+          </a:fillRef>
+          <a:effectRef idx="0">
+            <a:schemeClr val="accent1"/>
+          </a:effectRef>
+          <a:fontRef idx="minor">
+            <a:schemeClr val="tx1"/>
+          </a:fontRef>
+        </p:style>
+      </p:cxnSp>
+      <p:cxnSp>
+        <p:nvCxnSpPr>
+          <p:cNvPr id="10" name="Straight Connector 9"/>
+          <p:cNvCxnSpPr>
+            <a:stCxn id="17" idx="2"/>
+            <a:endCxn id="8" idx="0"/>
+          </p:cNvCxnSpPr>
+          <p:nvPr/>
+        </p:nvCxnSpPr>
+        <p:spPr>
+          <a:xfrm>
+            <a:off x="5774179" y="2458603"/>
+            <a:ext cx="0" cy="152443"/>
+          </a:xfrm>
+          <a:prstGeom prst="line">
+            <a:avLst/>
+          </a:prstGeom>
+          <a:ln w="6350">
+            <a:solidFill>
+              <a:schemeClr val="tx1"/>
+            </a:solidFill>
+          </a:ln>
+        </p:spPr>
+        <p:style>
+          <a:lnRef idx="1">
+            <a:schemeClr val="accent1"/>
+          </a:lnRef>
+          <a:fillRef idx="0">
+            <a:schemeClr val="accent1"/>
+          </a:fillRef>
+          <a:effectRef idx="0">
+            <a:schemeClr val="accent1"/>
+          </a:effectRef>
+          <a:fontRef idx="minor">
+            <a:schemeClr val="tx1"/>
+          </a:fontRef>
+        </p:style>
+      </p:cxnSp>
+      <p:cxnSp>
+        <p:nvCxnSpPr>
+          <p:cNvPr id="11" name="Straight Connector 10"/>
+          <p:cNvCxnSpPr>
+            <a:stCxn id="8" idx="2"/>
+            <a:endCxn id="18" idx="0"/>
+          </p:cNvCxnSpPr>
+          <p:nvPr/>
+        </p:nvCxnSpPr>
+        <p:spPr>
+          <a:xfrm flipH="1">
+            <a:off x="5772721" y="3101794"/>
+            <a:ext cx="1459" cy="172582"/>
+          </a:xfrm>
+          <a:prstGeom prst="line">
+            <a:avLst/>
+          </a:prstGeom>
+          <a:ln w="6350">
+            <a:solidFill>
+              <a:schemeClr val="tx1"/>
+            </a:solidFill>
+          </a:ln>
+        </p:spPr>
+        <p:style>
+          <a:lnRef idx="1">
+            <a:schemeClr val="accent1"/>
+          </a:lnRef>
+          <a:fillRef idx="0">
+            <a:schemeClr val="accent1"/>
+          </a:fillRef>
+          <a:effectRef idx="0">
+            <a:schemeClr val="accent1"/>
+          </a:effectRef>
+          <a:fontRef idx="minor">
+            <a:schemeClr val="tx1"/>
+          </a:fontRef>
+        </p:style>
+      </p:cxnSp>
+      <p:cxnSp>
+        <p:nvCxnSpPr>
+          <p:cNvPr id="12" name="Straight Connector 11"/>
+          <p:cNvCxnSpPr>
+            <a:stCxn id="18" idx="2"/>
+            <a:endCxn id="19" idx="0"/>
+          </p:cNvCxnSpPr>
+          <p:nvPr/>
+        </p:nvCxnSpPr>
+        <p:spPr>
+          <a:xfrm>
+            <a:off x="5772720" y="3737425"/>
+            <a:ext cx="1460" cy="236273"/>
+          </a:xfrm>
+          <a:prstGeom prst="line">
+            <a:avLst/>
+          </a:prstGeom>
+          <a:ln w="6350">
+            <a:solidFill>
+              <a:schemeClr val="tx1"/>
+            </a:solidFill>
+          </a:ln>
+        </p:spPr>
+        <p:style>
+          <a:lnRef idx="1">
+            <a:schemeClr val="accent1"/>
+          </a:lnRef>
+          <a:fillRef idx="0">
+            <a:schemeClr val="accent1"/>
+          </a:fillRef>
+          <a:effectRef idx="0">
+            <a:schemeClr val="accent1"/>
+          </a:effectRef>
+          <a:fontRef idx="minor">
+            <a:schemeClr val="tx1"/>
+          </a:fontRef>
+        </p:style>
+      </p:cxnSp>
+      <p:cxnSp>
+        <p:nvCxnSpPr>
+          <p:cNvPr id="13" name="Straight Connector 12"/>
+          <p:cNvCxnSpPr>
+            <a:stCxn id="19" idx="2"/>
+          </p:cNvCxnSpPr>
+          <p:nvPr/>
+        </p:nvCxnSpPr>
+        <p:spPr>
+          <a:xfrm flipH="1">
+            <a:off x="5772720" y="4467056"/>
+            <a:ext cx="1460" cy="445752"/>
+          </a:xfrm>
+          <a:prstGeom prst="line">
+            <a:avLst/>
+          </a:prstGeom>
+          <a:ln w="6350">
+            <a:solidFill>
+              <a:schemeClr val="tx1"/>
+            </a:solidFill>
+          </a:ln>
+        </p:spPr>
+        <p:style>
+          <a:lnRef idx="1">
+            <a:schemeClr val="accent1"/>
+          </a:lnRef>
+          <a:fillRef idx="0">
+            <a:schemeClr val="accent1"/>
+          </a:fillRef>
+          <a:effectRef idx="0">
+            <a:schemeClr val="accent1"/>
+          </a:effectRef>
+          <a:fontRef idx="minor">
+            <a:schemeClr val="tx1"/>
+          </a:fontRef>
+        </p:style>
+      </p:cxnSp>
+      <p:cxnSp>
+        <p:nvCxnSpPr>
+          <p:cNvPr id="14" name="Straight Connector 13"/>
+          <p:cNvCxnSpPr>
+            <a:endCxn id="5" idx="0"/>
+          </p:cNvCxnSpPr>
+          <p:nvPr/>
+        </p:nvCxnSpPr>
+        <p:spPr>
+          <a:xfrm flipH="1">
+            <a:off x="4900217" y="4912808"/>
+            <a:ext cx="857797" cy="316483"/>
+          </a:xfrm>
+          <a:prstGeom prst="line">
+            <a:avLst/>
+          </a:prstGeom>
+          <a:ln w="6350">
+            <a:solidFill>
+              <a:schemeClr val="tx1"/>
+            </a:solidFill>
+          </a:ln>
+        </p:spPr>
+        <p:style>
+          <a:lnRef idx="1">
+            <a:schemeClr val="accent1"/>
+          </a:lnRef>
+          <a:fillRef idx="0">
+            <a:schemeClr val="accent1"/>
+          </a:fillRef>
+          <a:effectRef idx="0">
+            <a:schemeClr val="accent1"/>
+          </a:effectRef>
+          <a:fontRef idx="minor">
+            <a:schemeClr val="tx1"/>
+          </a:fontRef>
+        </p:style>
+      </p:cxnSp>
+      <p:cxnSp>
+        <p:nvCxnSpPr>
+          <p:cNvPr id="15" name="Straight Connector 14"/>
+          <p:cNvCxnSpPr>
+            <a:endCxn id="6" idx="0"/>
+          </p:cNvCxnSpPr>
+          <p:nvPr/>
+        </p:nvCxnSpPr>
+        <p:spPr>
+          <a:xfrm>
+            <a:off x="5758014" y="4912808"/>
+            <a:ext cx="858940" cy="316483"/>
+          </a:xfrm>
+          <a:prstGeom prst="line">
+            <a:avLst/>
+          </a:prstGeom>
+          <a:ln w="6350">
+            <a:solidFill>
+              <a:schemeClr val="tx1"/>
+            </a:solidFill>
+          </a:ln>
+        </p:spPr>
+        <p:style>
+          <a:lnRef idx="1">
+            <a:schemeClr val="accent1"/>
+          </a:lnRef>
+          <a:fillRef idx="0">
+            <a:schemeClr val="accent1"/>
+          </a:fillRef>
+          <a:effectRef idx="0">
+            <a:schemeClr val="accent1"/>
+          </a:effectRef>
+          <a:fontRef idx="minor">
+            <a:schemeClr val="tx1"/>
+          </a:fontRef>
+        </p:style>
+      </p:cxnSp>
+      <p:sp>
+        <p:nvSpPr>
+          <p:cNvPr id="16" name="Rectangle 15"/>
+          <p:cNvSpPr/>
+          <p:nvPr/>
+        </p:nvSpPr>
+        <p:spPr bwMode="gray">
+          <a:xfrm>
+            <a:off x="532878" y="1979347"/>
+            <a:ext cx="6505812" cy="495985"/>
+          </a:xfrm>
+          <a:prstGeom prst="rect">
+            <a:avLst/>
+          </a:prstGeom>
+          <a:solidFill>
+            <a:schemeClr val="bg1">
+              <a:lumMod val="85000"/>
+            </a:schemeClr>
+          </a:solidFill>
+          <a:ln w="6350" algn="ctr">
+            <a:noFill/>
+            <a:miter lim="800000"/>
+            <a:headEnd/>
+            <a:tailEnd/>
+          </a:ln>
+        </p:spPr>
+        <p:txBody>
+          <a:bodyPr lIns="90021" tIns="72017" rIns="90021" bIns="72017" rtlCol="0" anchor="ctr"/>
+          <a:lstStyle/>
+          <a:p>
+            <a:pPr defTabSz="914583" fontAlgn="base">
+              <a:spcBef>
+                <a:spcPct val="50000"/>
+              </a:spcBef>
+              <a:spcAft>
+                <a:spcPct val="0"/>
+              </a:spcAft>
+              <a:buClr>
+                <a:srgbClr val="F0AB00"/>
+              </a:buClr>
+              <a:buSzPct val="80000"/>
+            </a:pPr>
+            <a:r>
+              <a:rPr lang="en-US" sz="1400" kern="0" dirty="0">
+                <a:ea typeface="Arial Unicode MS" pitchFamily="34" charset="-128"/>
+                <a:cs typeface="Arial Unicode MS" pitchFamily="34" charset="-128"/>
+              </a:rPr>
+              <a:t>UI specific OData derived from CDS DDL</a:t>
+            </a:r>
+          </a:p>
+        </p:txBody>
+      </p:sp>
+      <p:sp>
+        <p:nvSpPr>
+          <p:cNvPr id="17" name="Rounded Rectangle 16"/>
+          <p:cNvSpPr/>
+          <p:nvPr/>
+        </p:nvSpPr>
+        <p:spPr bwMode="gray">
+          <a:xfrm>
+            <a:off x="4871577" y="2000049"/>
+            <a:ext cx="1805205" cy="458554"/>
+          </a:xfrm>
+          <a:prstGeom prst="roundRect">
+            <a:avLst/>
+          </a:prstGeom>
+          <a:solidFill>
+            <a:schemeClr val="accent5">
+              <a:lumMod val="20000"/>
+              <a:lumOff val="80000"/>
+            </a:schemeClr>
+          </a:solidFill>
+          <a:ln w="6350" algn="ctr">
+            <a:noFill/>
+            <a:miter lim="800000"/>
+            <a:headEnd/>
+            <a:tailEnd/>
+          </a:ln>
+        </p:spPr>
+        <p:txBody>
+          <a:bodyPr lIns="90021" tIns="72017" rIns="90021" bIns="72017" rtlCol="0" anchor="ctr"/>
+          <a:lstStyle/>
+          <a:p>
+            <a:pPr algn="ctr" defTabSz="914583" fontAlgn="base">
+              <a:spcBef>
+                <a:spcPct val="50000"/>
+              </a:spcBef>
+              <a:spcAft>
+                <a:spcPct val="0"/>
+              </a:spcAft>
+              <a:buClr>
+                <a:srgbClr val="F0AB00"/>
+              </a:buClr>
+              <a:buSzPct val="80000"/>
+            </a:pPr>
+            <a:r>
+              <a:rPr lang="de-DE" sz="1200" kern="0" dirty="0">
+                <a:ea typeface="Arial Unicode MS" pitchFamily="34" charset="-128"/>
+                <a:cs typeface="Arial Unicode MS" pitchFamily="34" charset="-128"/>
+              </a:rPr>
+              <a:t>Gateway / OData</a:t>
+            </a:r>
+          </a:p>
+        </p:txBody>
+      </p:sp>
+      <p:sp>
+        <p:nvSpPr>
+          <p:cNvPr id="18" name="Rounded Rectangle 17"/>
+          <p:cNvSpPr/>
+          <p:nvPr/>
+        </p:nvSpPr>
+        <p:spPr bwMode="gray">
+          <a:xfrm>
+            <a:off x="4868659" y="3274376"/>
+            <a:ext cx="1808122" cy="463049"/>
+          </a:xfrm>
+          <a:prstGeom prst="roundRect">
+            <a:avLst/>
+          </a:prstGeom>
+          <a:solidFill>
+            <a:schemeClr val="accent1"/>
+          </a:solidFill>
+          <a:ln w="6350" algn="ctr">
+            <a:noFill/>
+            <a:miter lim="800000"/>
+            <a:headEnd/>
+            <a:tailEnd/>
+          </a:ln>
+        </p:spPr>
+        <p:txBody>
+          <a:bodyPr lIns="90021" tIns="72017" rIns="90021" bIns="72017" rtlCol="0" anchor="ctr"/>
+          <a:lstStyle/>
+          <a:p>
+            <a:pPr algn="ctr" defTabSz="914583" fontAlgn="base">
+              <a:spcBef>
+                <a:spcPct val="50000"/>
+              </a:spcBef>
+              <a:spcAft>
+                <a:spcPct val="0"/>
+              </a:spcAft>
+              <a:buClr>
+                <a:srgbClr val="F0AB00"/>
+              </a:buClr>
+              <a:buSzPct val="80000"/>
+            </a:pPr>
+            <a:r>
+              <a:rPr lang="de-DE" sz="1200" kern="0" dirty="0">
+                <a:ea typeface="Arial Unicode MS" pitchFamily="34" charset="-128"/>
+                <a:cs typeface="Arial Unicode MS" pitchFamily="34" charset="-128"/>
+              </a:rPr>
+              <a:t>CDS Consumption View</a:t>
+            </a:r>
+          </a:p>
+        </p:txBody>
+      </p:sp>
+      <p:sp>
+        <p:nvSpPr>
+          <p:cNvPr id="19" name="Rounded Rectangle 18"/>
+          <p:cNvSpPr/>
+          <p:nvPr/>
+        </p:nvSpPr>
+        <p:spPr bwMode="gray">
+          <a:xfrm>
+            <a:off x="4871579" y="3973698"/>
+            <a:ext cx="1805203" cy="493358"/>
+          </a:xfrm>
+          <a:prstGeom prst="roundRect">
+            <a:avLst/>
+          </a:prstGeom>
+          <a:solidFill>
+            <a:schemeClr val="accent1"/>
+          </a:solidFill>
+          <a:ln w="6350" algn="ctr">
+            <a:noFill/>
+            <a:miter lim="800000"/>
+            <a:headEnd/>
+            <a:tailEnd/>
+          </a:ln>
+        </p:spPr>
+        <p:txBody>
+          <a:bodyPr lIns="90021" tIns="72017" rIns="90021" bIns="72017" rtlCol="0" anchor="ctr"/>
+          <a:lstStyle/>
+          <a:p>
+            <a:pPr algn="ctr" defTabSz="914583" fontAlgn="base">
+              <a:spcBef>
+                <a:spcPct val="50000"/>
+              </a:spcBef>
+              <a:spcAft>
+                <a:spcPct val="0"/>
+              </a:spcAft>
+              <a:buClr>
+                <a:srgbClr val="F0AB00"/>
+              </a:buClr>
+              <a:buSzPct val="80000"/>
+            </a:pPr>
+            <a:r>
+              <a:rPr lang="de-DE" sz="1200" kern="0" dirty="0">
+                <a:ea typeface="Arial Unicode MS" pitchFamily="34" charset="-128"/>
+                <a:cs typeface="Arial Unicode MS" pitchFamily="34" charset="-128"/>
+              </a:rPr>
+              <a:t>CDS BO View</a:t>
+            </a:r>
+          </a:p>
+        </p:txBody>
+      </p:sp>
+      <p:sp>
+        <p:nvSpPr>
+          <p:cNvPr id="22" name="TextBox 21"/>
+          <p:cNvSpPr txBox="1"/>
+          <p:nvPr/>
+        </p:nvSpPr>
+        <p:spPr>
+          <a:xfrm>
+            <a:off x="5548184" y="5229291"/>
+            <a:ext cx="520002" cy="276999"/>
+          </a:xfrm>
+          <a:prstGeom prst="rect">
+            <a:avLst/>
+          </a:prstGeom>
+          <a:noFill/>
+        </p:spPr>
+        <p:txBody>
+          <a:bodyPr wrap="square" lIns="0" tIns="0" rIns="0" bIns="0" rtlCol="0">
+            <a:spAutoFit/>
+          </a:bodyPr>
+          <a:lstStyle/>
+          <a:p>
+            <a:pPr fontAlgn="base">
+              <a:spcBef>
+                <a:spcPts val="600"/>
+              </a:spcBef>
+              <a:spcAft>
+                <a:spcPct val="0"/>
+              </a:spcAft>
+              <a:buClr>
+                <a:srgbClr val="F0AB00"/>
+              </a:buClr>
+              <a:buSzPct val="80000"/>
+            </a:pPr>
+            <a:r>
+              <a:rPr lang="en-US" sz="1800" kern="0" dirty="0" smtClean="0">
+                <a:ea typeface="Arial Unicode MS" pitchFamily="34" charset="-128"/>
+                <a:cs typeface="Arial Unicode MS" pitchFamily="34" charset="-128"/>
+              </a:rPr>
+              <a:t>…</a:t>
+            </a:r>
+            <a:endParaRPr lang="en-US" sz="1800" kern="0" dirty="0" smtClean="0">
+              <a:ea typeface="Arial Unicode MS" pitchFamily="34" charset="-128"/>
+              <a:cs typeface="Arial Unicode MS" pitchFamily="34" charset="-128"/>
+            </a:endParaRPr>
+          </a:p>
+        </p:txBody>
+      </p:sp>
+      <p:sp>
+        <p:nvSpPr>
+          <p:cNvPr id="23" name="TextBox 22"/>
+          <p:cNvSpPr txBox="1"/>
+          <p:nvPr/>
+        </p:nvSpPr>
+        <p:spPr>
+          <a:xfrm>
+            <a:off x="7438768" y="1340269"/>
+            <a:ext cx="4621427" cy="4585871"/>
+          </a:xfrm>
+          <a:prstGeom prst="rect">
+            <a:avLst/>
+          </a:prstGeom>
+          <a:noFill/>
+        </p:spPr>
+        <p:txBody>
+          <a:bodyPr wrap="square" lIns="0" tIns="0" rIns="0" bIns="0" rtlCol="0">
+            <a:spAutoFit/>
+          </a:bodyPr>
+          <a:lstStyle/>
+          <a:p>
+            <a:pPr marL="342900" indent="-342900" fontAlgn="base">
+              <a:spcBef>
+                <a:spcPts val="600"/>
+              </a:spcBef>
+              <a:spcAft>
+                <a:spcPct val="0"/>
+              </a:spcAft>
+              <a:buClr>
+                <a:srgbClr val="F0AB00"/>
+              </a:buClr>
+              <a:buSzPct val="80000"/>
+              <a:buAutoNum type="arabicPeriod"/>
+            </a:pPr>
+            <a:r>
+              <a:rPr lang="en-US" sz="2400" kern="0" dirty="0">
+                <a:ea typeface="Arial Unicode MS" pitchFamily="34" charset="-128"/>
+                <a:cs typeface="Arial Unicode MS" pitchFamily="34" charset="-128"/>
+              </a:rPr>
+              <a:t>O</a:t>
+            </a:r>
+            <a:r>
+              <a:rPr lang="en-US" sz="2400" kern="0" dirty="0" smtClean="0">
+                <a:ea typeface="Arial Unicode MS" pitchFamily="34" charset="-128"/>
+                <a:cs typeface="Arial Unicode MS" pitchFamily="34" charset="-128"/>
+              </a:rPr>
+              <a:t>nly CDS view and CDS consumption view must be created by developer. </a:t>
+            </a:r>
+          </a:p>
+          <a:p>
+            <a:pPr marL="342900" indent="-342900" fontAlgn="base">
+              <a:spcBef>
+                <a:spcPts val="600"/>
+              </a:spcBef>
+              <a:spcAft>
+                <a:spcPct val="0"/>
+              </a:spcAft>
+              <a:buClr>
+                <a:srgbClr val="F0AB00"/>
+              </a:buClr>
+              <a:buSzPct val="80000"/>
+              <a:buAutoNum type="arabicPeriod"/>
+            </a:pPr>
+            <a:r>
+              <a:rPr lang="en-US" sz="2400" kern="0" dirty="0" smtClean="0">
+                <a:ea typeface="Arial Unicode MS" pitchFamily="34" charset="-128"/>
+                <a:cs typeface="Arial Unicode MS" pitchFamily="34" charset="-128"/>
+              </a:rPr>
+              <a:t>The old way to create </a:t>
+            </a:r>
+            <a:r>
+              <a:rPr lang="en-US" sz="2400" kern="0" dirty="0" smtClean="0">
+                <a:ea typeface="Arial Unicode MS" pitchFamily="34" charset="-128"/>
+                <a:cs typeface="Arial Unicode MS" pitchFamily="34" charset="-128"/>
+              </a:rPr>
+              <a:t>SEGW project and include CDS consumption to generate OData service </a:t>
+            </a:r>
+            <a:r>
+              <a:rPr lang="en-US" sz="2400" kern="0" dirty="0" smtClean="0">
+                <a:ea typeface="Arial Unicode MS" pitchFamily="34" charset="-128"/>
+                <a:cs typeface="Arial Unicode MS" pitchFamily="34" charset="-128"/>
+              </a:rPr>
+              <a:t>can still be used, or use the annotation in consumption view to avoid manual work.</a:t>
+            </a:r>
+          </a:p>
+          <a:p>
+            <a:pPr marL="342900" indent="-342900" fontAlgn="base">
+              <a:spcBef>
+                <a:spcPts val="600"/>
+              </a:spcBef>
+              <a:spcAft>
+                <a:spcPct val="0"/>
+              </a:spcAft>
+              <a:buClr>
+                <a:srgbClr val="F0AB00"/>
+              </a:buClr>
+              <a:buSzPct val="80000"/>
+              <a:buAutoNum type="arabicPeriod"/>
+            </a:pPr>
+            <a:r>
+              <a:rPr lang="en-US" sz="2400" kern="0" dirty="0" smtClean="0">
+                <a:ea typeface="Arial Unicode MS" pitchFamily="34" charset="-128"/>
+                <a:cs typeface="Arial Unicode MS" pitchFamily="34" charset="-128"/>
+              </a:rPr>
+              <a:t>UI5 application is automatically generated by WebIDE.</a:t>
+            </a:r>
+            <a:r>
+              <a:rPr lang="en-US" sz="2400" kern="0" dirty="0" smtClean="0">
+                <a:ea typeface="Arial Unicode MS" pitchFamily="34" charset="-128"/>
+                <a:cs typeface="Arial Unicode MS" pitchFamily="34" charset="-128"/>
+              </a:rPr>
+              <a:t> </a:t>
+            </a:r>
+          </a:p>
+        </p:txBody>
+      </p:sp>
+    </p:spTree>
+    <p:extLst>
+      <p:ext uri="{BB962C8B-B14F-4D97-AF65-F5344CB8AC3E}">
+        <p14:creationId xmlns:p14="http://schemas.microsoft.com/office/powerpoint/2010/main" val="3899074372"/>
+      </p:ext>
+    </p:extLst>
+  </p:cSld>
+  <p:clrMapOvr>
+    <a:masterClrMapping/>
+  </p:clrMapOvr>
+  <p:timing>
+    <p:tnLst>
+      <p:par>
+        <p:cTn id="1" dur="indefinite" restart="never" nodeType="tmRoot"/>
+      </p:par>
+    </p:tnLst>
+  </p:timing>
+</p:sld>
+</file>
+
 <file path=ppt/slides/slide2.xml><?xml version="1.0" encoding="utf-8"?>
 <p:sld xmlns:a="http://schemas.openxmlformats.org/drawingml/2006/main" xmlns:r="http://schemas.openxmlformats.org/officeDocument/2006/relationships" xmlns:p="http://schemas.openxmlformats.org/presentationml/2006/main">
   <p:cSld>
@@ -12059,13 +14142,7 @@
               <a:rPr lang="en-US" altLang="zh-CN" sz="1800" dirty="0" smtClean="0">
                 <a:hlinkClick r:id="rId4" action="ppaction://hlinkfile"/>
               </a:rPr>
-              <a:t> </a:t>
-            </a:r>
-            <a:r>
-              <a:rPr lang="en-US" altLang="zh-CN" sz="1800" dirty="0" smtClean="0">
-                <a:hlinkClick r:id="rId4" action="ppaction://hlinkfile"/>
-              </a:rPr>
-              <a:t>team</a:t>
+              <a:t> team</a:t>
             </a:r>
             <a:endParaRPr lang="en-US" altLang="zh-CN" sz="1800" dirty="0" smtClean="0"/>
           </a:p>
@@ -14760,10 +16837,6 @@
               </a:rPr>
               <a:t>}</a:t>
             </a:r>
-            <a:endParaRPr lang="en-US" sz="1800" kern="0" dirty="0" smtClean="0">
-              <a:ea typeface="Arial Unicode MS" pitchFamily="34" charset="-128"/>
-              <a:cs typeface="Arial Unicode MS" pitchFamily="34" charset="-128"/>
-            </a:endParaRPr>
           </a:p>
         </p:txBody>
       </p:sp>
